--- a/Project Mentally.pptx
+++ b/Project Mentally.pptx
@@ -9,27 +9,29 @@
     <p:sldId id="257" r:id="rId3"/>
     <p:sldId id="258" r:id="rId4"/>
     <p:sldId id="259" r:id="rId5"/>
-    <p:sldId id="260" r:id="rId6"/>
-    <p:sldId id="264" r:id="rId7"/>
-    <p:sldId id="266" r:id="rId8"/>
-    <p:sldId id="262" r:id="rId9"/>
-    <p:sldId id="271" r:id="rId10"/>
-    <p:sldId id="272" r:id="rId11"/>
-    <p:sldId id="273" r:id="rId12"/>
-    <p:sldId id="274" r:id="rId13"/>
-    <p:sldId id="277" r:id="rId14"/>
-    <p:sldId id="278" r:id="rId15"/>
-    <p:sldId id="279" r:id="rId16"/>
-    <p:sldId id="280" r:id="rId17"/>
-    <p:sldId id="275" r:id="rId18"/>
-    <p:sldId id="276" r:id="rId19"/>
-    <p:sldId id="281" r:id="rId20"/>
-    <p:sldId id="282" r:id="rId21"/>
-    <p:sldId id="284" r:id="rId22"/>
-    <p:sldId id="285" r:id="rId23"/>
-    <p:sldId id="286" r:id="rId24"/>
-    <p:sldId id="287" r:id="rId25"/>
-    <p:sldId id="263" r:id="rId26"/>
+    <p:sldId id="288" r:id="rId6"/>
+    <p:sldId id="260" r:id="rId7"/>
+    <p:sldId id="264" r:id="rId8"/>
+    <p:sldId id="266" r:id="rId9"/>
+    <p:sldId id="262" r:id="rId10"/>
+    <p:sldId id="271" r:id="rId11"/>
+    <p:sldId id="272" r:id="rId12"/>
+    <p:sldId id="273" r:id="rId13"/>
+    <p:sldId id="274" r:id="rId14"/>
+    <p:sldId id="277" r:id="rId15"/>
+    <p:sldId id="278" r:id="rId16"/>
+    <p:sldId id="279" r:id="rId17"/>
+    <p:sldId id="280" r:id="rId18"/>
+    <p:sldId id="275" r:id="rId19"/>
+    <p:sldId id="276" r:id="rId20"/>
+    <p:sldId id="281" r:id="rId21"/>
+    <p:sldId id="282" r:id="rId22"/>
+    <p:sldId id="284" r:id="rId23"/>
+    <p:sldId id="285" r:id="rId24"/>
+    <p:sldId id="286" r:id="rId25"/>
+    <p:sldId id="289" r:id="rId26"/>
+    <p:sldId id="287" r:id="rId27"/>
+    <p:sldId id="263" r:id="rId28"/>
   </p:sldIdLst>
   <p:sldSz cx="12192000" cy="6858000"/>
   <p:notesSz cx="6858000" cy="9144000"/>
@@ -12598,7 +12600,7 @@
           <a:p>
             <a:fld id="{A7760C04-F2BE-45EC-B3FA-55EB4254A331}" type="datetimeFigureOut">
               <a:rPr lang="ko-KR" altLang="en-US" smtClean="0"/>
-              <a:t>2024-12-31</a:t>
+              <a:t>2025-01-04</a:t>
             </a:fld>
             <a:endParaRPr lang="ko-KR" altLang="en-US"/>
           </a:p>
@@ -12796,7 +12798,7 @@
           <a:p>
             <a:fld id="{A7760C04-F2BE-45EC-B3FA-55EB4254A331}" type="datetimeFigureOut">
               <a:rPr lang="ko-KR" altLang="en-US" smtClean="0"/>
-              <a:t>2024-12-31</a:t>
+              <a:t>2025-01-04</a:t>
             </a:fld>
             <a:endParaRPr lang="ko-KR" altLang="en-US"/>
           </a:p>
@@ -13004,7 +13006,7 @@
           <a:p>
             <a:fld id="{A7760C04-F2BE-45EC-B3FA-55EB4254A331}" type="datetimeFigureOut">
               <a:rPr lang="ko-KR" altLang="en-US" smtClean="0"/>
-              <a:t>2024-12-31</a:t>
+              <a:t>2025-01-04</a:t>
             </a:fld>
             <a:endParaRPr lang="ko-KR" altLang="en-US"/>
           </a:p>
@@ -13202,7 +13204,7 @@
           <a:p>
             <a:fld id="{A7760C04-F2BE-45EC-B3FA-55EB4254A331}" type="datetimeFigureOut">
               <a:rPr lang="ko-KR" altLang="en-US" smtClean="0"/>
-              <a:t>2024-12-31</a:t>
+              <a:t>2025-01-04</a:t>
             </a:fld>
             <a:endParaRPr lang="ko-KR" altLang="en-US"/>
           </a:p>
@@ -13477,7 +13479,7 @@
           <a:p>
             <a:fld id="{A7760C04-F2BE-45EC-B3FA-55EB4254A331}" type="datetimeFigureOut">
               <a:rPr lang="ko-KR" altLang="en-US" smtClean="0"/>
-              <a:t>2024-12-31</a:t>
+              <a:t>2025-01-04</a:t>
             </a:fld>
             <a:endParaRPr lang="ko-KR" altLang="en-US"/>
           </a:p>
@@ -13742,7 +13744,7 @@
           <a:p>
             <a:fld id="{A7760C04-F2BE-45EC-B3FA-55EB4254A331}" type="datetimeFigureOut">
               <a:rPr lang="ko-KR" altLang="en-US" smtClean="0"/>
-              <a:t>2024-12-31</a:t>
+              <a:t>2025-01-04</a:t>
             </a:fld>
             <a:endParaRPr lang="ko-KR" altLang="en-US"/>
           </a:p>
@@ -14154,7 +14156,7 @@
           <a:p>
             <a:fld id="{A7760C04-F2BE-45EC-B3FA-55EB4254A331}" type="datetimeFigureOut">
               <a:rPr lang="ko-KR" altLang="en-US" smtClean="0"/>
-              <a:t>2024-12-31</a:t>
+              <a:t>2025-01-04</a:t>
             </a:fld>
             <a:endParaRPr lang="ko-KR" altLang="en-US"/>
           </a:p>
@@ -14295,7 +14297,7 @@
           <a:p>
             <a:fld id="{A7760C04-F2BE-45EC-B3FA-55EB4254A331}" type="datetimeFigureOut">
               <a:rPr lang="ko-KR" altLang="en-US" smtClean="0"/>
-              <a:t>2024-12-31</a:t>
+              <a:t>2025-01-04</a:t>
             </a:fld>
             <a:endParaRPr lang="ko-KR" altLang="en-US"/>
           </a:p>
@@ -14408,7 +14410,7 @@
           <a:p>
             <a:fld id="{A7760C04-F2BE-45EC-B3FA-55EB4254A331}" type="datetimeFigureOut">
               <a:rPr lang="ko-KR" altLang="en-US" smtClean="0"/>
-              <a:t>2024-12-31</a:t>
+              <a:t>2025-01-04</a:t>
             </a:fld>
             <a:endParaRPr lang="ko-KR" altLang="en-US"/>
           </a:p>
@@ -14719,7 +14721,7 @@
           <a:p>
             <a:fld id="{A7760C04-F2BE-45EC-B3FA-55EB4254A331}" type="datetimeFigureOut">
               <a:rPr lang="ko-KR" altLang="en-US" smtClean="0"/>
-              <a:t>2024-12-31</a:t>
+              <a:t>2025-01-04</a:t>
             </a:fld>
             <a:endParaRPr lang="ko-KR" altLang="en-US"/>
           </a:p>
@@ -15007,7 +15009,7 @@
           <a:p>
             <a:fld id="{A7760C04-F2BE-45EC-B3FA-55EB4254A331}" type="datetimeFigureOut">
               <a:rPr lang="ko-KR" altLang="en-US" smtClean="0"/>
-              <a:t>2024-12-31</a:t>
+              <a:t>2025-01-04</a:t>
             </a:fld>
             <a:endParaRPr lang="ko-KR" altLang="en-US"/>
           </a:p>
@@ -15248,7 +15250,7 @@
           <a:p>
             <a:fld id="{A7760C04-F2BE-45EC-B3FA-55EB4254A331}" type="datetimeFigureOut">
               <a:rPr lang="ko-KR" altLang="en-US" smtClean="0"/>
-              <a:t>2024-12-31</a:t>
+              <a:t>2025-01-04</a:t>
             </a:fld>
             <a:endParaRPr lang="ko-KR" altLang="en-US"/>
           </a:p>
@@ -15954,6 +15956,677 @@
       </p:grpSpPr>
       <p:sp useBgFill="1">
         <p:nvSpPr>
+          <p:cNvPr id="9" name="Rectangle 8">
+            <a:extLst>
+              <a:ext uri="{FF2B5EF4-FFF2-40B4-BE49-F238E27FC236}">
+                <a16:creationId xmlns:a16="http://schemas.microsoft.com/office/drawing/2014/main" id="{BACC6370-2D7E-4714-9D71-7542949D7D5D}"/>
+              </a:ext>
+              <a:ext uri="{C183D7F6-B498-43B3-948B-1728B52AA6E4}">
+                <adec:decorative xmlns:adec="http://schemas.microsoft.com/office/drawing/2017/decorative" val="1"/>
+              </a:ext>
+            </a:extLst>
+          </p:cNvPr>
+          <p:cNvSpPr>
+            <a:spLocks noGrp="1" noRot="1" noChangeAspect="1" noMove="1" noResize="1" noEditPoints="1" noAdjustHandles="1" noChangeArrowheads="1" noChangeShapeType="1" noTextEdit="1"/>
+          </p:cNvSpPr>
+          <p:nvPr>
+            <p:extLst>
+              <p:ext uri="{386F3935-93C4-4BCD-93E2-E3B085C9AB24}">
+                <p16:designElem xmlns:p16="http://schemas.microsoft.com/office/powerpoint/2015/main" val="1"/>
+              </p:ext>
+            </p:extLst>
+          </p:nvPr>
+        </p:nvSpPr>
+        <p:spPr>
+          <a:xfrm>
+            <a:off x="0" y="0"/>
+            <a:ext cx="12192000" cy="6858000"/>
+          </a:xfrm>
+          <a:prstGeom prst="rect">
+            <a:avLst/>
+          </a:prstGeom>
+          <a:ln w="12700" cap="flat" cmpd="sng" algn="ctr">
+            <a:noFill/>
+            <a:prstDash val="solid"/>
+            <a:miter lim="800000"/>
+          </a:ln>
+          <a:effectLst/>
+          <a:extLst>
+            <a:ext uri="{91240B29-F687-4F45-9708-019B960494DF}">
+              <a14:hiddenLine xmlns:a14="http://schemas.microsoft.com/office/drawing/2010/main" w="12700" cap="flat" cmpd="sng" algn="ctr">
+                <a:solidFill>
+                  <a:schemeClr val="accent1">
+                    <a:shade val="50000"/>
+                  </a:schemeClr>
+                </a:solidFill>
+                <a:prstDash val="solid"/>
+                <a:miter lim="800000"/>
+              </a14:hiddenLine>
+            </a:ext>
+          </a:extLst>
+        </p:spPr>
+        <p:style>
+          <a:lnRef idx="2">
+            <a:schemeClr val="accent1">
+              <a:shade val="50000"/>
+            </a:schemeClr>
+          </a:lnRef>
+          <a:fillRef idx="1">
+            <a:schemeClr val="accent1"/>
+          </a:fillRef>
+          <a:effectRef idx="0">
+            <a:schemeClr val="accent1"/>
+          </a:effectRef>
+          <a:fontRef idx="minor">
+            <a:schemeClr val="lt1"/>
+          </a:fontRef>
+        </p:style>
+        <p:txBody>
+          <a:bodyPr rtlCol="0" anchor="ctr"/>
+          <a:lstStyle/>
+          <a:p>
+            <a:pPr algn="ctr"/>
+            <a:endParaRPr lang="en-US"/>
+          </a:p>
+        </p:txBody>
+      </p:sp>
+      <p:sp>
+        <p:nvSpPr>
+          <p:cNvPr id="11" name="Rectangle 10">
+            <a:extLst>
+              <a:ext uri="{FF2B5EF4-FFF2-40B4-BE49-F238E27FC236}">
+                <a16:creationId xmlns:a16="http://schemas.microsoft.com/office/drawing/2014/main" id="{256B2C21-A230-48C0-8DF1-C46611373C44}"/>
+              </a:ext>
+              <a:ext uri="{C183D7F6-B498-43B3-948B-1728B52AA6E4}">
+                <adec:decorative xmlns:adec="http://schemas.microsoft.com/office/drawing/2017/decorative" val="1"/>
+              </a:ext>
+            </a:extLst>
+          </p:cNvPr>
+          <p:cNvSpPr>
+            <a:spLocks noGrp="1" noRot="1" noChangeAspect="1" noMove="1" noResize="1" noEditPoints="1" noAdjustHandles="1" noChangeArrowheads="1" noChangeShapeType="1" noTextEdit="1"/>
+          </p:cNvSpPr>
+          <p:nvPr>
+            <p:extLst>
+              <p:ext uri="{386F3935-93C4-4BCD-93E2-E3B085C9AB24}">
+                <p16:designElem xmlns:p16="http://schemas.microsoft.com/office/powerpoint/2015/main" val="1"/>
+              </p:ext>
+            </p:extLst>
+          </p:nvPr>
+        </p:nvSpPr>
+        <p:spPr>
+          <a:xfrm rot="5400000" flipH="1">
+            <a:off x="-1410084" y="1410082"/>
+            <a:ext cx="6858000" cy="4037836"/>
+          </a:xfrm>
+          <a:prstGeom prst="rect">
+            <a:avLst/>
+          </a:prstGeom>
+          <a:gradFill>
+            <a:gsLst>
+              <a:gs pos="8000">
+                <a:srgbClr val="000000"/>
+              </a:gs>
+              <a:gs pos="100000">
+                <a:schemeClr val="accent1">
+                  <a:lumMod val="75000"/>
+                </a:schemeClr>
+              </a:gs>
+            </a:gsLst>
+            <a:lin ang="3000000" scaled="0"/>
+          </a:gradFill>
+          <a:ln>
+            <a:noFill/>
+          </a:ln>
+        </p:spPr>
+        <p:style>
+          <a:lnRef idx="2">
+            <a:schemeClr val="accent1">
+              <a:shade val="50000"/>
+            </a:schemeClr>
+          </a:lnRef>
+          <a:fillRef idx="1">
+            <a:schemeClr val="accent1"/>
+          </a:fillRef>
+          <a:effectRef idx="0">
+            <a:schemeClr val="accent1"/>
+          </a:effectRef>
+          <a:fontRef idx="minor">
+            <a:schemeClr val="lt1"/>
+          </a:fontRef>
+        </p:style>
+        <p:txBody>
+          <a:bodyPr rtlCol="0" anchor="ctr"/>
+          <a:lstStyle/>
+          <a:p>
+            <a:pPr algn="ctr"/>
+            <a:endParaRPr lang="en-US"/>
+          </a:p>
+        </p:txBody>
+      </p:sp>
+      <p:sp>
+        <p:nvSpPr>
+          <p:cNvPr id="13" name="Rectangle 12">
+            <a:extLst>
+              <a:ext uri="{FF2B5EF4-FFF2-40B4-BE49-F238E27FC236}">
+                <a16:creationId xmlns:a16="http://schemas.microsoft.com/office/drawing/2014/main" id="{3847E18C-932D-4C95-AABA-FEC7C9499AD7}"/>
+              </a:ext>
+              <a:ext uri="{C183D7F6-B498-43B3-948B-1728B52AA6E4}">
+                <adec:decorative xmlns:adec="http://schemas.microsoft.com/office/drawing/2017/decorative" val="1"/>
+              </a:ext>
+            </a:extLst>
+          </p:cNvPr>
+          <p:cNvSpPr>
+            <a:spLocks noGrp="1" noRot="1" noChangeAspect="1" noMove="1" noResize="1" noEditPoints="1" noAdjustHandles="1" noChangeArrowheads="1" noChangeShapeType="1" noTextEdit="1"/>
+          </p:cNvSpPr>
+          <p:nvPr>
+            <p:extLst>
+              <p:ext uri="{386F3935-93C4-4BCD-93E2-E3B085C9AB24}">
+                <p16:designElem xmlns:p16="http://schemas.microsoft.com/office/powerpoint/2015/main" val="1"/>
+              </p:ext>
+            </p:extLst>
+          </p:nvPr>
+        </p:nvSpPr>
+        <p:spPr>
+          <a:xfrm rot="5400000" flipH="1">
+            <a:off x="-1410085" y="1420219"/>
+            <a:ext cx="6857999" cy="4037839"/>
+          </a:xfrm>
+          <a:prstGeom prst="rect">
+            <a:avLst/>
+          </a:prstGeom>
+          <a:gradFill>
+            <a:gsLst>
+              <a:gs pos="0">
+                <a:srgbClr val="000000">
+                  <a:alpha val="0"/>
+                </a:srgbClr>
+              </a:gs>
+              <a:gs pos="99000">
+                <a:schemeClr val="accent1">
+                  <a:alpha val="46000"/>
+                </a:schemeClr>
+              </a:gs>
+            </a:gsLst>
+            <a:lin ang="1800000" scaled="0"/>
+          </a:gradFill>
+          <a:ln>
+            <a:noFill/>
+          </a:ln>
+        </p:spPr>
+        <p:style>
+          <a:lnRef idx="2">
+            <a:schemeClr val="accent1">
+              <a:shade val="50000"/>
+            </a:schemeClr>
+          </a:lnRef>
+          <a:fillRef idx="1">
+            <a:schemeClr val="accent1"/>
+          </a:fillRef>
+          <a:effectRef idx="0">
+            <a:schemeClr val="accent1"/>
+          </a:effectRef>
+          <a:fontRef idx="minor">
+            <a:schemeClr val="lt1"/>
+          </a:fontRef>
+        </p:style>
+        <p:txBody>
+          <a:bodyPr rtlCol="0" anchor="ctr"/>
+          <a:lstStyle/>
+          <a:p>
+            <a:pPr algn="ctr"/>
+            <a:endParaRPr lang="en-US"/>
+          </a:p>
+        </p:txBody>
+      </p:sp>
+      <p:sp>
+        <p:nvSpPr>
+          <p:cNvPr id="15" name="Rectangle 14">
+            <a:extLst>
+              <a:ext uri="{FF2B5EF4-FFF2-40B4-BE49-F238E27FC236}">
+                <a16:creationId xmlns:a16="http://schemas.microsoft.com/office/drawing/2014/main" id="{3150CB11-0C61-439E-910F-5787759E72A0}"/>
+              </a:ext>
+              <a:ext uri="{C183D7F6-B498-43B3-948B-1728B52AA6E4}">
+                <adec:decorative xmlns:adec="http://schemas.microsoft.com/office/drawing/2017/decorative" val="1"/>
+              </a:ext>
+            </a:extLst>
+          </p:cNvPr>
+          <p:cNvSpPr>
+            <a:spLocks noGrp="1" noRot="1" noChangeAspect="1" noMove="1" noResize="1" noEditPoints="1" noAdjustHandles="1" noChangeArrowheads="1" noChangeShapeType="1" noTextEdit="1"/>
+          </p:cNvSpPr>
+          <p:nvPr>
+            <p:extLst>
+              <p:ext uri="{386F3935-93C4-4BCD-93E2-E3B085C9AB24}">
+                <p16:designElem xmlns:p16="http://schemas.microsoft.com/office/powerpoint/2015/main" val="1"/>
+              </p:ext>
+            </p:extLst>
+          </p:nvPr>
+        </p:nvSpPr>
+        <p:spPr>
+          <a:xfrm rot="5400000" flipH="1">
+            <a:off x="767923" y="3588085"/>
+            <a:ext cx="2501979" cy="4037841"/>
+          </a:xfrm>
+          <a:prstGeom prst="rect">
+            <a:avLst/>
+          </a:prstGeom>
+          <a:gradFill>
+            <a:gsLst>
+              <a:gs pos="2000">
+                <a:schemeClr val="accent1">
+                  <a:alpha val="29000"/>
+                </a:schemeClr>
+              </a:gs>
+              <a:gs pos="100000">
+                <a:srgbClr val="000000">
+                  <a:alpha val="30000"/>
+                </a:srgbClr>
+              </a:gs>
+            </a:gsLst>
+            <a:lin ang="7800000" scaled="0"/>
+          </a:gradFill>
+          <a:ln>
+            <a:noFill/>
+          </a:ln>
+        </p:spPr>
+        <p:style>
+          <a:lnRef idx="2">
+            <a:schemeClr val="accent1">
+              <a:shade val="50000"/>
+            </a:schemeClr>
+          </a:lnRef>
+          <a:fillRef idx="1">
+            <a:schemeClr val="accent1"/>
+          </a:fillRef>
+          <a:effectRef idx="0">
+            <a:schemeClr val="accent1"/>
+          </a:effectRef>
+          <a:fontRef idx="minor">
+            <a:schemeClr val="lt1"/>
+          </a:fontRef>
+        </p:style>
+        <p:txBody>
+          <a:bodyPr rtlCol="0" anchor="ctr"/>
+          <a:lstStyle/>
+          <a:p>
+            <a:pPr algn="ctr"/>
+            <a:endParaRPr lang="en-US" dirty="0"/>
+          </a:p>
+        </p:txBody>
+      </p:sp>
+      <p:sp>
+        <p:nvSpPr>
+          <p:cNvPr id="17" name="Freeform: Shape 16">
+            <a:extLst>
+              <a:ext uri="{FF2B5EF4-FFF2-40B4-BE49-F238E27FC236}">
+                <a16:creationId xmlns:a16="http://schemas.microsoft.com/office/drawing/2014/main" id="{43F8A58B-5155-44CE-A5FF-7647B47D0A7A}"/>
+              </a:ext>
+              <a:ext uri="{C183D7F6-B498-43B3-948B-1728B52AA6E4}">
+                <adec:decorative xmlns:adec="http://schemas.microsoft.com/office/drawing/2017/decorative" val="1"/>
+              </a:ext>
+            </a:extLst>
+          </p:cNvPr>
+          <p:cNvSpPr>
+            <a:spLocks noGrp="1" noRot="1" noChangeAspect="1" noMove="1" noResize="1" noEditPoints="1" noAdjustHandles="1" noChangeArrowheads="1" noChangeShapeType="1" noTextEdit="1"/>
+          </p:cNvSpPr>
+          <p:nvPr>
+            <p:extLst>
+              <p:ext uri="{386F3935-93C4-4BCD-93E2-E3B085C9AB24}">
+                <p16:designElem xmlns:p16="http://schemas.microsoft.com/office/powerpoint/2015/main" val="1"/>
+              </p:ext>
+            </p:extLst>
+          </p:nvPr>
+        </p:nvSpPr>
+        <p:spPr>
+          <a:xfrm rot="20635413">
+            <a:off x="-501737" y="969718"/>
+            <a:ext cx="3900357" cy="4178958"/>
+          </a:xfrm>
+          <a:custGeom>
+            <a:avLst/>
+            <a:gdLst>
+              <a:gd name="connsiteX0" fmla="*/ 2432225 w 3900357"/>
+              <a:gd name="connsiteY0" fmla="*/ 93939 h 4178958"/>
+              <a:gd name="connsiteX1" fmla="*/ 3900357 w 3900357"/>
+              <a:gd name="connsiteY1" fmla="*/ 2089479 h 4178958"/>
+              <a:gd name="connsiteX2" fmla="*/ 1810878 w 3900357"/>
+              <a:gd name="connsiteY2" fmla="*/ 4178958 h 4178958"/>
+              <a:gd name="connsiteX3" fmla="*/ 78249 w 3900357"/>
+              <a:gd name="connsiteY3" fmla="*/ 3257727 h 4178958"/>
+              <a:gd name="connsiteX4" fmla="*/ 0 w 3900357"/>
+              <a:gd name="connsiteY4" fmla="*/ 3128923 h 4178958"/>
+              <a:gd name="connsiteX5" fmla="*/ 831324 w 3900357"/>
+              <a:gd name="connsiteY5" fmla="*/ 244281 h 4178958"/>
+              <a:gd name="connsiteX6" fmla="*/ 997559 w 3900357"/>
+              <a:gd name="connsiteY6" fmla="*/ 164202 h 4178958"/>
+              <a:gd name="connsiteX7" fmla="*/ 1810878 w 3900357"/>
+              <a:gd name="connsiteY7" fmla="*/ 0 h 4178958"/>
+              <a:gd name="connsiteX8" fmla="*/ 2432225 w 3900357"/>
+              <a:gd name="connsiteY8" fmla="*/ 93939 h 4178958"/>
+            </a:gdLst>
+            <a:ahLst/>
+            <a:cxnLst>
+              <a:cxn ang="0">
+                <a:pos x="connsiteX0" y="connsiteY0"/>
+              </a:cxn>
+              <a:cxn ang="0">
+                <a:pos x="connsiteX1" y="connsiteY1"/>
+              </a:cxn>
+              <a:cxn ang="0">
+                <a:pos x="connsiteX2" y="connsiteY2"/>
+              </a:cxn>
+              <a:cxn ang="0">
+                <a:pos x="connsiteX3" y="connsiteY3"/>
+              </a:cxn>
+              <a:cxn ang="0">
+                <a:pos x="connsiteX4" y="connsiteY4"/>
+              </a:cxn>
+              <a:cxn ang="0">
+                <a:pos x="connsiteX5" y="connsiteY5"/>
+              </a:cxn>
+              <a:cxn ang="0">
+                <a:pos x="connsiteX6" y="connsiteY6"/>
+              </a:cxn>
+              <a:cxn ang="0">
+                <a:pos x="connsiteX7" y="connsiteY7"/>
+              </a:cxn>
+              <a:cxn ang="0">
+                <a:pos x="connsiteX8" y="connsiteY8"/>
+              </a:cxn>
+            </a:cxnLst>
+            <a:rect l="l" t="t" r="r" b="b"/>
+            <a:pathLst>
+              <a:path w="3900357" h="4178958">
+                <a:moveTo>
+                  <a:pt x="2432225" y="93939"/>
+                </a:moveTo>
+                <a:cubicBezTo>
+                  <a:pt x="3282786" y="358491"/>
+                  <a:pt x="3900357" y="1151865"/>
+                  <a:pt x="3900357" y="2089479"/>
+                </a:cubicBezTo>
+                <a:cubicBezTo>
+                  <a:pt x="3900357" y="3243466"/>
+                  <a:pt x="2964865" y="4178958"/>
+                  <a:pt x="1810878" y="4178958"/>
+                </a:cubicBezTo>
+                <a:cubicBezTo>
+                  <a:pt x="1089636" y="4178958"/>
+                  <a:pt x="453744" y="3813531"/>
+                  <a:pt x="78249" y="3257727"/>
+                </a:cubicBezTo>
+                <a:lnTo>
+                  <a:pt x="0" y="3128923"/>
+                </a:lnTo>
+                <a:lnTo>
+                  <a:pt x="831324" y="244281"/>
+                </a:lnTo>
+                <a:lnTo>
+                  <a:pt x="997559" y="164202"/>
+                </a:lnTo>
+                <a:cubicBezTo>
+                  <a:pt x="1247540" y="58468"/>
+                  <a:pt x="1522381" y="0"/>
+                  <a:pt x="1810878" y="0"/>
+                </a:cubicBezTo>
+                <a:cubicBezTo>
+                  <a:pt x="2027251" y="0"/>
+                  <a:pt x="2235942" y="32888"/>
+                  <a:pt x="2432225" y="93939"/>
+                </a:cubicBezTo>
+                <a:close/>
+              </a:path>
+            </a:pathLst>
+          </a:custGeom>
+          <a:gradFill>
+            <a:gsLst>
+              <a:gs pos="29000">
+                <a:srgbClr val="000000">
+                  <a:alpha val="0"/>
+                </a:srgbClr>
+              </a:gs>
+              <a:gs pos="100000">
+                <a:schemeClr val="accent1">
+                  <a:alpha val="43000"/>
+                </a:schemeClr>
+              </a:gs>
+            </a:gsLst>
+            <a:lin ang="1800000" scaled="0"/>
+          </a:gradFill>
+          <a:ln>
+            <a:noFill/>
+          </a:ln>
+        </p:spPr>
+        <p:style>
+          <a:lnRef idx="2">
+            <a:schemeClr val="accent1">
+              <a:shade val="50000"/>
+            </a:schemeClr>
+          </a:lnRef>
+          <a:fillRef idx="1">
+            <a:schemeClr val="accent1"/>
+          </a:fillRef>
+          <a:effectRef idx="0">
+            <a:schemeClr val="accent1"/>
+          </a:effectRef>
+          <a:fontRef idx="minor">
+            <a:schemeClr val="lt1"/>
+          </a:fontRef>
+        </p:style>
+        <p:txBody>
+          <a:bodyPr wrap="square" rtlCol="0" anchor="ctr">
+            <a:noAutofit/>
+          </a:bodyPr>
+          <a:lstStyle/>
+          <a:p>
+            <a:pPr algn="ctr"/>
+            <a:endParaRPr lang="en-US" dirty="0"/>
+          </a:p>
+        </p:txBody>
+      </p:sp>
+      <p:sp>
+        <p:nvSpPr>
+          <p:cNvPr id="19" name="Rectangle 18">
+            <a:extLst>
+              <a:ext uri="{FF2B5EF4-FFF2-40B4-BE49-F238E27FC236}">
+                <a16:creationId xmlns:a16="http://schemas.microsoft.com/office/drawing/2014/main" id="{443F2ACA-E6D6-4028-82DD-F03C262D5DE6}"/>
+              </a:ext>
+              <a:ext uri="{C183D7F6-B498-43B3-948B-1728B52AA6E4}">
+                <adec:decorative xmlns:adec="http://schemas.microsoft.com/office/drawing/2017/decorative" val="1"/>
+              </a:ext>
+            </a:extLst>
+          </p:cNvPr>
+          <p:cNvSpPr>
+            <a:spLocks noGrp="1" noRot="1" noChangeAspect="1" noMove="1" noResize="1" noEditPoints="1" noAdjustHandles="1" noChangeArrowheads="1" noChangeShapeType="1" noTextEdit="1"/>
+          </p:cNvSpPr>
+          <p:nvPr>
+            <p:extLst>
+              <p:ext uri="{386F3935-93C4-4BCD-93E2-E3B085C9AB24}">
+                <p16:designElem xmlns:p16="http://schemas.microsoft.com/office/powerpoint/2015/main" val="1"/>
+              </p:ext>
+            </p:extLst>
+          </p:nvPr>
+        </p:nvSpPr>
+        <p:spPr>
+          <a:xfrm rot="5400000" flipH="1">
+            <a:off x="-1410095" y="1410079"/>
+            <a:ext cx="6858003" cy="4037835"/>
+          </a:xfrm>
+          <a:prstGeom prst="rect">
+            <a:avLst/>
+          </a:prstGeom>
+          <a:gradFill>
+            <a:gsLst>
+              <a:gs pos="0">
+                <a:srgbClr val="000000">
+                  <a:alpha val="0"/>
+                </a:srgbClr>
+              </a:gs>
+              <a:gs pos="99000">
+                <a:schemeClr val="accent1">
+                  <a:lumMod val="60000"/>
+                  <a:lumOff val="40000"/>
+                  <a:alpha val="11000"/>
+                </a:schemeClr>
+              </a:gs>
+            </a:gsLst>
+            <a:lin ang="7200000" scaled="0"/>
+          </a:gradFill>
+          <a:ln>
+            <a:noFill/>
+          </a:ln>
+        </p:spPr>
+        <p:style>
+          <a:lnRef idx="2">
+            <a:schemeClr val="accent1">
+              <a:shade val="50000"/>
+            </a:schemeClr>
+          </a:lnRef>
+          <a:fillRef idx="1">
+            <a:schemeClr val="accent1"/>
+          </a:fillRef>
+          <a:effectRef idx="0">
+            <a:schemeClr val="accent1"/>
+          </a:effectRef>
+          <a:fontRef idx="minor">
+            <a:schemeClr val="lt1"/>
+          </a:fontRef>
+        </p:style>
+        <p:txBody>
+          <a:bodyPr rtlCol="0" anchor="ctr"/>
+          <a:lstStyle/>
+          <a:p>
+            <a:pPr algn="ctr"/>
+            <a:endParaRPr lang="en-US"/>
+          </a:p>
+        </p:txBody>
+      </p:sp>
+      <p:sp>
+        <p:nvSpPr>
+          <p:cNvPr id="2" name="제목 1">
+            <a:extLst>
+              <a:ext uri="{FF2B5EF4-FFF2-40B4-BE49-F238E27FC236}">
+                <a16:creationId xmlns:a16="http://schemas.microsoft.com/office/drawing/2014/main" id="{59A6D1B9-07CF-7109-CEA4-01743AC0B92E}"/>
+              </a:ext>
+            </a:extLst>
+          </p:cNvPr>
+          <p:cNvSpPr>
+            <a:spLocks noGrp="1"/>
+          </p:cNvSpPr>
+          <p:nvPr>
+            <p:ph type="title"/>
+          </p:nvPr>
+        </p:nvSpPr>
+        <p:spPr>
+          <a:xfrm>
+            <a:off x="586478" y="1683756"/>
+            <a:ext cx="3115265" cy="2396359"/>
+          </a:xfrm>
+        </p:spPr>
+        <p:txBody>
+          <a:bodyPr anchor="b">
+            <a:normAutofit/>
+          </a:bodyPr>
+          <a:lstStyle/>
+          <a:p>
+            <a:pPr algn="r"/>
+            <a:r>
+              <a:rPr lang="ko-KR" altLang="en-US" sz="3600" dirty="0">
+                <a:solidFill>
+                  <a:srgbClr val="FFFFFF"/>
+                </a:solidFill>
+              </a:rPr>
+              <a:t>시스템 시연 </a:t>
+            </a:r>
+            <a:r>
+              <a:rPr lang="en-US" altLang="ko-KR" sz="3600" dirty="0">
+                <a:solidFill>
+                  <a:srgbClr val="FFFFFF"/>
+                </a:solidFill>
+              </a:rPr>
+              <a:t>1. AI </a:t>
+            </a:r>
+            <a:r>
+              <a:rPr lang="ko-KR" altLang="en-US" sz="3600" dirty="0">
+                <a:solidFill>
+                  <a:srgbClr val="FFFFFF"/>
+                </a:solidFill>
+              </a:rPr>
+              <a:t>기반 상담 시스템</a:t>
+            </a:r>
+          </a:p>
+        </p:txBody>
+      </p:sp>
+      <p:graphicFrame>
+        <p:nvGraphicFramePr>
+          <p:cNvPr id="5" name="내용 개체 틀 2">
+            <a:extLst>
+              <a:ext uri="{FF2B5EF4-FFF2-40B4-BE49-F238E27FC236}">
+                <a16:creationId xmlns:a16="http://schemas.microsoft.com/office/drawing/2014/main" id="{6EA55A49-3D81-761C-0BF6-95EBBC2F92AD}"/>
+              </a:ext>
+            </a:extLst>
+          </p:cNvPr>
+          <p:cNvGraphicFramePr>
+            <a:graphicFrameLocks noGrp="1"/>
+          </p:cNvGraphicFramePr>
+          <p:nvPr>
+            <p:ph idx="1"/>
+            <p:extLst>
+              <p:ext uri="{D42A27DB-BD31-4B8C-83A1-F6EECF244321}">
+                <p14:modId xmlns:p14="http://schemas.microsoft.com/office/powerpoint/2010/main" val="1953443940"/>
+              </p:ext>
+            </p:extLst>
+          </p:nvPr>
+        </p:nvGraphicFramePr>
+        <p:xfrm>
+          <a:off x="4905052" y="750440"/>
+          <a:ext cx="6666833" cy="5453920"/>
+        </p:xfrm>
+        <a:graphic>
+          <a:graphicData uri="http://schemas.openxmlformats.org/drawingml/2006/diagram">
+            <dgm:relIds xmlns:dgm="http://schemas.openxmlformats.org/drawingml/2006/diagram" xmlns:r="http://schemas.openxmlformats.org/officeDocument/2006/relationships" r:dm="rId2" r:lo="rId3" r:qs="rId4" r:cs="rId5"/>
+          </a:graphicData>
+        </a:graphic>
+      </p:graphicFrame>
+    </p:spTree>
+    <p:extLst>
+      <p:ext uri="{BB962C8B-B14F-4D97-AF65-F5344CB8AC3E}">
+        <p14:creationId xmlns:p14="http://schemas.microsoft.com/office/powerpoint/2010/main" val="3599302359"/>
+      </p:ext>
+    </p:extLst>
+  </p:cSld>
+  <p:clrMapOvr>
+    <a:masterClrMapping/>
+  </p:clrMapOvr>
+</p:sld>
+</file>
+
+<file path=ppt/slides/slide11.xml><?xml version="1.0" encoding="utf-8"?>
+<p:sld xmlns:a="http://schemas.openxmlformats.org/drawingml/2006/main" xmlns:r="http://schemas.openxmlformats.org/officeDocument/2006/relationships" xmlns:p="http://schemas.openxmlformats.org/presentationml/2006/main">
+  <p:cSld>
+    <p:bg>
+      <p:bgPr>
+        <a:solidFill>
+          <a:schemeClr val="bg1"/>
+        </a:solidFill>
+        <a:effectLst/>
+      </p:bgPr>
+    </p:bg>
+    <p:spTree>
+      <p:nvGrpSpPr>
+        <p:cNvPr id="1" name=""/>
+        <p:cNvGrpSpPr/>
+        <p:nvPr/>
+      </p:nvGrpSpPr>
+      <p:grpSpPr>
+        <a:xfrm>
+          <a:off x="0" y="0"/>
+          <a:ext cx="0" cy="0"/>
+          <a:chOff x="0" y="0"/>
+          <a:chExt cx="0" cy="0"/>
+        </a:xfrm>
+      </p:grpSpPr>
+      <p:sp useBgFill="1">
+        <p:nvSpPr>
           <p:cNvPr id="11" name="Rectangle 10">
             <a:extLst>
               <a:ext uri="{FF2B5EF4-FFF2-40B4-BE49-F238E27FC236}">
@@ -16601,7 +17274,7 @@
 </p:sld>
 </file>
 
-<file path=ppt/slides/slide11.xml><?xml version="1.0" encoding="utf-8"?>
+<file path=ppt/slides/slide12.xml><?xml version="1.0" encoding="utf-8"?>
 <p:sld xmlns:a="http://schemas.openxmlformats.org/drawingml/2006/main" xmlns:r="http://schemas.openxmlformats.org/officeDocument/2006/relationships" xmlns:p="http://schemas.openxmlformats.org/presentationml/2006/main">
   <p:cSld>
     <p:spTree>
@@ -16825,7 +17498,7 @@
 </p:sld>
 </file>
 
-<file path=ppt/slides/slide12.xml><?xml version="1.0" encoding="utf-8"?>
+<file path=ppt/slides/slide13.xml><?xml version="1.0" encoding="utf-8"?>
 <p:sld xmlns:a="http://schemas.openxmlformats.org/drawingml/2006/main" xmlns:r="http://schemas.openxmlformats.org/officeDocument/2006/relationships" xmlns:p="http://schemas.openxmlformats.org/presentationml/2006/main">
   <p:cSld>
     <p:spTree>
@@ -17077,7 +17750,7 @@
 </p:sld>
 </file>
 
-<file path=ppt/slides/slide13.xml><?xml version="1.0" encoding="utf-8"?>
+<file path=ppt/slides/slide14.xml><?xml version="1.0" encoding="utf-8"?>
 <p:sld xmlns:a="http://schemas.openxmlformats.org/drawingml/2006/main" xmlns:r="http://schemas.openxmlformats.org/officeDocument/2006/relationships" xmlns:p="http://schemas.openxmlformats.org/presentationml/2006/main">
   <p:cSld>
     <p:spTree>
@@ -17343,7 +18016,7 @@
 </p:sld>
 </file>
 
-<file path=ppt/slides/slide14.xml><?xml version="1.0" encoding="utf-8"?>
+<file path=ppt/slides/slide15.xml><?xml version="1.0" encoding="utf-8"?>
 <p:sld xmlns:a="http://schemas.openxmlformats.org/drawingml/2006/main" xmlns:r="http://schemas.openxmlformats.org/officeDocument/2006/relationships" xmlns:p="http://schemas.openxmlformats.org/presentationml/2006/main">
   <p:cSld>
     <p:spTree>
@@ -17610,7 +18283,7 @@
 </p:sld>
 </file>
 
-<file path=ppt/slides/slide15.xml><?xml version="1.0" encoding="utf-8"?>
+<file path=ppt/slides/slide16.xml><?xml version="1.0" encoding="utf-8"?>
 <p:sld xmlns:a="http://schemas.openxmlformats.org/drawingml/2006/main" xmlns:r="http://schemas.openxmlformats.org/officeDocument/2006/relationships" xmlns:p="http://schemas.openxmlformats.org/presentationml/2006/main">
   <p:cSld>
     <p:spTree>
@@ -17864,7 +18537,7 @@
 </p:sld>
 </file>
 
-<file path=ppt/slides/slide16.xml><?xml version="1.0" encoding="utf-8"?>
+<file path=ppt/slides/slide17.xml><?xml version="1.0" encoding="utf-8"?>
 <p:sld xmlns:a="http://schemas.openxmlformats.org/drawingml/2006/main" xmlns:r="http://schemas.openxmlformats.org/officeDocument/2006/relationships" xmlns:p="http://schemas.openxmlformats.org/presentationml/2006/main">
   <p:cSld>
     <p:spTree>
@@ -18110,7 +18783,7 @@
 </p:sld>
 </file>
 
-<file path=ppt/slides/slide17.xml><?xml version="1.0" encoding="utf-8"?>
+<file path=ppt/slides/slide18.xml><?xml version="1.0" encoding="utf-8"?>
 <p:sld xmlns:a="http://schemas.openxmlformats.org/drawingml/2006/main" xmlns:r="http://schemas.openxmlformats.org/officeDocument/2006/relationships" xmlns:p="http://schemas.openxmlformats.org/presentationml/2006/main">
   <p:cSld>
     <p:spTree>
@@ -18314,7 +18987,7 @@
 </p:sld>
 </file>
 
-<file path=ppt/slides/slide18.xml><?xml version="1.0" encoding="utf-8"?>
+<file path=ppt/slides/slide19.xml><?xml version="1.0" encoding="utf-8"?>
 <p:sld xmlns:a="http://schemas.openxmlformats.org/drawingml/2006/main" xmlns:r="http://schemas.openxmlformats.org/officeDocument/2006/relationships" xmlns:p="http://schemas.openxmlformats.org/presentationml/2006/main">
   <p:cSld>
     <p:spTree>
@@ -18476,208 +19149,6 @@
     <p:extLst>
       <p:ext uri="{BB962C8B-B14F-4D97-AF65-F5344CB8AC3E}">
         <p14:creationId xmlns:p14="http://schemas.microsoft.com/office/powerpoint/2010/main" val="3989048228"/>
-      </p:ext>
-    </p:extLst>
-  </p:cSld>
-  <p:clrMapOvr>
-    <a:masterClrMapping/>
-  </p:clrMapOvr>
-</p:sld>
-</file>
-
-<file path=ppt/slides/slide19.xml><?xml version="1.0" encoding="utf-8"?>
-<p:sld xmlns:a="http://schemas.openxmlformats.org/drawingml/2006/main" xmlns:r="http://schemas.openxmlformats.org/officeDocument/2006/relationships" xmlns:p="http://schemas.openxmlformats.org/presentationml/2006/main">
-  <p:cSld>
-    <p:spTree>
-      <p:nvGrpSpPr>
-        <p:cNvPr id="1" name="">
-          <a:extLst>
-            <a:ext uri="{FF2B5EF4-FFF2-40B4-BE49-F238E27FC236}">
-              <a16:creationId xmlns:a16="http://schemas.microsoft.com/office/drawing/2014/main" id="{21654587-5678-C694-B79D-63F935ED7BA2}"/>
-            </a:ext>
-          </a:extLst>
-        </p:cNvPr>
-        <p:cNvGrpSpPr/>
-        <p:nvPr/>
-      </p:nvGrpSpPr>
-      <p:grpSpPr>
-        <a:xfrm>
-          <a:off x="0" y="0"/>
-          <a:ext cx="0" cy="0"/>
-          <a:chOff x="0" y="0"/>
-          <a:chExt cx="0" cy="0"/>
-        </a:xfrm>
-      </p:grpSpPr>
-      <p:sp>
-        <p:nvSpPr>
-          <p:cNvPr id="2" name="제목 1">
-            <a:extLst>
-              <a:ext uri="{FF2B5EF4-FFF2-40B4-BE49-F238E27FC236}">
-                <a16:creationId xmlns:a16="http://schemas.microsoft.com/office/drawing/2014/main" id="{BA40AA56-30BC-47F3-BF4B-0826227D9754}"/>
-              </a:ext>
-            </a:extLst>
-          </p:cNvPr>
-          <p:cNvSpPr>
-            <a:spLocks noGrp="1"/>
-          </p:cNvSpPr>
-          <p:nvPr>
-            <p:ph type="title"/>
-          </p:nvPr>
-        </p:nvSpPr>
-        <p:spPr>
-          <a:xfrm>
-            <a:off x="838200" y="365125"/>
-            <a:ext cx="10978662" cy="1325563"/>
-          </a:xfrm>
-        </p:spPr>
-        <p:txBody>
-          <a:bodyPr/>
-          <a:lstStyle/>
-          <a:p>
-            <a:r>
-              <a:rPr lang="ko-KR" altLang="en-US" sz="4400" dirty="0">
-                <a:solidFill>
-                  <a:schemeClr val="tx2"/>
-                </a:solidFill>
-              </a:rPr>
-              <a:t>시스템 시연 </a:t>
-            </a:r>
-            <a:r>
-              <a:rPr lang="en-US" altLang="ko-KR" sz="4400" dirty="0">
-                <a:solidFill>
-                  <a:schemeClr val="tx2"/>
-                </a:solidFill>
-              </a:rPr>
-              <a:t>3. </a:t>
-            </a:r>
-            <a:r>
-              <a:rPr lang="ko-KR" altLang="en-US" sz="4400" dirty="0">
-                <a:solidFill>
-                  <a:schemeClr val="tx2"/>
-                </a:solidFill>
-              </a:rPr>
-              <a:t>가까운 정신과 찾기 시스템</a:t>
-            </a:r>
-            <a:endParaRPr lang="ko-KR" altLang="en-US" dirty="0"/>
-          </a:p>
-        </p:txBody>
-      </p:sp>
-      <p:sp>
-        <p:nvSpPr>
-          <p:cNvPr id="3" name="내용 개체 틀 2">
-            <a:extLst>
-              <a:ext uri="{FF2B5EF4-FFF2-40B4-BE49-F238E27FC236}">
-                <a16:creationId xmlns:a16="http://schemas.microsoft.com/office/drawing/2014/main" id="{02DF0310-212E-9AFD-DBA3-A0FCCC3928C1}"/>
-              </a:ext>
-            </a:extLst>
-          </p:cNvPr>
-          <p:cNvSpPr>
-            <a:spLocks noGrp="1"/>
-          </p:cNvSpPr>
-          <p:nvPr>
-            <p:ph sz="half" idx="1"/>
-          </p:nvPr>
-        </p:nvSpPr>
-        <p:spPr/>
-        <p:txBody>
-          <a:bodyPr/>
-          <a:lstStyle/>
-          <a:p>
-            <a:r>
-              <a:rPr lang="ko-KR" altLang="en-US" dirty="0"/>
-              <a:t>무료 계정의 경우 가까운 주치의 찾기 기능만 활용 가능</a:t>
-            </a:r>
-            <a:endParaRPr lang="en-US" altLang="ko-KR" dirty="0"/>
-          </a:p>
-          <a:p>
-            <a:r>
-              <a:rPr lang="ko-KR" altLang="en-US" dirty="0"/>
-              <a:t>유료 계정의 경우 주치의 </a:t>
-            </a:r>
-            <a:r>
-              <a:rPr lang="ko-KR" altLang="en-US" dirty="0" err="1"/>
-              <a:t>큐레이팅</a:t>
-            </a:r>
-            <a:r>
-              <a:rPr lang="ko-KR" altLang="en-US" dirty="0"/>
-              <a:t> 기능을 제공</a:t>
-            </a:r>
-            <a:endParaRPr lang="en-US" altLang="ko-KR" dirty="0"/>
-          </a:p>
-          <a:p>
-            <a:pPr lvl="1"/>
-            <a:r>
-              <a:rPr lang="ko-KR" altLang="en-US" dirty="0"/>
-              <a:t>본인이 업로드한 게시물을 분석</a:t>
-            </a:r>
-            <a:r>
-              <a:rPr lang="en-US" altLang="ko-KR" dirty="0"/>
-              <a:t>, </a:t>
-            </a:r>
-            <a:r>
-              <a:rPr lang="ko-KR" altLang="en-US" dirty="0"/>
-              <a:t>태그를 추출하여 간략한 요약과 함께 </a:t>
-            </a:r>
-            <a:r>
-              <a:rPr lang="ko-KR" altLang="en-US" dirty="0" err="1"/>
-              <a:t>의사용</a:t>
-            </a:r>
-            <a:r>
-              <a:rPr lang="ko-KR" altLang="en-US" dirty="0"/>
-              <a:t> 네트워크에 게시</a:t>
-            </a:r>
-            <a:endParaRPr lang="en-US" altLang="ko-KR" dirty="0"/>
-          </a:p>
-          <a:p>
-            <a:pPr lvl="1"/>
-            <a:r>
-              <a:rPr lang="ko-KR" altLang="en-US" dirty="0"/>
-              <a:t>환자가 의사를 찾는 시스템이 아닌</a:t>
-            </a:r>
-            <a:r>
-              <a:rPr lang="en-US" altLang="ko-KR" dirty="0"/>
-              <a:t>, </a:t>
-            </a:r>
-            <a:r>
-              <a:rPr lang="ko-KR" altLang="en-US" dirty="0"/>
-              <a:t>의사가 환자를 찾아가는 시스템 </a:t>
-            </a:r>
-          </a:p>
-        </p:txBody>
-      </p:sp>
-      <p:pic>
-        <p:nvPicPr>
-          <p:cNvPr id="10" name="내용 개체 틀 9">
-            <a:extLst>
-              <a:ext uri="{FF2B5EF4-FFF2-40B4-BE49-F238E27FC236}">
-                <a16:creationId xmlns:a16="http://schemas.microsoft.com/office/drawing/2014/main" id="{44EF0019-E16E-24CB-E728-0BECC5CD1703}"/>
-              </a:ext>
-            </a:extLst>
-          </p:cNvPr>
-          <p:cNvPicPr>
-            <a:picLocks noGrp="1" noChangeAspect="1"/>
-          </p:cNvPicPr>
-          <p:nvPr>
-            <p:ph sz="half" idx="2"/>
-          </p:nvPr>
-        </p:nvPicPr>
-        <p:blipFill>
-          <a:blip r:embed="rId2"/>
-          <a:stretch>
-            <a:fillRect/>
-          </a:stretch>
-        </p:blipFill>
-        <p:spPr>
-          <a:xfrm>
-            <a:off x="7045863" y="1825625"/>
-            <a:ext cx="3434273" cy="4351338"/>
-          </a:xfrm>
-        </p:spPr>
-      </p:pic>
-    </p:spTree>
-    <p:extLst>
-      <p:ext uri="{BB962C8B-B14F-4D97-AF65-F5344CB8AC3E}">
-        <p14:creationId xmlns:p14="http://schemas.microsoft.com/office/powerpoint/2010/main" val="585199105"/>
       </p:ext>
     </p:extLst>
   </p:cSld>
@@ -22441,6 +22912,221 @@
         <p:cNvPr id="1" name="">
           <a:extLst>
             <a:ext uri="{FF2B5EF4-FFF2-40B4-BE49-F238E27FC236}">
+              <a16:creationId xmlns:a16="http://schemas.microsoft.com/office/drawing/2014/main" id="{21654587-5678-C694-B79D-63F935ED7BA2}"/>
+            </a:ext>
+          </a:extLst>
+        </p:cNvPr>
+        <p:cNvGrpSpPr/>
+        <p:nvPr/>
+      </p:nvGrpSpPr>
+      <p:grpSpPr>
+        <a:xfrm>
+          <a:off x="0" y="0"/>
+          <a:ext cx="0" cy="0"/>
+          <a:chOff x="0" y="0"/>
+          <a:chExt cx="0" cy="0"/>
+        </a:xfrm>
+      </p:grpSpPr>
+      <p:sp>
+        <p:nvSpPr>
+          <p:cNvPr id="2" name="제목 1">
+            <a:extLst>
+              <a:ext uri="{FF2B5EF4-FFF2-40B4-BE49-F238E27FC236}">
+                <a16:creationId xmlns:a16="http://schemas.microsoft.com/office/drawing/2014/main" id="{BA40AA56-30BC-47F3-BF4B-0826227D9754}"/>
+              </a:ext>
+            </a:extLst>
+          </p:cNvPr>
+          <p:cNvSpPr>
+            <a:spLocks noGrp="1"/>
+          </p:cNvSpPr>
+          <p:nvPr>
+            <p:ph type="title"/>
+          </p:nvPr>
+        </p:nvSpPr>
+        <p:spPr>
+          <a:xfrm>
+            <a:off x="838200" y="365125"/>
+            <a:ext cx="10978662" cy="1325563"/>
+          </a:xfrm>
+        </p:spPr>
+        <p:txBody>
+          <a:bodyPr/>
+          <a:lstStyle/>
+          <a:p>
+            <a:r>
+              <a:rPr lang="ko-KR" altLang="en-US" sz="4400" dirty="0">
+                <a:solidFill>
+                  <a:schemeClr val="tx2"/>
+                </a:solidFill>
+              </a:rPr>
+              <a:t>시스템 시연 </a:t>
+            </a:r>
+            <a:r>
+              <a:rPr lang="en-US" altLang="ko-KR" sz="4400" dirty="0">
+                <a:solidFill>
+                  <a:schemeClr val="tx2"/>
+                </a:solidFill>
+              </a:rPr>
+              <a:t>3. </a:t>
+            </a:r>
+            <a:r>
+              <a:rPr lang="ko-KR" altLang="en-US" sz="4400" dirty="0">
+                <a:solidFill>
+                  <a:schemeClr val="tx2"/>
+                </a:solidFill>
+              </a:rPr>
+              <a:t>가까운 정신과 찾기 시스템</a:t>
+            </a:r>
+            <a:endParaRPr lang="ko-KR" altLang="en-US" dirty="0"/>
+          </a:p>
+        </p:txBody>
+      </p:sp>
+      <p:sp>
+        <p:nvSpPr>
+          <p:cNvPr id="3" name="내용 개체 틀 2">
+            <a:extLst>
+              <a:ext uri="{FF2B5EF4-FFF2-40B4-BE49-F238E27FC236}">
+                <a16:creationId xmlns:a16="http://schemas.microsoft.com/office/drawing/2014/main" id="{02DF0310-212E-9AFD-DBA3-A0FCCC3928C1}"/>
+              </a:ext>
+            </a:extLst>
+          </p:cNvPr>
+          <p:cNvSpPr>
+            <a:spLocks noGrp="1"/>
+          </p:cNvSpPr>
+          <p:nvPr>
+            <p:ph sz="half" idx="1"/>
+          </p:nvPr>
+        </p:nvSpPr>
+        <p:spPr/>
+        <p:txBody>
+          <a:bodyPr/>
+          <a:lstStyle/>
+          <a:p>
+            <a:r>
+              <a:rPr lang="ko-KR" altLang="en-US" dirty="0"/>
+              <a:t>무료 계정의 경우 가까운 주치의 찾기 기능만 활용 가능</a:t>
+            </a:r>
+            <a:endParaRPr lang="en-US" altLang="ko-KR" dirty="0"/>
+          </a:p>
+          <a:p>
+            <a:r>
+              <a:rPr lang="ko-KR" altLang="en-US" dirty="0"/>
+              <a:t>유료 계정의 경우 주치의 </a:t>
+            </a:r>
+            <a:r>
+              <a:rPr lang="ko-KR" altLang="en-US" dirty="0" err="1"/>
+              <a:t>큐레이팅</a:t>
+            </a:r>
+            <a:r>
+              <a:rPr lang="ko-KR" altLang="en-US" dirty="0"/>
+              <a:t> 기능을 제공</a:t>
+            </a:r>
+            <a:endParaRPr lang="en-US" altLang="ko-KR" dirty="0"/>
+          </a:p>
+          <a:p>
+            <a:pPr lvl="1"/>
+            <a:r>
+              <a:rPr lang="ko-KR" altLang="en-US" dirty="0"/>
+              <a:t>본인이 업로드한 게시물을 분석</a:t>
+            </a:r>
+            <a:r>
+              <a:rPr lang="en-US" altLang="ko-KR" dirty="0"/>
+              <a:t>, </a:t>
+            </a:r>
+            <a:r>
+              <a:rPr lang="ko-KR" altLang="en-US" dirty="0"/>
+              <a:t>태그를 추출하여 간략한 요약과 함께 </a:t>
+            </a:r>
+            <a:r>
+              <a:rPr lang="ko-KR" altLang="en-US" dirty="0" err="1"/>
+              <a:t>의사용</a:t>
+            </a:r>
+            <a:r>
+              <a:rPr lang="ko-KR" altLang="en-US" dirty="0"/>
+              <a:t> 네트워크에 게시</a:t>
+            </a:r>
+            <a:endParaRPr lang="en-US" altLang="ko-KR" dirty="0"/>
+          </a:p>
+          <a:p>
+            <a:pPr lvl="1"/>
+            <a:r>
+              <a:rPr lang="ko-KR" altLang="en-US" dirty="0"/>
+              <a:t>환자가 의사를 찾는 시스템이 아닌</a:t>
+            </a:r>
+            <a:r>
+              <a:rPr lang="en-US" altLang="ko-KR" dirty="0"/>
+              <a:t>, </a:t>
+            </a:r>
+            <a:r>
+              <a:rPr lang="ko-KR" altLang="en-US" dirty="0"/>
+              <a:t>의사가 환자를 찾아가는 시스템 </a:t>
+            </a:r>
+          </a:p>
+        </p:txBody>
+      </p:sp>
+      <p:pic>
+        <p:nvPicPr>
+          <p:cNvPr id="7" name="내용 개체 틀 6">
+            <a:extLst>
+              <a:ext uri="{FF2B5EF4-FFF2-40B4-BE49-F238E27FC236}">
+                <a16:creationId xmlns:a16="http://schemas.microsoft.com/office/drawing/2014/main" id="{7B8B3EB9-74DD-6169-DCAC-219ECD0991DB}"/>
+              </a:ext>
+            </a:extLst>
+          </p:cNvPr>
+          <p:cNvPicPr>
+            <a:picLocks noGrp="1" noChangeAspect="1"/>
+          </p:cNvPicPr>
+          <p:nvPr>
+            <p:ph sz="half" idx="2"/>
+          </p:nvPr>
+        </p:nvPicPr>
+        <p:blipFill>
+          <a:blip r:embed="rId2"/>
+          <a:stretch>
+            <a:fillRect/>
+          </a:stretch>
+        </p:blipFill>
+        <p:spPr>
+          <a:xfrm>
+            <a:off x="6570267" y="1825625"/>
+            <a:ext cx="4385466" cy="4351338"/>
+          </a:xfrm>
+          <a:prstGeom prst="rect">
+            <a:avLst/>
+          </a:prstGeom>
+          <a:ln>
+            <a:noFill/>
+          </a:ln>
+          <a:effectLst>
+            <a:outerShdw blurRad="292100" dist="139700" dir="2700000" algn="tl" rotWithShape="0">
+              <a:srgbClr val="333333">
+                <a:alpha val="65000"/>
+              </a:srgbClr>
+            </a:outerShdw>
+          </a:effectLst>
+        </p:spPr>
+      </p:pic>
+    </p:spTree>
+    <p:extLst>
+      <p:ext uri="{BB962C8B-B14F-4D97-AF65-F5344CB8AC3E}">
+        <p14:creationId xmlns:p14="http://schemas.microsoft.com/office/powerpoint/2010/main" val="585199105"/>
+      </p:ext>
+    </p:extLst>
+  </p:cSld>
+  <p:clrMapOvr>
+    <a:masterClrMapping/>
+  </p:clrMapOvr>
+</p:sld>
+</file>
+
+<file path=ppt/slides/slide21.xml><?xml version="1.0" encoding="utf-8"?>
+<p:sld xmlns:a="http://schemas.openxmlformats.org/drawingml/2006/main" xmlns:r="http://schemas.openxmlformats.org/officeDocument/2006/relationships" xmlns:p="http://schemas.openxmlformats.org/presentationml/2006/main">
+  <p:cSld>
+    <p:spTree>
+      <p:nvGrpSpPr>
+        <p:cNvPr id="1" name="">
+          <a:extLst>
+            <a:ext uri="{FF2B5EF4-FFF2-40B4-BE49-F238E27FC236}">
               <a16:creationId xmlns:a16="http://schemas.microsoft.com/office/drawing/2014/main" id="{7D263CAC-0E3F-2BF5-A53B-B64595A36A43}"/>
             </a:ext>
           </a:extLst>
@@ -22593,7 +23279,7 @@
 </p:sld>
 </file>
 
-<file path=ppt/slides/slide21.xml><?xml version="1.0" encoding="utf-8"?>
+<file path=ppt/slides/slide22.xml><?xml version="1.0" encoding="utf-8"?>
 <p:sld xmlns:a="http://schemas.openxmlformats.org/drawingml/2006/main" xmlns:r="http://schemas.openxmlformats.org/officeDocument/2006/relationships" xmlns:p="http://schemas.openxmlformats.org/presentationml/2006/main">
   <p:cSld>
     <p:spTree>
@@ -22786,7 +23472,7 @@
 </p:sld>
 </file>
 
-<file path=ppt/slides/slide22.xml><?xml version="1.0" encoding="utf-8"?>
+<file path=ppt/slides/slide23.xml><?xml version="1.0" encoding="utf-8"?>
 <p:sld xmlns:a="http://schemas.openxmlformats.org/drawingml/2006/main" xmlns:r="http://schemas.openxmlformats.org/officeDocument/2006/relationships" xmlns:p="http://schemas.openxmlformats.org/presentationml/2006/main">
   <p:cSld>
     <p:spTree>
@@ -22996,34 +23682,48 @@
           </a:p>
         </p:txBody>
       </p:sp>
-      <p:sp>
-        <p:nvSpPr>
-          <p:cNvPr id="5" name="내용 개체 틀 4">
+      <p:pic>
+        <p:nvPicPr>
+          <p:cNvPr id="6" name="내용 개체 틀 5">
             <a:extLst>
               <a:ext uri="{FF2B5EF4-FFF2-40B4-BE49-F238E27FC236}">
-                <a16:creationId xmlns:a16="http://schemas.microsoft.com/office/drawing/2014/main" id="{15A8226D-2D2F-9192-82A0-79A1195C2A4A}"/>
+                <a16:creationId xmlns:a16="http://schemas.microsoft.com/office/drawing/2014/main" id="{BAD607D4-9A50-B3AA-12D9-E968688E8116}"/>
               </a:ext>
             </a:extLst>
           </p:cNvPr>
-          <p:cNvSpPr>
-            <a:spLocks noGrp="1"/>
-          </p:cNvSpPr>
+          <p:cNvPicPr>
+            <a:picLocks noGrp="1" noChangeAspect="1"/>
+          </p:cNvPicPr>
           <p:nvPr>
             <p:ph sz="half" idx="2"/>
           </p:nvPr>
-        </p:nvSpPr>
-        <p:spPr/>
-        <p:txBody>
-          <a:bodyPr/>
-          <a:lstStyle/>
-          <a:p>
-            <a:r>
-              <a:rPr lang="ko-KR" altLang="en-US" dirty="0"/>
-              <a:t>구현 예정</a:t>
-            </a:r>
-          </a:p>
-        </p:txBody>
-      </p:sp>
+        </p:nvPicPr>
+        <p:blipFill>
+          <a:blip r:embed="rId2"/>
+          <a:stretch>
+            <a:fillRect/>
+          </a:stretch>
+        </p:blipFill>
+        <p:spPr>
+          <a:xfrm>
+            <a:off x="6570267" y="1825625"/>
+            <a:ext cx="4385466" cy="4351338"/>
+          </a:xfrm>
+          <a:prstGeom prst="rect">
+            <a:avLst/>
+          </a:prstGeom>
+          <a:ln>
+            <a:noFill/>
+          </a:ln>
+          <a:effectLst>
+            <a:outerShdw blurRad="292100" dist="139700" dir="2700000" algn="tl" rotWithShape="0">
+              <a:srgbClr val="333333">
+                <a:alpha val="65000"/>
+              </a:srgbClr>
+            </a:outerShdw>
+          </a:effectLst>
+        </p:spPr>
+      </p:pic>
     </p:spTree>
     <p:extLst>
       <p:ext uri="{BB962C8B-B14F-4D97-AF65-F5344CB8AC3E}">
@@ -23037,7 +23737,7 @@
 </p:sld>
 </file>
 
-<file path=ppt/slides/slide23.xml><?xml version="1.0" encoding="utf-8"?>
+<file path=ppt/slides/slide24.xml><?xml version="1.0" encoding="utf-8"?>
 <p:sld xmlns:a="http://schemas.openxmlformats.org/drawingml/2006/main" xmlns:r="http://schemas.openxmlformats.org/officeDocument/2006/relationships" xmlns:p="http://schemas.openxmlformats.org/presentationml/2006/main">
   <p:cSld>
     <p:spTree>
@@ -23175,7 +23875,41 @@
                 <a:ea typeface="맑은 고딕" panose="020B0503020000020004" pitchFamily="50" charset="-127"/>
                 <a:cs typeface="+mj-cs"/>
               </a:rPr>
-              <a:t> 시스템</a:t>
+              <a:t> 시스템 </a:t>
+            </a:r>
+            <a:r>
+              <a:rPr kumimoji="0" lang="en-US" altLang="ko-KR" sz="2000" b="0" i="0" u="none" strike="noStrike" kern="1200" cap="none" spc="0" normalizeH="0" baseline="0" noProof="0" dirty="0">
+                <a:ln>
+                  <a:noFill/>
+                </a:ln>
+                <a:solidFill>
+                  <a:srgbClr val="0E2841"/>
+                </a:solidFill>
+                <a:effectLst/>
+                <a:uLnTx/>
+                <a:uFillTx/>
+                <a:latin typeface="맑은 고딕" panose="02110004020202020204"/>
+                <a:ea typeface="맑은 고딕" panose="020B0503020000020004" pitchFamily="50" charset="-127"/>
+                <a:cs typeface="+mj-cs"/>
+              </a:rPr>
+              <a:t>– </a:t>
+            </a:r>
+            <a:r>
+              <a:rPr kumimoji="0" lang="ko-KR" altLang="en-US" sz="2000" b="0" i="0" u="none" strike="noStrike" kern="1200" cap="none" spc="0" normalizeH="0" baseline="0" noProof="0" dirty="0">
+                <a:ln>
+                  <a:noFill/>
+                </a:ln>
+                <a:solidFill>
+                  <a:srgbClr val="0E2841"/>
+                </a:solidFill>
+                <a:effectLst/>
+                <a:uLnTx/>
+                <a:uFillTx/>
+                <a:latin typeface="맑은 고딕" panose="02110004020202020204"/>
+                <a:ea typeface="맑은 고딕" panose="020B0503020000020004" pitchFamily="50" charset="-127"/>
+                <a:cs typeface="+mj-cs"/>
+              </a:rPr>
+              <a:t>환자 메뉴</a:t>
             </a:r>
             <a:endParaRPr lang="ko-KR" altLang="en-US" dirty="0"/>
           </a:p>
@@ -23252,34 +23986,48 @@
           </a:p>
         </p:txBody>
       </p:sp>
-      <p:sp>
-        <p:nvSpPr>
-          <p:cNvPr id="5" name="내용 개체 틀 4">
+      <p:pic>
+        <p:nvPicPr>
+          <p:cNvPr id="10" name="내용 개체 틀 9">
             <a:extLst>
               <a:ext uri="{FF2B5EF4-FFF2-40B4-BE49-F238E27FC236}">
-                <a16:creationId xmlns:a16="http://schemas.microsoft.com/office/drawing/2014/main" id="{4CA90210-24AA-2671-9A4D-7B54CDD61647}"/>
+                <a16:creationId xmlns:a16="http://schemas.microsoft.com/office/drawing/2014/main" id="{D431945A-E7F1-74CD-8732-3BD529AC71E8}"/>
               </a:ext>
             </a:extLst>
           </p:cNvPr>
-          <p:cNvSpPr>
-            <a:spLocks noGrp="1"/>
-          </p:cNvSpPr>
+          <p:cNvPicPr>
+            <a:picLocks noGrp="1" noChangeAspect="1"/>
+          </p:cNvPicPr>
           <p:nvPr>
             <p:ph sz="half" idx="2"/>
           </p:nvPr>
-        </p:nvSpPr>
-        <p:spPr/>
-        <p:txBody>
-          <a:bodyPr/>
-          <a:lstStyle/>
-          <a:p>
-            <a:r>
-              <a:rPr lang="ko-KR" altLang="en-US" dirty="0"/>
-              <a:t>구현 예정</a:t>
-            </a:r>
-          </a:p>
-        </p:txBody>
-      </p:sp>
+        </p:nvPicPr>
+        <p:blipFill>
+          <a:blip r:embed="rId2"/>
+          <a:stretch>
+            <a:fillRect/>
+          </a:stretch>
+        </p:blipFill>
+        <p:spPr>
+          <a:xfrm>
+            <a:off x="7156256" y="1825625"/>
+            <a:ext cx="3213488" cy="4351338"/>
+          </a:xfrm>
+          <a:prstGeom prst="rect">
+            <a:avLst/>
+          </a:prstGeom>
+          <a:ln>
+            <a:noFill/>
+          </a:ln>
+          <a:effectLst>
+            <a:outerShdw blurRad="292100" dist="139700" dir="2700000" algn="tl" rotWithShape="0">
+              <a:srgbClr val="333333">
+                <a:alpha val="65000"/>
+              </a:srgbClr>
+            </a:outerShdw>
+          </a:effectLst>
+        </p:spPr>
+      </p:pic>
     </p:spTree>
     <p:extLst>
       <p:ext uri="{BB962C8B-B14F-4D97-AF65-F5344CB8AC3E}">
@@ -23293,7 +24041,311 @@
 </p:sld>
 </file>
 
-<file path=ppt/slides/slide24.xml><?xml version="1.0" encoding="utf-8"?>
+<file path=ppt/slides/slide25.xml><?xml version="1.0" encoding="utf-8"?>
+<p:sld xmlns:a="http://schemas.openxmlformats.org/drawingml/2006/main" xmlns:r="http://schemas.openxmlformats.org/officeDocument/2006/relationships" xmlns:p="http://schemas.openxmlformats.org/presentationml/2006/main">
+  <p:cSld>
+    <p:spTree>
+      <p:nvGrpSpPr>
+        <p:cNvPr id="1" name="">
+          <a:extLst>
+            <a:ext uri="{FF2B5EF4-FFF2-40B4-BE49-F238E27FC236}">
+              <a16:creationId xmlns:a16="http://schemas.microsoft.com/office/drawing/2014/main" id="{F337E85B-E5E8-E7DC-0109-4AA3A2C0D4A6}"/>
+            </a:ext>
+          </a:extLst>
+        </p:cNvPr>
+        <p:cNvGrpSpPr/>
+        <p:nvPr/>
+      </p:nvGrpSpPr>
+      <p:grpSpPr>
+        <a:xfrm>
+          <a:off x="0" y="0"/>
+          <a:ext cx="0" cy="0"/>
+          <a:chOff x="0" y="0"/>
+          <a:chExt cx="0" cy="0"/>
+        </a:xfrm>
+      </p:grpSpPr>
+      <p:sp>
+        <p:nvSpPr>
+          <p:cNvPr id="2" name="제목 1">
+            <a:extLst>
+              <a:ext uri="{FF2B5EF4-FFF2-40B4-BE49-F238E27FC236}">
+                <a16:creationId xmlns:a16="http://schemas.microsoft.com/office/drawing/2014/main" id="{0458022B-FDC6-91FE-A0F1-E0499A3F5909}"/>
+              </a:ext>
+            </a:extLst>
+          </p:cNvPr>
+          <p:cNvSpPr>
+            <a:spLocks noGrp="1"/>
+          </p:cNvSpPr>
+          <p:nvPr>
+            <p:ph type="title"/>
+          </p:nvPr>
+        </p:nvSpPr>
+        <p:spPr>
+          <a:xfrm>
+            <a:off x="838200" y="365125"/>
+            <a:ext cx="10978662" cy="1325563"/>
+          </a:xfrm>
+        </p:spPr>
+        <p:txBody>
+          <a:bodyPr/>
+          <a:lstStyle/>
+          <a:p>
+            <a:r>
+              <a:rPr lang="ko-KR" altLang="en-US" sz="4400" dirty="0">
+                <a:solidFill>
+                  <a:schemeClr val="tx2"/>
+                </a:solidFill>
+              </a:rPr>
+              <a:t>시스템 시연 </a:t>
+            </a:r>
+            <a:r>
+              <a:rPr lang="en-US" altLang="ko-KR" sz="4400" dirty="0">
+                <a:solidFill>
+                  <a:schemeClr val="tx2"/>
+                </a:solidFill>
+              </a:rPr>
+              <a:t>3. </a:t>
+            </a:r>
+            <a:r>
+              <a:rPr lang="ko-KR" altLang="en-US" sz="4400" dirty="0">
+                <a:solidFill>
+                  <a:schemeClr val="tx2"/>
+                </a:solidFill>
+              </a:rPr>
+              <a:t>가까운 정신과 찾기 시스템</a:t>
+            </a:r>
+            <a:br>
+              <a:rPr kumimoji="0" lang="en-US" altLang="ko-KR" sz="4400" b="0" i="0" u="none" strike="noStrike" kern="1200" cap="none" spc="0" normalizeH="0" baseline="0" noProof="0" dirty="0">
+                <a:ln>
+                  <a:noFill/>
+                </a:ln>
+                <a:solidFill>
+                  <a:srgbClr val="0E2841"/>
+                </a:solidFill>
+                <a:effectLst/>
+                <a:uLnTx/>
+                <a:uFillTx/>
+                <a:latin typeface="맑은 고딕" panose="02110004020202020204"/>
+                <a:ea typeface="맑은 고딕" panose="020B0503020000020004" pitchFamily="50" charset="-127"/>
+                <a:cs typeface="+mj-cs"/>
+              </a:rPr>
+            </a:br>
+            <a:r>
+              <a:rPr kumimoji="0" lang="ko-KR" altLang="en-US" sz="2000" b="0" i="0" u="none" strike="noStrike" kern="1200" cap="none" spc="0" normalizeH="0" baseline="0" noProof="0" dirty="0">
+                <a:ln>
+                  <a:noFill/>
+                </a:ln>
+                <a:solidFill>
+                  <a:srgbClr val="0E2841"/>
+                </a:solidFill>
+                <a:effectLst/>
+                <a:uLnTx/>
+                <a:uFillTx/>
+                <a:latin typeface="맑은 고딕" panose="02110004020202020204"/>
+                <a:ea typeface="맑은 고딕" panose="020B0503020000020004" pitchFamily="50" charset="-127"/>
+                <a:cs typeface="+mj-cs"/>
+              </a:rPr>
+              <a:t>주치의 </a:t>
+            </a:r>
+            <a:r>
+              <a:rPr kumimoji="0" lang="ko-KR" altLang="en-US" sz="2000" b="0" i="0" u="none" strike="noStrike" kern="1200" cap="none" spc="0" normalizeH="0" baseline="0" noProof="0" dirty="0" err="1">
+                <a:ln>
+                  <a:noFill/>
+                </a:ln>
+                <a:solidFill>
+                  <a:srgbClr val="0E2841"/>
+                </a:solidFill>
+                <a:effectLst/>
+                <a:uLnTx/>
+                <a:uFillTx/>
+                <a:latin typeface="맑은 고딕" panose="02110004020202020204"/>
+                <a:ea typeface="맑은 고딕" panose="020B0503020000020004" pitchFamily="50" charset="-127"/>
+                <a:cs typeface="+mj-cs"/>
+              </a:rPr>
+              <a:t>큐레이팅</a:t>
+            </a:r>
+            <a:r>
+              <a:rPr kumimoji="0" lang="ko-KR" altLang="en-US" sz="2000" b="0" i="0" u="none" strike="noStrike" kern="1200" cap="none" spc="0" normalizeH="0" baseline="0" noProof="0" dirty="0">
+                <a:ln>
+                  <a:noFill/>
+                </a:ln>
+                <a:solidFill>
+                  <a:srgbClr val="0E2841"/>
+                </a:solidFill>
+                <a:effectLst/>
+                <a:uLnTx/>
+                <a:uFillTx/>
+                <a:latin typeface="맑은 고딕" panose="02110004020202020204"/>
+                <a:ea typeface="맑은 고딕" panose="020B0503020000020004" pitchFamily="50" charset="-127"/>
+                <a:cs typeface="+mj-cs"/>
+              </a:rPr>
+              <a:t> 시스템 </a:t>
+            </a:r>
+            <a:r>
+              <a:rPr kumimoji="0" lang="en-US" altLang="ko-KR" sz="2000" b="0" i="0" u="none" strike="noStrike" kern="1200" cap="none" spc="0" normalizeH="0" baseline="0" noProof="0" dirty="0">
+                <a:ln>
+                  <a:noFill/>
+                </a:ln>
+                <a:solidFill>
+                  <a:srgbClr val="0E2841"/>
+                </a:solidFill>
+                <a:effectLst/>
+                <a:uLnTx/>
+                <a:uFillTx/>
+                <a:latin typeface="맑은 고딕" panose="02110004020202020204"/>
+                <a:ea typeface="맑은 고딕" panose="020B0503020000020004" pitchFamily="50" charset="-127"/>
+                <a:cs typeface="+mj-cs"/>
+              </a:rPr>
+              <a:t>– </a:t>
+            </a:r>
+            <a:r>
+              <a:rPr kumimoji="0" lang="ko-KR" altLang="en-US" sz="2000" b="0" i="0" u="none" strike="noStrike" kern="1200" cap="none" spc="0" normalizeH="0" baseline="0" noProof="0" dirty="0">
+                <a:ln>
+                  <a:noFill/>
+                </a:ln>
+                <a:solidFill>
+                  <a:srgbClr val="0E2841"/>
+                </a:solidFill>
+                <a:effectLst/>
+                <a:uLnTx/>
+                <a:uFillTx/>
+                <a:latin typeface="맑은 고딕" panose="02110004020202020204"/>
+                <a:ea typeface="맑은 고딕" panose="020B0503020000020004" pitchFamily="50" charset="-127"/>
+                <a:cs typeface="+mj-cs"/>
+              </a:rPr>
+              <a:t>의사 메뉴</a:t>
+            </a:r>
+            <a:endParaRPr lang="ko-KR" altLang="en-US" dirty="0"/>
+          </a:p>
+        </p:txBody>
+      </p:sp>
+      <p:sp>
+        <p:nvSpPr>
+          <p:cNvPr id="3" name="내용 개체 틀 2">
+            <a:extLst>
+              <a:ext uri="{FF2B5EF4-FFF2-40B4-BE49-F238E27FC236}">
+                <a16:creationId xmlns:a16="http://schemas.microsoft.com/office/drawing/2014/main" id="{7BA05D75-9D27-6FD0-B9CB-AC96A4A13B8D}"/>
+              </a:ext>
+            </a:extLst>
+          </p:cNvPr>
+          <p:cNvSpPr>
+            <a:spLocks noGrp="1"/>
+          </p:cNvSpPr>
+          <p:nvPr>
+            <p:ph sz="half" idx="1"/>
+          </p:nvPr>
+        </p:nvSpPr>
+        <p:spPr/>
+        <p:txBody>
+          <a:bodyPr/>
+          <a:lstStyle/>
+          <a:p>
+            <a:r>
+              <a:rPr lang="ko-KR" altLang="en-US" dirty="0"/>
+              <a:t>의사가 환자의 게시물을 보고 치료 의견을 남기면</a:t>
+            </a:r>
+            <a:r>
+              <a:rPr lang="en-US" altLang="ko-KR" dirty="0"/>
+              <a:t>, </a:t>
+            </a:r>
+            <a:r>
+              <a:rPr lang="ko-KR" altLang="en-US" dirty="0"/>
+              <a:t>환자는 해당 의견을 검토한 뒤 수락하면 매칭이 완료됨</a:t>
+            </a:r>
+            <a:r>
+              <a:rPr lang="en-US" altLang="ko-KR" dirty="0"/>
+              <a:t>.</a:t>
+            </a:r>
+          </a:p>
+          <a:p>
+            <a:r>
+              <a:rPr lang="ko-KR" altLang="en-US" dirty="0"/>
+              <a:t>매칭이 완료되면</a:t>
+            </a:r>
+            <a:r>
+              <a:rPr lang="en-US" altLang="ko-KR" dirty="0"/>
+              <a:t>, </a:t>
+            </a:r>
+            <a:r>
+              <a:rPr lang="ko-KR" altLang="en-US" dirty="0"/>
+              <a:t>의사와 </a:t>
+            </a:r>
+            <a:r>
+              <a:rPr lang="ko-KR" altLang="en-US" dirty="0" err="1"/>
+              <a:t>환자간의</a:t>
+            </a:r>
+            <a:r>
+              <a:rPr lang="ko-KR" altLang="en-US" dirty="0"/>
+              <a:t> </a:t>
+            </a:r>
+            <a:r>
+              <a:rPr lang="en-US" altLang="ko-KR" dirty="0"/>
+              <a:t>Private</a:t>
+            </a:r>
+            <a:r>
+              <a:rPr lang="ko-KR" altLang="en-US" dirty="0"/>
+              <a:t>한 채팅방을 활용해 일정 예약 및 간단한 상담을 할 수 있음 </a:t>
+            </a:r>
+            <a:endParaRPr lang="en-US" altLang="ko-KR" dirty="0"/>
+          </a:p>
+        </p:txBody>
+      </p:sp>
+      <p:pic>
+        <p:nvPicPr>
+          <p:cNvPr id="6" name="내용 개체 틀 5">
+            <a:extLst>
+              <a:ext uri="{FF2B5EF4-FFF2-40B4-BE49-F238E27FC236}">
+                <a16:creationId xmlns:a16="http://schemas.microsoft.com/office/drawing/2014/main" id="{6FB34AA9-0921-3CC0-BE95-BC0B98C3DE88}"/>
+              </a:ext>
+            </a:extLst>
+          </p:cNvPr>
+          <p:cNvPicPr>
+            <a:picLocks noGrp="1" noChangeAspect="1"/>
+          </p:cNvPicPr>
+          <p:nvPr>
+            <p:ph sz="half" idx="2"/>
+          </p:nvPr>
+        </p:nvPicPr>
+        <p:blipFill>
+          <a:blip r:embed="rId2"/>
+          <a:stretch>
+            <a:fillRect/>
+          </a:stretch>
+        </p:blipFill>
+        <p:spPr>
+          <a:xfrm>
+            <a:off x="7156256" y="1825625"/>
+            <a:ext cx="3213488" cy="4351338"/>
+          </a:xfrm>
+          <a:prstGeom prst="rect">
+            <a:avLst/>
+          </a:prstGeom>
+          <a:ln>
+            <a:noFill/>
+          </a:ln>
+          <a:effectLst>
+            <a:outerShdw blurRad="292100" dist="139700" dir="2700000" algn="tl" rotWithShape="0">
+              <a:srgbClr val="333333">
+                <a:alpha val="65000"/>
+              </a:srgbClr>
+            </a:outerShdw>
+          </a:effectLst>
+        </p:spPr>
+      </p:pic>
+    </p:spTree>
+    <p:extLst>
+      <p:ext uri="{BB962C8B-B14F-4D97-AF65-F5344CB8AC3E}">
+        <p14:creationId xmlns:p14="http://schemas.microsoft.com/office/powerpoint/2010/main" val="2937816359"/>
+      </p:ext>
+    </p:extLst>
+  </p:cSld>
+  <p:clrMapOvr>
+    <a:masterClrMapping/>
+  </p:clrMapOvr>
+</p:sld>
+</file>
+
+<file path=ppt/slides/slide26.xml><?xml version="1.0" encoding="utf-8"?>
 <p:sld xmlns:a="http://schemas.openxmlformats.org/drawingml/2006/main" xmlns:r="http://schemas.openxmlformats.org/officeDocument/2006/relationships" xmlns:p="http://schemas.openxmlformats.org/presentationml/2006/main">
   <p:cSld>
     <p:spTree>
@@ -23433,6 +24485,56 @@
               </a:rPr>
               <a:t> 시스템</a:t>
             </a:r>
+            <a:r>
+              <a:rPr lang="ko-KR" altLang="en-US" sz="2000" dirty="0">
+                <a:solidFill>
+                  <a:srgbClr val="0E2841"/>
+                </a:solidFill>
+                <a:latin typeface="맑은 고딕" panose="02110004020202020204"/>
+                <a:ea typeface="맑은 고딕" panose="020B0503020000020004" pitchFamily="50" charset="-127"/>
+              </a:rPr>
+              <a:t> </a:t>
+            </a:r>
+            <a:r>
+              <a:rPr lang="en-US" altLang="ko-KR" sz="2000" dirty="0">
+                <a:solidFill>
+                  <a:srgbClr val="0E2841"/>
+                </a:solidFill>
+                <a:latin typeface="맑은 고딕" panose="02110004020202020204"/>
+                <a:ea typeface="맑은 고딕" panose="020B0503020000020004" pitchFamily="50" charset="-127"/>
+              </a:rPr>
+              <a:t>–</a:t>
+            </a:r>
+            <a:r>
+              <a:rPr lang="ko-KR" altLang="en-US" sz="2000" dirty="0">
+                <a:solidFill>
+                  <a:srgbClr val="0E2841"/>
+                </a:solidFill>
+                <a:latin typeface="맑은 고딕" panose="02110004020202020204"/>
+                <a:ea typeface="맑은 고딕" panose="020B0503020000020004" pitchFamily="50" charset="-127"/>
+              </a:rPr>
+              <a:t> </a:t>
+            </a:r>
+            <a:r>
+              <a:rPr lang="en-US" altLang="ko-KR" sz="2000" dirty="0">
+                <a:solidFill>
+                  <a:srgbClr val="0E2841"/>
+                </a:solidFill>
+                <a:latin typeface="맑은 고딕" panose="02110004020202020204"/>
+                <a:ea typeface="맑은 고딕" panose="020B0503020000020004" pitchFamily="50" charset="-127"/>
+              </a:rPr>
+              <a:t>DM </a:t>
+            </a:r>
+            <a:r>
+              <a:rPr lang="ko-KR" altLang="en-US" sz="2000" dirty="0">
+                <a:solidFill>
+                  <a:srgbClr val="0E2841"/>
+                </a:solidFill>
+                <a:latin typeface="맑은 고딕" panose="02110004020202020204"/>
+                <a:ea typeface="맑은 고딕" panose="020B0503020000020004" pitchFamily="50" charset="-127"/>
+              </a:rPr>
+              <a:t>기능</a:t>
+            </a:r>
             <a:endParaRPr lang="ko-KR" altLang="en-US" dirty="0"/>
           </a:p>
         </p:txBody>
@@ -23459,6 +24561,45 @@
           <a:lstStyle/>
           <a:p>
             <a:r>
+              <a:rPr lang="ko-KR" altLang="en-US" dirty="0" err="1"/>
+              <a:t>큐레이팅</a:t>
+            </a:r>
+            <a:r>
+              <a:rPr lang="ko-KR" altLang="en-US" dirty="0"/>
+              <a:t> 시스템에서의 </a:t>
+            </a:r>
+            <a:r>
+              <a:rPr lang="en-US" altLang="ko-KR" dirty="0"/>
+              <a:t>‘</a:t>
+            </a:r>
+            <a:r>
+              <a:rPr lang="ko-KR" altLang="en-US" dirty="0"/>
+              <a:t>이 의사와 </a:t>
+            </a:r>
+            <a:r>
+              <a:rPr lang="ko-KR" altLang="en-US" dirty="0" err="1"/>
+              <a:t>대화할래요</a:t>
+            </a:r>
+            <a:r>
+              <a:rPr lang="en-US" altLang="ko-KR" dirty="0"/>
+              <a:t>!’ </a:t>
+            </a:r>
+            <a:r>
+              <a:rPr lang="ko-KR" altLang="en-US" dirty="0"/>
+              <a:t>버튼을 통해 </a:t>
+            </a:r>
+            <a:r>
+              <a:rPr lang="en-US" altLang="ko-KR" dirty="0"/>
+              <a:t>1:1 Private </a:t>
+            </a:r>
+            <a:r>
+              <a:rPr lang="ko-KR" altLang="en-US" dirty="0"/>
+              <a:t>채팅 가능</a:t>
+            </a:r>
+            <a:endParaRPr lang="en-US" altLang="ko-KR" dirty="0"/>
+          </a:p>
+          <a:p>
+            <a:r>
               <a:rPr lang="ko-KR" altLang="en-US" dirty="0"/>
               <a:t>매칭 완료된 의사에게는 인센티브 제공</a:t>
             </a:r>
@@ -23466,34 +24607,35 @@
           </a:p>
         </p:txBody>
       </p:sp>
-      <p:sp>
-        <p:nvSpPr>
-          <p:cNvPr id="5" name="내용 개체 틀 4">
+      <p:pic>
+        <p:nvPicPr>
+          <p:cNvPr id="6" name="내용 개체 틀 5">
             <a:extLst>
               <a:ext uri="{FF2B5EF4-FFF2-40B4-BE49-F238E27FC236}">
-                <a16:creationId xmlns:a16="http://schemas.microsoft.com/office/drawing/2014/main" id="{B12BC83B-C300-BD7D-1866-EB565F988402}"/>
+                <a16:creationId xmlns:a16="http://schemas.microsoft.com/office/drawing/2014/main" id="{6560B18C-5C21-B3F6-D753-D10325693F98}"/>
               </a:ext>
             </a:extLst>
           </p:cNvPr>
-          <p:cNvSpPr>
-            <a:spLocks noGrp="1"/>
-          </p:cNvSpPr>
+          <p:cNvPicPr>
+            <a:picLocks noGrp="1" noChangeAspect="1"/>
+          </p:cNvPicPr>
           <p:nvPr>
             <p:ph sz="half" idx="2"/>
           </p:nvPr>
-        </p:nvSpPr>
-        <p:spPr/>
-        <p:txBody>
-          <a:bodyPr/>
-          <a:lstStyle/>
-          <a:p>
-            <a:r>
-              <a:rPr lang="ko-KR" altLang="en-US" dirty="0"/>
-              <a:t>구현 예정</a:t>
-            </a:r>
-          </a:p>
-        </p:txBody>
-      </p:sp>
+        </p:nvPicPr>
+        <p:blipFill>
+          <a:blip r:embed="rId2"/>
+          <a:stretch>
+            <a:fillRect/>
+          </a:stretch>
+        </p:blipFill>
+        <p:spPr>
+          <a:xfrm>
+            <a:off x="7156256" y="1825625"/>
+            <a:ext cx="3213488" cy="4351338"/>
+          </a:xfrm>
+        </p:spPr>
+      </p:pic>
     </p:spTree>
     <p:extLst>
       <p:ext uri="{BB962C8B-B14F-4D97-AF65-F5344CB8AC3E}">
@@ -23507,9 +24649,17 @@
 </p:sld>
 </file>
 
-<file path=ppt/slides/slide25.xml><?xml version="1.0" encoding="utf-8"?>
+<file path=ppt/slides/slide27.xml><?xml version="1.0" encoding="utf-8"?>
 <p:sld xmlns:a="http://schemas.openxmlformats.org/drawingml/2006/main" xmlns:r="http://schemas.openxmlformats.org/officeDocument/2006/relationships" xmlns:p="http://schemas.openxmlformats.org/presentationml/2006/main">
   <p:cSld>
+    <p:bg>
+      <p:bgPr>
+        <a:solidFill>
+          <a:schemeClr val="bg1"/>
+        </a:solidFill>
+        <a:effectLst/>
+      </p:bgPr>
+    </p:bg>
     <p:spTree>
       <p:nvGrpSpPr>
         <p:cNvPr id="1" name=""/>
@@ -23524,6 +24674,384 @@
           <a:chExt cx="0" cy="0"/>
         </a:xfrm>
       </p:grpSpPr>
+      <p:sp useBgFill="1">
+        <p:nvSpPr>
+          <p:cNvPr id="8" name="Rectangle 7">
+            <a:extLst>
+              <a:ext uri="{FF2B5EF4-FFF2-40B4-BE49-F238E27FC236}">
+                <a16:creationId xmlns:a16="http://schemas.microsoft.com/office/drawing/2014/main" id="{0E30439A-8A5B-46EC-8283-9B6B031D40D0}"/>
+              </a:ext>
+              <a:ext uri="{C183D7F6-B498-43B3-948B-1728B52AA6E4}">
+                <adec:decorative xmlns:adec="http://schemas.microsoft.com/office/drawing/2017/decorative" val="1"/>
+              </a:ext>
+            </a:extLst>
+          </p:cNvPr>
+          <p:cNvSpPr>
+            <a:spLocks noGrp="1" noRot="1" noChangeAspect="1" noMove="1" noResize="1" noEditPoints="1" noAdjustHandles="1" noChangeArrowheads="1" noChangeShapeType="1" noTextEdit="1"/>
+          </p:cNvSpPr>
+          <p:nvPr>
+            <p:extLst>
+              <p:ext uri="{386F3935-93C4-4BCD-93E2-E3B085C9AB24}">
+                <p16:designElem xmlns:p16="http://schemas.microsoft.com/office/powerpoint/2015/main" val="1"/>
+              </p:ext>
+            </p:extLst>
+          </p:nvPr>
+        </p:nvSpPr>
+        <p:spPr>
+          <a:xfrm>
+            <a:off x="0" y="0"/>
+            <a:ext cx="12192000" cy="6858000"/>
+          </a:xfrm>
+          <a:prstGeom prst="rect">
+            <a:avLst/>
+          </a:prstGeom>
+          <a:ln w="12700" cap="flat" cmpd="sng" algn="ctr">
+            <a:noFill/>
+            <a:prstDash val="solid"/>
+            <a:miter lim="800000"/>
+          </a:ln>
+          <a:effectLst/>
+          <a:extLst>
+            <a:ext uri="{91240B29-F687-4F45-9708-019B960494DF}">
+              <a14:hiddenLine xmlns:a14="http://schemas.microsoft.com/office/drawing/2010/main" w="12700" cap="flat" cmpd="sng" algn="ctr">
+                <a:solidFill>
+                  <a:schemeClr val="accent1">
+                    <a:shade val="50000"/>
+                  </a:schemeClr>
+                </a:solidFill>
+                <a:prstDash val="solid"/>
+                <a:miter lim="800000"/>
+              </a14:hiddenLine>
+            </a:ext>
+          </a:extLst>
+        </p:spPr>
+        <p:style>
+          <a:lnRef idx="2">
+            <a:schemeClr val="accent1">
+              <a:shade val="50000"/>
+            </a:schemeClr>
+          </a:lnRef>
+          <a:fillRef idx="1">
+            <a:schemeClr val="accent1"/>
+          </a:fillRef>
+          <a:effectRef idx="0">
+            <a:schemeClr val="accent1"/>
+          </a:effectRef>
+          <a:fontRef idx="minor">
+            <a:schemeClr val="lt1"/>
+          </a:fontRef>
+        </p:style>
+        <p:txBody>
+          <a:bodyPr rtlCol="0" anchor="ctr"/>
+          <a:lstStyle/>
+          <a:p>
+            <a:pPr algn="ctr"/>
+            <a:endParaRPr lang="en-US"/>
+          </a:p>
+        </p:txBody>
+      </p:sp>
+      <p:sp>
+        <p:nvSpPr>
+          <p:cNvPr id="10" name="Rectangle 9">
+            <a:extLst>
+              <a:ext uri="{FF2B5EF4-FFF2-40B4-BE49-F238E27FC236}">
+                <a16:creationId xmlns:a16="http://schemas.microsoft.com/office/drawing/2014/main" id="{5CEAD642-85CF-4750-8432-7C80C901F001}"/>
+              </a:ext>
+              <a:ext uri="{C183D7F6-B498-43B3-948B-1728B52AA6E4}">
+                <adec:decorative xmlns:adec="http://schemas.microsoft.com/office/drawing/2017/decorative" val="1"/>
+              </a:ext>
+            </a:extLst>
+          </p:cNvPr>
+          <p:cNvSpPr>
+            <a:spLocks noGrp="1" noRot="1" noChangeAspect="1" noMove="1" noResize="1" noEditPoints="1" noAdjustHandles="1" noChangeArrowheads="1" noChangeShapeType="1" noTextEdit="1"/>
+          </p:cNvSpPr>
+          <p:nvPr>
+            <p:extLst>
+              <p:ext uri="{386F3935-93C4-4BCD-93E2-E3B085C9AB24}">
+                <p16:designElem xmlns:p16="http://schemas.microsoft.com/office/powerpoint/2015/main" val="1"/>
+              </p:ext>
+            </p:extLst>
+          </p:nvPr>
+        </p:nvSpPr>
+        <p:spPr>
+          <a:xfrm>
+            <a:off x="0" y="-427"/>
+            <a:ext cx="12192001" cy="6858000"/>
+          </a:xfrm>
+          <a:prstGeom prst="rect">
+            <a:avLst/>
+          </a:prstGeom>
+          <a:gradFill>
+            <a:gsLst>
+              <a:gs pos="0">
+                <a:srgbClr val="000000"/>
+              </a:gs>
+              <a:gs pos="100000">
+                <a:schemeClr val="accent1">
+                  <a:lumMod val="75000"/>
+                </a:schemeClr>
+              </a:gs>
+            </a:gsLst>
+            <a:lin ang="15000000" scaled="0"/>
+          </a:gradFill>
+          <a:ln>
+            <a:noFill/>
+          </a:ln>
+        </p:spPr>
+        <p:style>
+          <a:lnRef idx="2">
+            <a:schemeClr val="accent1">
+              <a:shade val="50000"/>
+            </a:schemeClr>
+          </a:lnRef>
+          <a:fillRef idx="1">
+            <a:schemeClr val="accent1"/>
+          </a:fillRef>
+          <a:effectRef idx="0">
+            <a:schemeClr val="accent1"/>
+          </a:effectRef>
+          <a:fontRef idx="minor">
+            <a:schemeClr val="lt1"/>
+          </a:fontRef>
+        </p:style>
+        <p:txBody>
+          <a:bodyPr rtlCol="0" anchor="ctr"/>
+          <a:lstStyle/>
+          <a:p>
+            <a:pPr algn="ctr"/>
+            <a:endParaRPr lang="en-US"/>
+          </a:p>
+        </p:txBody>
+      </p:sp>
+      <p:sp>
+        <p:nvSpPr>
+          <p:cNvPr id="12" name="Rectangle 11">
+            <a:extLst>
+              <a:ext uri="{FF2B5EF4-FFF2-40B4-BE49-F238E27FC236}">
+                <a16:creationId xmlns:a16="http://schemas.microsoft.com/office/drawing/2014/main" id="{FA33EEAE-15D5-4119-8C1E-89D943F911EF}"/>
+              </a:ext>
+              <a:ext uri="{C183D7F6-B498-43B3-948B-1728B52AA6E4}">
+                <adec:decorative xmlns:adec="http://schemas.microsoft.com/office/drawing/2017/decorative" val="1"/>
+              </a:ext>
+            </a:extLst>
+          </p:cNvPr>
+          <p:cNvSpPr>
+            <a:spLocks noGrp="1" noRot="1" noChangeAspect="1" noMove="1" noResize="1" noEditPoints="1" noAdjustHandles="1" noChangeArrowheads="1" noChangeShapeType="1" noTextEdit="1"/>
+          </p:cNvSpPr>
+          <p:nvPr>
+            <p:extLst>
+              <p:ext uri="{386F3935-93C4-4BCD-93E2-E3B085C9AB24}">
+                <p16:designElem xmlns:p16="http://schemas.microsoft.com/office/powerpoint/2015/main" val="1"/>
+              </p:ext>
+            </p:extLst>
+          </p:nvPr>
+        </p:nvSpPr>
+        <p:spPr>
+          <a:xfrm rot="10800000" flipH="1">
+            <a:off x="455521" y="-1720"/>
+            <a:ext cx="11750040" cy="6840685"/>
+          </a:xfrm>
+          <a:prstGeom prst="rect">
+            <a:avLst/>
+          </a:prstGeom>
+          <a:gradFill>
+            <a:gsLst>
+              <a:gs pos="21000">
+                <a:schemeClr val="accent1">
+                  <a:lumMod val="50000"/>
+                  <a:alpha val="61000"/>
+                </a:schemeClr>
+              </a:gs>
+              <a:gs pos="100000">
+                <a:schemeClr val="accent1">
+                  <a:alpha val="0"/>
+                </a:schemeClr>
+              </a:gs>
+            </a:gsLst>
+            <a:lin ang="21594000" scaled="0"/>
+          </a:gradFill>
+          <a:ln>
+            <a:noFill/>
+          </a:ln>
+        </p:spPr>
+        <p:style>
+          <a:lnRef idx="2">
+            <a:schemeClr val="accent1">
+              <a:shade val="50000"/>
+            </a:schemeClr>
+          </a:lnRef>
+          <a:fillRef idx="1">
+            <a:schemeClr val="accent1"/>
+          </a:fillRef>
+          <a:effectRef idx="0">
+            <a:schemeClr val="accent1"/>
+          </a:effectRef>
+          <a:fontRef idx="minor">
+            <a:schemeClr val="lt1"/>
+          </a:fontRef>
+        </p:style>
+        <p:txBody>
+          <a:bodyPr rtlCol="0" anchor="ctr"/>
+          <a:lstStyle/>
+          <a:p>
+            <a:pPr algn="ctr"/>
+            <a:endParaRPr lang="en-US"/>
+          </a:p>
+        </p:txBody>
+      </p:sp>
+      <p:sp>
+        <p:nvSpPr>
+          <p:cNvPr id="14" name="Rectangle 13">
+            <a:extLst>
+              <a:ext uri="{FF2B5EF4-FFF2-40B4-BE49-F238E27FC236}">
+                <a16:creationId xmlns:a16="http://schemas.microsoft.com/office/drawing/2014/main" id="{730D8B3B-9B80-4025-B934-26DC7D7CD231}"/>
+              </a:ext>
+              <a:ext uri="{C183D7F6-B498-43B3-948B-1728B52AA6E4}">
+                <adec:decorative xmlns:adec="http://schemas.microsoft.com/office/drawing/2017/decorative" val="1"/>
+              </a:ext>
+            </a:extLst>
+          </p:cNvPr>
+          <p:cNvSpPr>
+            <a:spLocks noGrp="1" noRot="1" noChangeAspect="1" noMove="1" noResize="1" noEditPoints="1" noAdjustHandles="1" noChangeArrowheads="1" noChangeShapeType="1" noTextEdit="1"/>
+          </p:cNvSpPr>
+          <p:nvPr>
+            <p:extLst>
+              <p:ext uri="{386F3935-93C4-4BCD-93E2-E3B085C9AB24}">
+                <p16:designElem xmlns:p16="http://schemas.microsoft.com/office/powerpoint/2015/main" val="1"/>
+              </p:ext>
+            </p:extLst>
+          </p:nvPr>
+        </p:nvSpPr>
+        <p:spPr>
+          <a:xfrm>
+            <a:off x="8606054" y="-1291"/>
+            <a:ext cx="3608179" cy="6858864"/>
+          </a:xfrm>
+          <a:prstGeom prst="rect">
+            <a:avLst/>
+          </a:prstGeom>
+          <a:gradFill>
+            <a:gsLst>
+              <a:gs pos="0">
+                <a:schemeClr val="accent1">
+                  <a:lumMod val="75000"/>
+                  <a:alpha val="0"/>
+                </a:schemeClr>
+              </a:gs>
+              <a:gs pos="99000">
+                <a:srgbClr val="000000">
+                  <a:alpha val="41000"/>
+                </a:srgbClr>
+              </a:gs>
+            </a:gsLst>
+            <a:lin ang="16200000" scaled="0"/>
+          </a:gradFill>
+          <a:ln>
+            <a:noFill/>
+          </a:ln>
+        </p:spPr>
+        <p:style>
+          <a:lnRef idx="2">
+            <a:schemeClr val="accent1">
+              <a:shade val="50000"/>
+            </a:schemeClr>
+          </a:lnRef>
+          <a:fillRef idx="1">
+            <a:schemeClr val="accent1"/>
+          </a:fillRef>
+          <a:effectRef idx="0">
+            <a:schemeClr val="accent1"/>
+          </a:effectRef>
+          <a:fontRef idx="minor">
+            <a:schemeClr val="lt1"/>
+          </a:fontRef>
+        </p:style>
+        <p:txBody>
+          <a:bodyPr rtlCol="0" anchor="ctr"/>
+          <a:lstStyle/>
+          <a:p>
+            <a:pPr algn="ctr"/>
+            <a:endParaRPr lang="en-US"/>
+          </a:p>
+        </p:txBody>
+      </p:sp>
+      <p:sp>
+        <p:nvSpPr>
+          <p:cNvPr id="16" name="Oval 15">
+            <a:extLst>
+              <a:ext uri="{FF2B5EF4-FFF2-40B4-BE49-F238E27FC236}">
+                <a16:creationId xmlns:a16="http://schemas.microsoft.com/office/drawing/2014/main" id="{B5A1B09C-1565-46F8-B70F-621C5EB48A09}"/>
+              </a:ext>
+              <a:ext uri="{C183D7F6-B498-43B3-948B-1728B52AA6E4}">
+                <adec:decorative xmlns:adec="http://schemas.microsoft.com/office/drawing/2017/decorative" val="1"/>
+              </a:ext>
+            </a:extLst>
+          </p:cNvPr>
+          <p:cNvSpPr>
+            <a:spLocks noGrp="1" noRot="1" noChangeAspect="1" noMove="1" noResize="1" noEditPoints="1" noAdjustHandles="1" noChangeArrowheads="1" noChangeShapeType="1" noTextEdit="1"/>
+          </p:cNvSpPr>
+          <p:nvPr>
+            <p:extLst>
+              <p:ext uri="{386F3935-93C4-4BCD-93E2-E3B085C9AB24}">
+                <p16:designElem xmlns:p16="http://schemas.microsoft.com/office/powerpoint/2015/main" val="1"/>
+              </p:ext>
+            </p:extLst>
+          </p:nvPr>
+        </p:nvSpPr>
+        <p:spPr>
+          <a:xfrm rot="15274173">
+            <a:off x="6059728" y="779270"/>
+            <a:ext cx="4967533" cy="4988390"/>
+          </a:xfrm>
+          <a:prstGeom prst="ellipse">
+            <a:avLst/>
+          </a:prstGeom>
+          <a:gradFill>
+            <a:gsLst>
+              <a:gs pos="0">
+                <a:schemeClr val="accent1">
+                  <a:alpha val="24000"/>
+                </a:schemeClr>
+              </a:gs>
+              <a:gs pos="79000">
+                <a:schemeClr val="accent1">
+                  <a:lumMod val="60000"/>
+                  <a:lumOff val="40000"/>
+                  <a:alpha val="0"/>
+                </a:schemeClr>
+              </a:gs>
+            </a:gsLst>
+            <a:lin ang="14400000" scaled="0"/>
+          </a:gradFill>
+          <a:ln>
+            <a:noFill/>
+          </a:ln>
+        </p:spPr>
+        <p:style>
+          <a:lnRef idx="2">
+            <a:schemeClr val="accent1">
+              <a:shade val="50000"/>
+            </a:schemeClr>
+          </a:lnRef>
+          <a:fillRef idx="1">
+            <a:schemeClr val="accent1"/>
+          </a:fillRef>
+          <a:effectRef idx="0">
+            <a:schemeClr val="accent1"/>
+          </a:effectRef>
+          <a:fontRef idx="minor">
+            <a:schemeClr val="lt1"/>
+          </a:fontRef>
+        </p:style>
+        <p:txBody>
+          <a:bodyPr rtlCol="0" anchor="ctr"/>
+          <a:lstStyle/>
+          <a:p>
+            <a:pPr algn="ctr"/>
+            <a:endParaRPr lang="en-US" dirty="0"/>
+          </a:p>
+        </p:txBody>
+      </p:sp>
       <p:sp>
         <p:nvSpPr>
           <p:cNvPr id="2" name="제목 1">
@@ -23540,15 +25068,106 @@
             <p:ph type="title"/>
           </p:nvPr>
         </p:nvSpPr>
-        <p:spPr/>
+        <p:spPr>
+          <a:xfrm>
+            <a:off x="1386865" y="818984"/>
+            <a:ext cx="6596245" cy="3268520"/>
+          </a:xfrm>
+        </p:spPr>
         <p:txBody>
-          <a:bodyPr/>
+          <a:bodyPr vert="horz" lIns="91440" tIns="45720" rIns="91440" bIns="45720" rtlCol="0" anchor="b">
+            <a:normAutofit/>
+          </a:bodyPr>
           <a:lstStyle/>
           <a:p>
-            <a:r>
-              <a:rPr lang="ko-KR" altLang="en-US" dirty="0"/>
+            <a:pPr algn="r" latinLnBrk="0"/>
+            <a:r>
+              <a:rPr lang="ko-KR" altLang="en-US" sz="4800" kern="1200">
+                <a:solidFill>
+                  <a:srgbClr val="FFFFFF"/>
+                </a:solidFill>
+                <a:latin typeface="+mj-lt"/>
+                <a:ea typeface="+mj-ea"/>
+                <a:cs typeface="+mj-cs"/>
+              </a:rPr>
               <a:t>질의응답</a:t>
             </a:r>
+          </a:p>
+        </p:txBody>
+      </p:sp>
+      <p:sp>
+        <p:nvSpPr>
+          <p:cNvPr id="18" name="Rectangle 17">
+            <a:extLst>
+              <a:ext uri="{FF2B5EF4-FFF2-40B4-BE49-F238E27FC236}">
+                <a16:creationId xmlns:a16="http://schemas.microsoft.com/office/drawing/2014/main" id="{8C516CC8-80AC-446C-A56E-9F54B7210402}"/>
+              </a:ext>
+              <a:ext uri="{C183D7F6-B498-43B3-948B-1728B52AA6E4}">
+                <adec:decorative xmlns:adec="http://schemas.microsoft.com/office/drawing/2017/decorative" val="1"/>
+              </a:ext>
+            </a:extLst>
+          </p:cNvPr>
+          <p:cNvSpPr>
+            <a:spLocks noGrp="1" noRot="1" noChangeAspect="1" noMove="1" noResize="1" noEditPoints="1" noAdjustHandles="1" noChangeArrowheads="1" noChangeShapeType="1" noTextEdit="1"/>
+          </p:cNvSpPr>
+          <p:nvPr>
+            <p:extLst>
+              <p:ext uri="{386F3935-93C4-4BCD-93E2-E3B085C9AB24}">
+                <p16:designElem xmlns:p16="http://schemas.microsoft.com/office/powerpoint/2015/main" val="1"/>
+              </p:ext>
+            </p:extLst>
+          </p:nvPr>
+        </p:nvSpPr>
+        <p:spPr>
+          <a:xfrm rot="10800000" flipH="1">
+            <a:off x="6314" y="4480038"/>
+            <a:ext cx="12179371" cy="2377962"/>
+          </a:xfrm>
+          <a:prstGeom prst="rect">
+            <a:avLst/>
+          </a:prstGeom>
+          <a:gradFill>
+            <a:gsLst>
+              <a:gs pos="0">
+                <a:schemeClr val="accent1">
+                  <a:lumMod val="75000"/>
+                  <a:alpha val="50000"/>
+                </a:schemeClr>
+              </a:gs>
+              <a:gs pos="99000">
+                <a:srgbClr val="000000">
+                  <a:alpha val="34000"/>
+                </a:srgbClr>
+              </a:gs>
+            </a:gsLst>
+            <a:lin ang="17400000" scaled="0"/>
+          </a:gradFill>
+          <a:ln>
+            <a:noFill/>
+          </a:ln>
+        </p:spPr>
+        <p:style>
+          <a:lnRef idx="2">
+            <a:schemeClr val="accent1">
+              <a:shade val="50000"/>
+            </a:schemeClr>
+          </a:lnRef>
+          <a:fillRef idx="1">
+            <a:schemeClr val="accent1"/>
+          </a:fillRef>
+          <a:effectRef idx="0">
+            <a:schemeClr val="accent1"/>
+          </a:effectRef>
+          <a:fontRef idx="minor">
+            <a:schemeClr val="lt1"/>
+          </a:fontRef>
+        </p:style>
+        <p:txBody>
+          <a:bodyPr rtlCol="0" anchor="ctr"/>
+          <a:lstStyle/>
+          <a:p>
+            <a:pPr algn="ctr"/>
+            <a:endParaRPr lang="en-US"/>
           </a:p>
         </p:txBody>
       </p:sp>
@@ -23568,16 +25187,108 @@
             <p:ph idx="1"/>
           </p:nvPr>
         </p:nvSpPr>
-        <p:spPr/>
+        <p:spPr>
+          <a:xfrm>
+            <a:off x="1931874" y="4797188"/>
+            <a:ext cx="6051236" cy="1241828"/>
+          </a:xfrm>
+        </p:spPr>
         <p:txBody>
-          <a:bodyPr/>
+          <a:bodyPr vert="horz" lIns="91440" tIns="45720" rIns="91440" bIns="45720" rtlCol="0">
+            <a:normAutofit/>
+          </a:bodyPr>
           <a:lstStyle/>
           <a:p>
-            <a:r>
-              <a:rPr lang="en-US" altLang="ko-KR" dirty="0"/>
+            <a:pPr marL="0" indent="0" algn="r" latinLnBrk="0">
+              <a:buNone/>
+            </a:pPr>
+            <a:r>
+              <a:rPr lang="en-US" altLang="ko-KR" sz="2400" kern="1200">
+                <a:solidFill>
+                  <a:srgbClr val="FFFFFF"/>
+                </a:solidFill>
+                <a:latin typeface="+mn-lt"/>
+                <a:ea typeface="+mn-ea"/>
+                <a:cs typeface="+mn-cs"/>
+              </a:rPr>
               <a:t>.</a:t>
             </a:r>
-            <a:endParaRPr lang="ko-KR" altLang="en-US" dirty="0"/>
+          </a:p>
+        </p:txBody>
+      </p:sp>
+      <p:sp>
+        <p:nvSpPr>
+          <p:cNvPr id="20" name="Rectangle 19">
+            <a:extLst>
+              <a:ext uri="{FF2B5EF4-FFF2-40B4-BE49-F238E27FC236}">
+                <a16:creationId xmlns:a16="http://schemas.microsoft.com/office/drawing/2014/main" id="{53947E58-F088-49F1-A3D1-DEA690192E84}"/>
+              </a:ext>
+              <a:ext uri="{C183D7F6-B498-43B3-948B-1728B52AA6E4}">
+                <adec:decorative xmlns:adec="http://schemas.microsoft.com/office/drawing/2017/decorative" val="1"/>
+              </a:ext>
+            </a:extLst>
+          </p:cNvPr>
+          <p:cNvSpPr>
+            <a:spLocks noGrp="1" noRot="1" noChangeAspect="1" noMove="1" noResize="1" noEditPoints="1" noAdjustHandles="1" noChangeArrowheads="1" noChangeShapeType="1" noTextEdit="1"/>
+          </p:cNvSpPr>
+          <p:nvPr>
+            <p:extLst>
+              <p:ext uri="{386F3935-93C4-4BCD-93E2-E3B085C9AB24}">
+                <p16:designElem xmlns:p16="http://schemas.microsoft.com/office/powerpoint/2015/main" val="1"/>
+              </p:ext>
+            </p:extLst>
+          </p:nvPr>
+        </p:nvSpPr>
+        <p:spPr>
+          <a:xfrm rot="16200000" flipH="1">
+            <a:off x="6967085" y="1632660"/>
+            <a:ext cx="6857572" cy="3592258"/>
+          </a:xfrm>
+          <a:prstGeom prst="rect">
+            <a:avLst/>
+          </a:prstGeom>
+          <a:gradFill>
+            <a:gsLst>
+              <a:gs pos="0">
+                <a:schemeClr val="accent1">
+                  <a:lumMod val="75000"/>
+                  <a:alpha val="50000"/>
+                </a:schemeClr>
+              </a:gs>
+              <a:gs pos="99000">
+                <a:srgbClr val="000000">
+                  <a:alpha val="0"/>
+                </a:srgbClr>
+              </a:gs>
+            </a:gsLst>
+            <a:lin ang="15600000" scaled="0"/>
+          </a:gradFill>
+          <a:ln>
+            <a:noFill/>
+          </a:ln>
+        </p:spPr>
+        <p:style>
+          <a:lnRef idx="2">
+            <a:schemeClr val="accent1">
+              <a:shade val="50000"/>
+            </a:schemeClr>
+          </a:lnRef>
+          <a:fillRef idx="1">
+            <a:schemeClr val="accent1"/>
+          </a:fillRef>
+          <a:effectRef idx="0">
+            <a:schemeClr val="accent1"/>
+          </a:effectRef>
+          <a:fontRef idx="minor">
+            <a:schemeClr val="lt1"/>
+          </a:fontRef>
+        </p:style>
+        <p:txBody>
+          <a:bodyPr rtlCol="0" anchor="ctr"/>
+          <a:lstStyle/>
+          <a:p>
+            <a:pPr algn="ctr"/>
+            <a:endParaRPr lang="en-US"/>
           </a:p>
         </p:txBody>
       </p:sp>
@@ -24419,6 +26130,106 @@
 <file path=ppt/slides/slide5.xml><?xml version="1.0" encoding="utf-8"?>
 <p:sld xmlns:a="http://schemas.openxmlformats.org/drawingml/2006/main" xmlns:r="http://schemas.openxmlformats.org/officeDocument/2006/relationships" xmlns:p="http://schemas.openxmlformats.org/presentationml/2006/main">
   <p:cSld>
+    <p:spTree>
+      <p:nvGrpSpPr>
+        <p:cNvPr id="1" name=""/>
+        <p:cNvGrpSpPr/>
+        <p:nvPr/>
+      </p:nvGrpSpPr>
+      <p:grpSpPr>
+        <a:xfrm>
+          <a:off x="0" y="0"/>
+          <a:ext cx="0" cy="0"/>
+          <a:chOff x="0" y="0"/>
+          <a:chExt cx="0" cy="0"/>
+        </a:xfrm>
+      </p:grpSpPr>
+      <p:sp>
+        <p:nvSpPr>
+          <p:cNvPr id="2" name="제목 1">
+            <a:extLst>
+              <a:ext uri="{FF2B5EF4-FFF2-40B4-BE49-F238E27FC236}">
+                <a16:creationId xmlns:a16="http://schemas.microsoft.com/office/drawing/2014/main" id="{F65ACF41-4B88-8C1F-C92A-7479CCB42ED4}"/>
+              </a:ext>
+            </a:extLst>
+          </p:cNvPr>
+          <p:cNvSpPr>
+            <a:spLocks noGrp="1"/>
+          </p:cNvSpPr>
+          <p:nvPr>
+            <p:ph type="title"/>
+          </p:nvPr>
+        </p:nvSpPr>
+        <p:spPr/>
+        <p:txBody>
+          <a:bodyPr/>
+          <a:lstStyle/>
+          <a:p>
+            <a:r>
+              <a:rPr lang="ko-KR" altLang="en-US" dirty="0"/>
+              <a:t>메뉴 소개</a:t>
+            </a:r>
+          </a:p>
+        </p:txBody>
+      </p:sp>
+      <p:pic>
+        <p:nvPicPr>
+          <p:cNvPr id="5" name="내용 개체 틀 4">
+            <a:extLst>
+              <a:ext uri="{FF2B5EF4-FFF2-40B4-BE49-F238E27FC236}">
+                <a16:creationId xmlns:a16="http://schemas.microsoft.com/office/drawing/2014/main" id="{ED3244E5-9084-D420-C6F1-A3320A91D093}"/>
+              </a:ext>
+            </a:extLst>
+          </p:cNvPr>
+          <p:cNvPicPr>
+            <a:picLocks noGrp="1" noChangeAspect="1"/>
+          </p:cNvPicPr>
+          <p:nvPr>
+            <p:ph idx="1"/>
+          </p:nvPr>
+        </p:nvPicPr>
+        <p:blipFill>
+          <a:blip r:embed="rId2"/>
+          <a:stretch>
+            <a:fillRect/>
+          </a:stretch>
+        </p:blipFill>
+        <p:spPr>
+          <a:xfrm>
+            <a:off x="1294730" y="3644056"/>
+            <a:ext cx="9602540" cy="714475"/>
+          </a:xfrm>
+          <a:prstGeom prst="rect">
+            <a:avLst/>
+          </a:prstGeom>
+          <a:ln>
+            <a:noFill/>
+          </a:ln>
+          <a:effectLst>
+            <a:outerShdw blurRad="292100" dist="139700" dir="2700000" algn="tl" rotWithShape="0">
+              <a:srgbClr val="333333">
+                <a:alpha val="65000"/>
+              </a:srgbClr>
+            </a:outerShdw>
+          </a:effectLst>
+        </p:spPr>
+      </p:pic>
+    </p:spTree>
+    <p:extLst>
+      <p:ext uri="{BB962C8B-B14F-4D97-AF65-F5344CB8AC3E}">
+        <p14:creationId xmlns:p14="http://schemas.microsoft.com/office/powerpoint/2010/main" val="3121442709"/>
+      </p:ext>
+    </p:extLst>
+  </p:cSld>
+  <p:clrMapOvr>
+    <a:masterClrMapping/>
+  </p:clrMapOvr>
+</p:sld>
+</file>
+
+<file path=ppt/slides/slide6.xml><?xml version="1.0" encoding="utf-8"?>
+<p:sld xmlns:a="http://schemas.openxmlformats.org/drawingml/2006/main" xmlns:r="http://schemas.openxmlformats.org/officeDocument/2006/relationships" xmlns:p="http://schemas.openxmlformats.org/presentationml/2006/main">
+  <p:cSld>
     <p:bg>
       <p:bgPr>
         <a:solidFill>
@@ -25088,7 +26899,7 @@
 </p:sld>
 </file>
 
-<file path=ppt/slides/slide6.xml><?xml version="1.0" encoding="utf-8"?>
+<file path=ppt/slides/slide7.xml><?xml version="1.0" encoding="utf-8"?>
 <p:sld xmlns:a="http://schemas.openxmlformats.org/drawingml/2006/main" xmlns:r="http://schemas.openxmlformats.org/officeDocument/2006/relationships" xmlns:p="http://schemas.openxmlformats.org/presentationml/2006/main">
   <p:cSld>
     <p:bg>
@@ -25708,7 +27519,7 @@
 </p:sld>
 </file>
 
-<file path=ppt/slides/slide7.xml><?xml version="1.0" encoding="utf-8"?>
+<file path=ppt/slides/slide8.xml><?xml version="1.0" encoding="utf-8"?>
 <p:sld xmlns:a="http://schemas.openxmlformats.org/drawingml/2006/main" xmlns:r="http://schemas.openxmlformats.org/officeDocument/2006/relationships" xmlns:p="http://schemas.openxmlformats.org/presentationml/2006/main">
   <p:cSld>
     <p:bg>
@@ -26319,7 +28130,7 @@
 </p:sld>
 </file>
 
-<file path=ppt/slides/slide8.xml><?xml version="1.0" encoding="utf-8"?>
+<file path=ppt/slides/slide9.xml><?xml version="1.0" encoding="utf-8"?>
 <p:sld xmlns:a="http://schemas.openxmlformats.org/drawingml/2006/main" xmlns:r="http://schemas.openxmlformats.org/officeDocument/2006/relationships" xmlns:p="http://schemas.openxmlformats.org/presentationml/2006/main">
   <p:cSld>
     <p:spTree>
@@ -26394,677 +28205,6 @@
     <p:extLst>
       <p:ext uri="{BB962C8B-B14F-4D97-AF65-F5344CB8AC3E}">
         <p14:creationId xmlns:p14="http://schemas.microsoft.com/office/powerpoint/2010/main" val="30300966"/>
-      </p:ext>
-    </p:extLst>
-  </p:cSld>
-  <p:clrMapOvr>
-    <a:masterClrMapping/>
-  </p:clrMapOvr>
-</p:sld>
-</file>
-
-<file path=ppt/slides/slide9.xml><?xml version="1.0" encoding="utf-8"?>
-<p:sld xmlns:a="http://schemas.openxmlformats.org/drawingml/2006/main" xmlns:r="http://schemas.openxmlformats.org/officeDocument/2006/relationships" xmlns:p="http://schemas.openxmlformats.org/presentationml/2006/main">
-  <p:cSld>
-    <p:bg>
-      <p:bgPr>
-        <a:solidFill>
-          <a:schemeClr val="bg1"/>
-        </a:solidFill>
-        <a:effectLst/>
-      </p:bgPr>
-    </p:bg>
-    <p:spTree>
-      <p:nvGrpSpPr>
-        <p:cNvPr id="1" name=""/>
-        <p:cNvGrpSpPr/>
-        <p:nvPr/>
-      </p:nvGrpSpPr>
-      <p:grpSpPr>
-        <a:xfrm>
-          <a:off x="0" y="0"/>
-          <a:ext cx="0" cy="0"/>
-          <a:chOff x="0" y="0"/>
-          <a:chExt cx="0" cy="0"/>
-        </a:xfrm>
-      </p:grpSpPr>
-      <p:sp useBgFill="1">
-        <p:nvSpPr>
-          <p:cNvPr id="9" name="Rectangle 8">
-            <a:extLst>
-              <a:ext uri="{FF2B5EF4-FFF2-40B4-BE49-F238E27FC236}">
-                <a16:creationId xmlns:a16="http://schemas.microsoft.com/office/drawing/2014/main" id="{BACC6370-2D7E-4714-9D71-7542949D7D5D}"/>
-              </a:ext>
-              <a:ext uri="{C183D7F6-B498-43B3-948B-1728B52AA6E4}">
-                <adec:decorative xmlns:adec="http://schemas.microsoft.com/office/drawing/2017/decorative" val="1"/>
-              </a:ext>
-            </a:extLst>
-          </p:cNvPr>
-          <p:cNvSpPr>
-            <a:spLocks noGrp="1" noRot="1" noChangeAspect="1" noMove="1" noResize="1" noEditPoints="1" noAdjustHandles="1" noChangeArrowheads="1" noChangeShapeType="1" noTextEdit="1"/>
-          </p:cNvSpPr>
-          <p:nvPr>
-            <p:extLst>
-              <p:ext uri="{386F3935-93C4-4BCD-93E2-E3B085C9AB24}">
-                <p16:designElem xmlns:p16="http://schemas.microsoft.com/office/powerpoint/2015/main" val="1"/>
-              </p:ext>
-            </p:extLst>
-          </p:nvPr>
-        </p:nvSpPr>
-        <p:spPr>
-          <a:xfrm>
-            <a:off x="0" y="0"/>
-            <a:ext cx="12192000" cy="6858000"/>
-          </a:xfrm>
-          <a:prstGeom prst="rect">
-            <a:avLst/>
-          </a:prstGeom>
-          <a:ln w="12700" cap="flat" cmpd="sng" algn="ctr">
-            <a:noFill/>
-            <a:prstDash val="solid"/>
-            <a:miter lim="800000"/>
-          </a:ln>
-          <a:effectLst/>
-          <a:extLst>
-            <a:ext uri="{91240B29-F687-4F45-9708-019B960494DF}">
-              <a14:hiddenLine xmlns:a14="http://schemas.microsoft.com/office/drawing/2010/main" w="12700" cap="flat" cmpd="sng" algn="ctr">
-                <a:solidFill>
-                  <a:schemeClr val="accent1">
-                    <a:shade val="50000"/>
-                  </a:schemeClr>
-                </a:solidFill>
-                <a:prstDash val="solid"/>
-                <a:miter lim="800000"/>
-              </a14:hiddenLine>
-            </a:ext>
-          </a:extLst>
-        </p:spPr>
-        <p:style>
-          <a:lnRef idx="2">
-            <a:schemeClr val="accent1">
-              <a:shade val="50000"/>
-            </a:schemeClr>
-          </a:lnRef>
-          <a:fillRef idx="1">
-            <a:schemeClr val="accent1"/>
-          </a:fillRef>
-          <a:effectRef idx="0">
-            <a:schemeClr val="accent1"/>
-          </a:effectRef>
-          <a:fontRef idx="minor">
-            <a:schemeClr val="lt1"/>
-          </a:fontRef>
-        </p:style>
-        <p:txBody>
-          <a:bodyPr rtlCol="0" anchor="ctr"/>
-          <a:lstStyle/>
-          <a:p>
-            <a:pPr algn="ctr"/>
-            <a:endParaRPr lang="en-US"/>
-          </a:p>
-        </p:txBody>
-      </p:sp>
-      <p:sp>
-        <p:nvSpPr>
-          <p:cNvPr id="11" name="Rectangle 10">
-            <a:extLst>
-              <a:ext uri="{FF2B5EF4-FFF2-40B4-BE49-F238E27FC236}">
-                <a16:creationId xmlns:a16="http://schemas.microsoft.com/office/drawing/2014/main" id="{256B2C21-A230-48C0-8DF1-C46611373C44}"/>
-              </a:ext>
-              <a:ext uri="{C183D7F6-B498-43B3-948B-1728B52AA6E4}">
-                <adec:decorative xmlns:adec="http://schemas.microsoft.com/office/drawing/2017/decorative" val="1"/>
-              </a:ext>
-            </a:extLst>
-          </p:cNvPr>
-          <p:cNvSpPr>
-            <a:spLocks noGrp="1" noRot="1" noChangeAspect="1" noMove="1" noResize="1" noEditPoints="1" noAdjustHandles="1" noChangeArrowheads="1" noChangeShapeType="1" noTextEdit="1"/>
-          </p:cNvSpPr>
-          <p:nvPr>
-            <p:extLst>
-              <p:ext uri="{386F3935-93C4-4BCD-93E2-E3B085C9AB24}">
-                <p16:designElem xmlns:p16="http://schemas.microsoft.com/office/powerpoint/2015/main" val="1"/>
-              </p:ext>
-            </p:extLst>
-          </p:nvPr>
-        </p:nvSpPr>
-        <p:spPr>
-          <a:xfrm rot="5400000" flipH="1">
-            <a:off x="-1410084" y="1410082"/>
-            <a:ext cx="6858000" cy="4037836"/>
-          </a:xfrm>
-          <a:prstGeom prst="rect">
-            <a:avLst/>
-          </a:prstGeom>
-          <a:gradFill>
-            <a:gsLst>
-              <a:gs pos="8000">
-                <a:srgbClr val="000000"/>
-              </a:gs>
-              <a:gs pos="100000">
-                <a:schemeClr val="accent1">
-                  <a:lumMod val="75000"/>
-                </a:schemeClr>
-              </a:gs>
-            </a:gsLst>
-            <a:lin ang="3000000" scaled="0"/>
-          </a:gradFill>
-          <a:ln>
-            <a:noFill/>
-          </a:ln>
-        </p:spPr>
-        <p:style>
-          <a:lnRef idx="2">
-            <a:schemeClr val="accent1">
-              <a:shade val="50000"/>
-            </a:schemeClr>
-          </a:lnRef>
-          <a:fillRef idx="1">
-            <a:schemeClr val="accent1"/>
-          </a:fillRef>
-          <a:effectRef idx="0">
-            <a:schemeClr val="accent1"/>
-          </a:effectRef>
-          <a:fontRef idx="minor">
-            <a:schemeClr val="lt1"/>
-          </a:fontRef>
-        </p:style>
-        <p:txBody>
-          <a:bodyPr rtlCol="0" anchor="ctr"/>
-          <a:lstStyle/>
-          <a:p>
-            <a:pPr algn="ctr"/>
-            <a:endParaRPr lang="en-US"/>
-          </a:p>
-        </p:txBody>
-      </p:sp>
-      <p:sp>
-        <p:nvSpPr>
-          <p:cNvPr id="13" name="Rectangle 12">
-            <a:extLst>
-              <a:ext uri="{FF2B5EF4-FFF2-40B4-BE49-F238E27FC236}">
-                <a16:creationId xmlns:a16="http://schemas.microsoft.com/office/drawing/2014/main" id="{3847E18C-932D-4C95-AABA-FEC7C9499AD7}"/>
-              </a:ext>
-              <a:ext uri="{C183D7F6-B498-43B3-948B-1728B52AA6E4}">
-                <adec:decorative xmlns:adec="http://schemas.microsoft.com/office/drawing/2017/decorative" val="1"/>
-              </a:ext>
-            </a:extLst>
-          </p:cNvPr>
-          <p:cNvSpPr>
-            <a:spLocks noGrp="1" noRot="1" noChangeAspect="1" noMove="1" noResize="1" noEditPoints="1" noAdjustHandles="1" noChangeArrowheads="1" noChangeShapeType="1" noTextEdit="1"/>
-          </p:cNvSpPr>
-          <p:nvPr>
-            <p:extLst>
-              <p:ext uri="{386F3935-93C4-4BCD-93E2-E3B085C9AB24}">
-                <p16:designElem xmlns:p16="http://schemas.microsoft.com/office/powerpoint/2015/main" val="1"/>
-              </p:ext>
-            </p:extLst>
-          </p:nvPr>
-        </p:nvSpPr>
-        <p:spPr>
-          <a:xfrm rot="5400000" flipH="1">
-            <a:off x="-1410085" y="1420219"/>
-            <a:ext cx="6857999" cy="4037839"/>
-          </a:xfrm>
-          <a:prstGeom prst="rect">
-            <a:avLst/>
-          </a:prstGeom>
-          <a:gradFill>
-            <a:gsLst>
-              <a:gs pos="0">
-                <a:srgbClr val="000000">
-                  <a:alpha val="0"/>
-                </a:srgbClr>
-              </a:gs>
-              <a:gs pos="99000">
-                <a:schemeClr val="accent1">
-                  <a:alpha val="46000"/>
-                </a:schemeClr>
-              </a:gs>
-            </a:gsLst>
-            <a:lin ang="1800000" scaled="0"/>
-          </a:gradFill>
-          <a:ln>
-            <a:noFill/>
-          </a:ln>
-        </p:spPr>
-        <p:style>
-          <a:lnRef idx="2">
-            <a:schemeClr val="accent1">
-              <a:shade val="50000"/>
-            </a:schemeClr>
-          </a:lnRef>
-          <a:fillRef idx="1">
-            <a:schemeClr val="accent1"/>
-          </a:fillRef>
-          <a:effectRef idx="0">
-            <a:schemeClr val="accent1"/>
-          </a:effectRef>
-          <a:fontRef idx="minor">
-            <a:schemeClr val="lt1"/>
-          </a:fontRef>
-        </p:style>
-        <p:txBody>
-          <a:bodyPr rtlCol="0" anchor="ctr"/>
-          <a:lstStyle/>
-          <a:p>
-            <a:pPr algn="ctr"/>
-            <a:endParaRPr lang="en-US"/>
-          </a:p>
-        </p:txBody>
-      </p:sp>
-      <p:sp>
-        <p:nvSpPr>
-          <p:cNvPr id="15" name="Rectangle 14">
-            <a:extLst>
-              <a:ext uri="{FF2B5EF4-FFF2-40B4-BE49-F238E27FC236}">
-                <a16:creationId xmlns:a16="http://schemas.microsoft.com/office/drawing/2014/main" id="{3150CB11-0C61-439E-910F-5787759E72A0}"/>
-              </a:ext>
-              <a:ext uri="{C183D7F6-B498-43B3-948B-1728B52AA6E4}">
-                <adec:decorative xmlns:adec="http://schemas.microsoft.com/office/drawing/2017/decorative" val="1"/>
-              </a:ext>
-            </a:extLst>
-          </p:cNvPr>
-          <p:cNvSpPr>
-            <a:spLocks noGrp="1" noRot="1" noChangeAspect="1" noMove="1" noResize="1" noEditPoints="1" noAdjustHandles="1" noChangeArrowheads="1" noChangeShapeType="1" noTextEdit="1"/>
-          </p:cNvSpPr>
-          <p:nvPr>
-            <p:extLst>
-              <p:ext uri="{386F3935-93C4-4BCD-93E2-E3B085C9AB24}">
-                <p16:designElem xmlns:p16="http://schemas.microsoft.com/office/powerpoint/2015/main" val="1"/>
-              </p:ext>
-            </p:extLst>
-          </p:nvPr>
-        </p:nvSpPr>
-        <p:spPr>
-          <a:xfrm rot="5400000" flipH="1">
-            <a:off x="767923" y="3588085"/>
-            <a:ext cx="2501979" cy="4037841"/>
-          </a:xfrm>
-          <a:prstGeom prst="rect">
-            <a:avLst/>
-          </a:prstGeom>
-          <a:gradFill>
-            <a:gsLst>
-              <a:gs pos="2000">
-                <a:schemeClr val="accent1">
-                  <a:alpha val="29000"/>
-                </a:schemeClr>
-              </a:gs>
-              <a:gs pos="100000">
-                <a:srgbClr val="000000">
-                  <a:alpha val="30000"/>
-                </a:srgbClr>
-              </a:gs>
-            </a:gsLst>
-            <a:lin ang="7800000" scaled="0"/>
-          </a:gradFill>
-          <a:ln>
-            <a:noFill/>
-          </a:ln>
-        </p:spPr>
-        <p:style>
-          <a:lnRef idx="2">
-            <a:schemeClr val="accent1">
-              <a:shade val="50000"/>
-            </a:schemeClr>
-          </a:lnRef>
-          <a:fillRef idx="1">
-            <a:schemeClr val="accent1"/>
-          </a:fillRef>
-          <a:effectRef idx="0">
-            <a:schemeClr val="accent1"/>
-          </a:effectRef>
-          <a:fontRef idx="minor">
-            <a:schemeClr val="lt1"/>
-          </a:fontRef>
-        </p:style>
-        <p:txBody>
-          <a:bodyPr rtlCol="0" anchor="ctr"/>
-          <a:lstStyle/>
-          <a:p>
-            <a:pPr algn="ctr"/>
-            <a:endParaRPr lang="en-US" dirty="0"/>
-          </a:p>
-        </p:txBody>
-      </p:sp>
-      <p:sp>
-        <p:nvSpPr>
-          <p:cNvPr id="17" name="Freeform: Shape 16">
-            <a:extLst>
-              <a:ext uri="{FF2B5EF4-FFF2-40B4-BE49-F238E27FC236}">
-                <a16:creationId xmlns:a16="http://schemas.microsoft.com/office/drawing/2014/main" id="{43F8A58B-5155-44CE-A5FF-7647B47D0A7A}"/>
-              </a:ext>
-              <a:ext uri="{C183D7F6-B498-43B3-948B-1728B52AA6E4}">
-                <adec:decorative xmlns:adec="http://schemas.microsoft.com/office/drawing/2017/decorative" val="1"/>
-              </a:ext>
-            </a:extLst>
-          </p:cNvPr>
-          <p:cNvSpPr>
-            <a:spLocks noGrp="1" noRot="1" noChangeAspect="1" noMove="1" noResize="1" noEditPoints="1" noAdjustHandles="1" noChangeArrowheads="1" noChangeShapeType="1" noTextEdit="1"/>
-          </p:cNvSpPr>
-          <p:nvPr>
-            <p:extLst>
-              <p:ext uri="{386F3935-93C4-4BCD-93E2-E3B085C9AB24}">
-                <p16:designElem xmlns:p16="http://schemas.microsoft.com/office/powerpoint/2015/main" val="1"/>
-              </p:ext>
-            </p:extLst>
-          </p:nvPr>
-        </p:nvSpPr>
-        <p:spPr>
-          <a:xfrm rot="20635413">
-            <a:off x="-501737" y="969718"/>
-            <a:ext cx="3900357" cy="4178958"/>
-          </a:xfrm>
-          <a:custGeom>
-            <a:avLst/>
-            <a:gdLst>
-              <a:gd name="connsiteX0" fmla="*/ 2432225 w 3900357"/>
-              <a:gd name="connsiteY0" fmla="*/ 93939 h 4178958"/>
-              <a:gd name="connsiteX1" fmla="*/ 3900357 w 3900357"/>
-              <a:gd name="connsiteY1" fmla="*/ 2089479 h 4178958"/>
-              <a:gd name="connsiteX2" fmla="*/ 1810878 w 3900357"/>
-              <a:gd name="connsiteY2" fmla="*/ 4178958 h 4178958"/>
-              <a:gd name="connsiteX3" fmla="*/ 78249 w 3900357"/>
-              <a:gd name="connsiteY3" fmla="*/ 3257727 h 4178958"/>
-              <a:gd name="connsiteX4" fmla="*/ 0 w 3900357"/>
-              <a:gd name="connsiteY4" fmla="*/ 3128923 h 4178958"/>
-              <a:gd name="connsiteX5" fmla="*/ 831324 w 3900357"/>
-              <a:gd name="connsiteY5" fmla="*/ 244281 h 4178958"/>
-              <a:gd name="connsiteX6" fmla="*/ 997559 w 3900357"/>
-              <a:gd name="connsiteY6" fmla="*/ 164202 h 4178958"/>
-              <a:gd name="connsiteX7" fmla="*/ 1810878 w 3900357"/>
-              <a:gd name="connsiteY7" fmla="*/ 0 h 4178958"/>
-              <a:gd name="connsiteX8" fmla="*/ 2432225 w 3900357"/>
-              <a:gd name="connsiteY8" fmla="*/ 93939 h 4178958"/>
-            </a:gdLst>
-            <a:ahLst/>
-            <a:cxnLst>
-              <a:cxn ang="0">
-                <a:pos x="connsiteX0" y="connsiteY0"/>
-              </a:cxn>
-              <a:cxn ang="0">
-                <a:pos x="connsiteX1" y="connsiteY1"/>
-              </a:cxn>
-              <a:cxn ang="0">
-                <a:pos x="connsiteX2" y="connsiteY2"/>
-              </a:cxn>
-              <a:cxn ang="0">
-                <a:pos x="connsiteX3" y="connsiteY3"/>
-              </a:cxn>
-              <a:cxn ang="0">
-                <a:pos x="connsiteX4" y="connsiteY4"/>
-              </a:cxn>
-              <a:cxn ang="0">
-                <a:pos x="connsiteX5" y="connsiteY5"/>
-              </a:cxn>
-              <a:cxn ang="0">
-                <a:pos x="connsiteX6" y="connsiteY6"/>
-              </a:cxn>
-              <a:cxn ang="0">
-                <a:pos x="connsiteX7" y="connsiteY7"/>
-              </a:cxn>
-              <a:cxn ang="0">
-                <a:pos x="connsiteX8" y="connsiteY8"/>
-              </a:cxn>
-            </a:cxnLst>
-            <a:rect l="l" t="t" r="r" b="b"/>
-            <a:pathLst>
-              <a:path w="3900357" h="4178958">
-                <a:moveTo>
-                  <a:pt x="2432225" y="93939"/>
-                </a:moveTo>
-                <a:cubicBezTo>
-                  <a:pt x="3282786" y="358491"/>
-                  <a:pt x="3900357" y="1151865"/>
-                  <a:pt x="3900357" y="2089479"/>
-                </a:cubicBezTo>
-                <a:cubicBezTo>
-                  <a:pt x="3900357" y="3243466"/>
-                  <a:pt x="2964865" y="4178958"/>
-                  <a:pt x="1810878" y="4178958"/>
-                </a:cubicBezTo>
-                <a:cubicBezTo>
-                  <a:pt x="1089636" y="4178958"/>
-                  <a:pt x="453744" y="3813531"/>
-                  <a:pt x="78249" y="3257727"/>
-                </a:cubicBezTo>
-                <a:lnTo>
-                  <a:pt x="0" y="3128923"/>
-                </a:lnTo>
-                <a:lnTo>
-                  <a:pt x="831324" y="244281"/>
-                </a:lnTo>
-                <a:lnTo>
-                  <a:pt x="997559" y="164202"/>
-                </a:lnTo>
-                <a:cubicBezTo>
-                  <a:pt x="1247540" y="58468"/>
-                  <a:pt x="1522381" y="0"/>
-                  <a:pt x="1810878" y="0"/>
-                </a:cubicBezTo>
-                <a:cubicBezTo>
-                  <a:pt x="2027251" y="0"/>
-                  <a:pt x="2235942" y="32888"/>
-                  <a:pt x="2432225" y="93939"/>
-                </a:cubicBezTo>
-                <a:close/>
-              </a:path>
-            </a:pathLst>
-          </a:custGeom>
-          <a:gradFill>
-            <a:gsLst>
-              <a:gs pos="29000">
-                <a:srgbClr val="000000">
-                  <a:alpha val="0"/>
-                </a:srgbClr>
-              </a:gs>
-              <a:gs pos="100000">
-                <a:schemeClr val="accent1">
-                  <a:alpha val="43000"/>
-                </a:schemeClr>
-              </a:gs>
-            </a:gsLst>
-            <a:lin ang="1800000" scaled="0"/>
-          </a:gradFill>
-          <a:ln>
-            <a:noFill/>
-          </a:ln>
-        </p:spPr>
-        <p:style>
-          <a:lnRef idx="2">
-            <a:schemeClr val="accent1">
-              <a:shade val="50000"/>
-            </a:schemeClr>
-          </a:lnRef>
-          <a:fillRef idx="1">
-            <a:schemeClr val="accent1"/>
-          </a:fillRef>
-          <a:effectRef idx="0">
-            <a:schemeClr val="accent1"/>
-          </a:effectRef>
-          <a:fontRef idx="minor">
-            <a:schemeClr val="lt1"/>
-          </a:fontRef>
-        </p:style>
-        <p:txBody>
-          <a:bodyPr wrap="square" rtlCol="0" anchor="ctr">
-            <a:noAutofit/>
-          </a:bodyPr>
-          <a:lstStyle/>
-          <a:p>
-            <a:pPr algn="ctr"/>
-            <a:endParaRPr lang="en-US" dirty="0"/>
-          </a:p>
-        </p:txBody>
-      </p:sp>
-      <p:sp>
-        <p:nvSpPr>
-          <p:cNvPr id="19" name="Rectangle 18">
-            <a:extLst>
-              <a:ext uri="{FF2B5EF4-FFF2-40B4-BE49-F238E27FC236}">
-                <a16:creationId xmlns:a16="http://schemas.microsoft.com/office/drawing/2014/main" id="{443F2ACA-E6D6-4028-82DD-F03C262D5DE6}"/>
-              </a:ext>
-              <a:ext uri="{C183D7F6-B498-43B3-948B-1728B52AA6E4}">
-                <adec:decorative xmlns:adec="http://schemas.microsoft.com/office/drawing/2017/decorative" val="1"/>
-              </a:ext>
-            </a:extLst>
-          </p:cNvPr>
-          <p:cNvSpPr>
-            <a:spLocks noGrp="1" noRot="1" noChangeAspect="1" noMove="1" noResize="1" noEditPoints="1" noAdjustHandles="1" noChangeArrowheads="1" noChangeShapeType="1" noTextEdit="1"/>
-          </p:cNvSpPr>
-          <p:nvPr>
-            <p:extLst>
-              <p:ext uri="{386F3935-93C4-4BCD-93E2-E3B085C9AB24}">
-                <p16:designElem xmlns:p16="http://schemas.microsoft.com/office/powerpoint/2015/main" val="1"/>
-              </p:ext>
-            </p:extLst>
-          </p:nvPr>
-        </p:nvSpPr>
-        <p:spPr>
-          <a:xfrm rot="5400000" flipH="1">
-            <a:off x="-1410095" y="1410079"/>
-            <a:ext cx="6858003" cy="4037835"/>
-          </a:xfrm>
-          <a:prstGeom prst="rect">
-            <a:avLst/>
-          </a:prstGeom>
-          <a:gradFill>
-            <a:gsLst>
-              <a:gs pos="0">
-                <a:srgbClr val="000000">
-                  <a:alpha val="0"/>
-                </a:srgbClr>
-              </a:gs>
-              <a:gs pos="99000">
-                <a:schemeClr val="accent1">
-                  <a:lumMod val="60000"/>
-                  <a:lumOff val="40000"/>
-                  <a:alpha val="11000"/>
-                </a:schemeClr>
-              </a:gs>
-            </a:gsLst>
-            <a:lin ang="7200000" scaled="0"/>
-          </a:gradFill>
-          <a:ln>
-            <a:noFill/>
-          </a:ln>
-        </p:spPr>
-        <p:style>
-          <a:lnRef idx="2">
-            <a:schemeClr val="accent1">
-              <a:shade val="50000"/>
-            </a:schemeClr>
-          </a:lnRef>
-          <a:fillRef idx="1">
-            <a:schemeClr val="accent1"/>
-          </a:fillRef>
-          <a:effectRef idx="0">
-            <a:schemeClr val="accent1"/>
-          </a:effectRef>
-          <a:fontRef idx="minor">
-            <a:schemeClr val="lt1"/>
-          </a:fontRef>
-        </p:style>
-        <p:txBody>
-          <a:bodyPr rtlCol="0" anchor="ctr"/>
-          <a:lstStyle/>
-          <a:p>
-            <a:pPr algn="ctr"/>
-            <a:endParaRPr lang="en-US"/>
-          </a:p>
-        </p:txBody>
-      </p:sp>
-      <p:sp>
-        <p:nvSpPr>
-          <p:cNvPr id="2" name="제목 1">
-            <a:extLst>
-              <a:ext uri="{FF2B5EF4-FFF2-40B4-BE49-F238E27FC236}">
-                <a16:creationId xmlns:a16="http://schemas.microsoft.com/office/drawing/2014/main" id="{59A6D1B9-07CF-7109-CEA4-01743AC0B92E}"/>
-              </a:ext>
-            </a:extLst>
-          </p:cNvPr>
-          <p:cNvSpPr>
-            <a:spLocks noGrp="1"/>
-          </p:cNvSpPr>
-          <p:nvPr>
-            <p:ph type="title"/>
-          </p:nvPr>
-        </p:nvSpPr>
-        <p:spPr>
-          <a:xfrm>
-            <a:off x="586478" y="1683756"/>
-            <a:ext cx="3115265" cy="2396359"/>
-          </a:xfrm>
-        </p:spPr>
-        <p:txBody>
-          <a:bodyPr anchor="b">
-            <a:normAutofit/>
-          </a:bodyPr>
-          <a:lstStyle/>
-          <a:p>
-            <a:pPr algn="r"/>
-            <a:r>
-              <a:rPr lang="ko-KR" altLang="en-US" sz="3600" dirty="0">
-                <a:solidFill>
-                  <a:srgbClr val="FFFFFF"/>
-                </a:solidFill>
-              </a:rPr>
-              <a:t>시스템 시연 </a:t>
-            </a:r>
-            <a:r>
-              <a:rPr lang="en-US" altLang="ko-KR" sz="3600" dirty="0">
-                <a:solidFill>
-                  <a:srgbClr val="FFFFFF"/>
-                </a:solidFill>
-              </a:rPr>
-              <a:t>1. AI </a:t>
-            </a:r>
-            <a:r>
-              <a:rPr lang="ko-KR" altLang="en-US" sz="3600" dirty="0">
-                <a:solidFill>
-                  <a:srgbClr val="FFFFFF"/>
-                </a:solidFill>
-              </a:rPr>
-              <a:t>기반 상담 시스템</a:t>
-            </a:r>
-          </a:p>
-        </p:txBody>
-      </p:sp>
-      <p:graphicFrame>
-        <p:nvGraphicFramePr>
-          <p:cNvPr id="5" name="내용 개체 틀 2">
-            <a:extLst>
-              <a:ext uri="{FF2B5EF4-FFF2-40B4-BE49-F238E27FC236}">
-                <a16:creationId xmlns:a16="http://schemas.microsoft.com/office/drawing/2014/main" id="{6EA55A49-3D81-761C-0BF6-95EBBC2F92AD}"/>
-              </a:ext>
-            </a:extLst>
-          </p:cNvPr>
-          <p:cNvGraphicFramePr>
-            <a:graphicFrameLocks noGrp="1"/>
-          </p:cNvGraphicFramePr>
-          <p:nvPr>
-            <p:ph idx="1"/>
-            <p:extLst>
-              <p:ext uri="{D42A27DB-BD31-4B8C-83A1-F6EECF244321}">
-                <p14:modId xmlns:p14="http://schemas.microsoft.com/office/powerpoint/2010/main" val="1953443940"/>
-              </p:ext>
-            </p:extLst>
-          </p:nvPr>
-        </p:nvGraphicFramePr>
-        <p:xfrm>
-          <a:off x="4905052" y="750440"/>
-          <a:ext cx="6666833" cy="5453920"/>
-        </p:xfrm>
-        <a:graphic>
-          <a:graphicData uri="http://schemas.openxmlformats.org/drawingml/2006/diagram">
-            <dgm:relIds xmlns:dgm="http://schemas.openxmlformats.org/drawingml/2006/diagram" xmlns:r="http://schemas.openxmlformats.org/officeDocument/2006/relationships" r:dm="rId2" r:lo="rId3" r:qs="rId4" r:cs="rId5"/>
-          </a:graphicData>
-        </a:graphic>
-      </p:graphicFrame>
-    </p:spTree>
-    <p:extLst>
-      <p:ext uri="{BB962C8B-B14F-4D97-AF65-F5344CB8AC3E}">
-        <p14:creationId xmlns:p14="http://schemas.microsoft.com/office/powerpoint/2010/main" val="3599302359"/>
       </p:ext>
     </p:extLst>
   </p:cSld>

--- a/Project Mentally.pptx
+++ b/Project Mentally.pptx
@@ -24634,6 +24634,19 @@
             <a:off x="7156256" y="1825625"/>
             <a:ext cx="3213488" cy="4351338"/>
           </a:xfrm>
+          <a:prstGeom prst="rect">
+            <a:avLst/>
+          </a:prstGeom>
+          <a:ln>
+            <a:noFill/>
+          </a:ln>
+          <a:effectLst>
+            <a:outerShdw blurRad="292100" dist="139700" dir="2700000" algn="tl" rotWithShape="0">
+              <a:srgbClr val="333333">
+                <a:alpha val="65000"/>
+              </a:srgbClr>
+            </a:outerShdw>
+          </a:effectLst>
         </p:spPr>
       </p:pic>
     </p:spTree>

--- a/Project Mentally.pptx
+++ b/Project Mentally.pptx
@@ -3709,7 +3709,7 @@
 <dgm:dataModel xmlns:dgm="http://schemas.openxmlformats.org/drawingml/2006/diagram" xmlns:a="http://schemas.openxmlformats.org/drawingml/2006/main">
   <dgm:ptLst>
     <dgm:pt modelId="{BC465409-3C06-475B-BC23-46762914CE05}" type="doc">
-      <dgm:prSet loTypeId="urn:microsoft.com/office/officeart/2005/8/layout/list1" loCatId="list" qsTypeId="urn:microsoft.com/office/officeart/2005/8/quickstyle/simple1" qsCatId="simple" csTypeId="urn:microsoft.com/office/officeart/2005/8/colors/accent1_2" csCatId="accent1"/>
+      <dgm:prSet loTypeId="urn:microsoft.com/office/officeart/2005/8/layout/list1" loCatId="list" qsTypeId="urn:microsoft.com/office/officeart/2005/8/quickstyle/simple1" qsCatId="simple" csTypeId="urn:microsoft.com/office/officeart/2005/8/colors/accent1_2" csCatId="accent1" phldr="1"/>
       <dgm:spPr/>
       <dgm:t>
         <a:bodyPr/>
@@ -3849,10 +3849,10 @@
         <a:lstStyle/>
         <a:p>
           <a:r>
-            <a:rPr lang="ko-KR"/>
-            <a:t>의료인에게는 인센티브가 지급됨</a:t>
+            <a:rPr lang="ko-KR" altLang="en-US" dirty="0"/>
+            <a:t>병원 상단 노출 시스템</a:t>
           </a:r>
-          <a:endParaRPr lang="en-US"/>
+          <a:endParaRPr lang="en-US" altLang="ko-KR" dirty="0"/>
         </a:p>
       </dgm:t>
     </dgm:pt>
@@ -3875,6 +3875,69 @@
         <a:lstStyle/>
         <a:p>
           <a:endParaRPr lang="en-US"/>
+        </a:p>
+      </dgm:t>
+    </dgm:pt>
+    <dgm:pt modelId="{CB1F1CD5-9FF8-40D3-8491-97FCFC38FA96}">
+      <dgm:prSet/>
+      <dgm:spPr/>
+      <dgm:t>
+        <a:bodyPr/>
+        <a:lstStyle/>
+        <a:p>
+          <a:r>
+            <a:rPr lang="ko-KR" altLang="en-US" dirty="0"/>
+            <a:t>일정 구독료를 지불한 의원을 </a:t>
+          </a:r>
+          <a:r>
+            <a:rPr lang="en-US" altLang="ko-KR" dirty="0"/>
+            <a:t>‘</a:t>
+          </a:r>
+          <a:r>
+            <a:rPr lang="ko-KR" altLang="en-US" dirty="0"/>
+            <a:t>주변 마음병원 찾기</a:t>
+          </a:r>
+          <a:r>
+            <a:rPr lang="en-US" altLang="ko-KR" dirty="0"/>
+            <a:t>’ </a:t>
+          </a:r>
+          <a:r>
+            <a:rPr lang="ko-KR" altLang="en-US" dirty="0"/>
+            <a:t>및 </a:t>
+          </a:r>
+          <a:r>
+            <a:rPr lang="ko-KR" altLang="en-US" dirty="0" err="1"/>
+            <a:t>큐레이팅</a:t>
+          </a:r>
+          <a:r>
+            <a:rPr lang="ko-KR" altLang="en-US" dirty="0"/>
+            <a:t> 검색 결과에서 상위 노출</a:t>
+          </a:r>
+          <a:endParaRPr lang="en-US" altLang="ko-KR" dirty="0"/>
+        </a:p>
+      </dgm:t>
+    </dgm:pt>
+    <dgm:pt modelId="{BB6AC59D-19FD-4EFB-B69E-7843ED78BB9F}" type="parTrans" cxnId="{EA98BF33-8050-432A-9652-B5B119CB06B5}">
+      <dgm:prSet/>
+      <dgm:spPr/>
+      <dgm:t>
+        <a:bodyPr/>
+        <a:lstStyle/>
+        <a:p>
+          <a:pPr latinLnBrk="1"/>
+          <a:endParaRPr lang="ko-KR" altLang="en-US"/>
+        </a:p>
+      </dgm:t>
+    </dgm:pt>
+    <dgm:pt modelId="{E5EEAFD6-6A62-4535-A633-BDA5F65B847F}" type="sibTrans" cxnId="{EA98BF33-8050-432A-9652-B5B119CB06B5}">
+      <dgm:prSet/>
+      <dgm:spPr/>
+      <dgm:t>
+        <a:bodyPr/>
+        <a:lstStyle/>
+        <a:p>
+          <a:pPr latinLnBrk="1"/>
+          <a:endParaRPr lang="ko-KR" altLang="en-US"/>
         </a:p>
       </dgm:t>
     </dgm:pt>
@@ -3985,6 +4048,8 @@
     </dgm:pt>
   </dgm:ptLst>
   <dgm:cxnLst>
+    <dgm:cxn modelId="{AD23DC05-19EB-41DC-B6F3-F980DBC77D9E}" type="presOf" srcId="{CB1F1CD5-9FF8-40D3-8491-97FCFC38FA96}" destId="{2B6039A4-0024-4BE5-A886-FCB169C33100}" srcOrd="0" destOrd="0" presId="urn:microsoft.com/office/officeart/2005/8/layout/list1"/>
+    <dgm:cxn modelId="{EA98BF33-8050-432A-9652-B5B119CB06B5}" srcId="{3FD8693C-DEC4-4EC7-88A0-700840888F2F}" destId="{CB1F1CD5-9FF8-40D3-8491-97FCFC38FA96}" srcOrd="0" destOrd="0" parTransId="{BB6AC59D-19FD-4EFB-B69E-7843ED78BB9F}" sibTransId="{E5EEAFD6-6A62-4535-A633-BDA5F65B847F}"/>
     <dgm:cxn modelId="{D53A7F41-0BAE-44E8-8F3F-010EE0E6BA07}" type="presOf" srcId="{887BE2B9-DF5E-4F0D-AC86-220BCF38CE21}" destId="{22E1C973-D07F-4753-BC38-E15636BEB1B9}" srcOrd="0" destOrd="0" presId="urn:microsoft.com/office/officeart/2005/8/layout/list1"/>
     <dgm:cxn modelId="{36A6E06C-D338-4A42-9380-D75346BF5D8A}" type="presOf" srcId="{C723E774-E62E-4AE8-B7B3-A5D36B5EAB4D}" destId="{C0D852DC-BB5D-4E9A-87DE-1174DF281EF8}" srcOrd="0" destOrd="0" presId="urn:microsoft.com/office/officeart/2005/8/layout/list1"/>
     <dgm:cxn modelId="{01AE374D-818B-4E92-B97F-2A6D27125C59}" srcId="{BC465409-3C06-475B-BC23-46762914CE05}" destId="{3FD8693C-DEC4-4EC7-88A0-700840888F2F}" srcOrd="2" destOrd="0" parTransId="{068CD80B-D0FC-41AE-8752-4F7314710B74}" sibTransId="{9D8AD893-446D-4B25-83CD-E60370111B89}"/>
@@ -5144,8 +5209,8 @@
       </dsp:nvSpPr>
       <dsp:spPr>
         <a:xfrm>
-          <a:off x="0" y="432549"/>
-          <a:ext cx="10515600" cy="1663200"/>
+          <a:off x="0" y="486818"/>
+          <a:ext cx="10515600" cy="976500"/>
         </a:xfrm>
         <a:prstGeom prst="rect">
           <a:avLst/>
@@ -5186,12 +5251,12 @@
         <a:fontRef idx="minor"/>
       </dsp:style>
       <dsp:txBody>
-        <a:bodyPr spcFirstLastPara="0" vert="horz" wrap="square" lIns="816127" tIns="499872" rIns="816127" bIns="170688" numCol="1" spcCol="1270" anchor="t" anchorCtr="0">
+        <a:bodyPr spcFirstLastPara="0" vert="horz" wrap="square" lIns="816127" tIns="416560" rIns="816127" bIns="142240" numCol="1" spcCol="1270" anchor="t" anchorCtr="0">
           <a:noAutofit/>
         </a:bodyPr>
         <a:lstStyle/>
         <a:p>
-          <a:pPr marL="228600" lvl="1" indent="-228600" algn="l" defTabSz="1066800">
+          <a:pPr marL="228600" lvl="1" indent="-228600" algn="l" defTabSz="889000">
             <a:lnSpc>
               <a:spcPct val="90000"/>
             </a:lnSpc>
@@ -5204,15 +5269,15 @@
             <a:buChar char="•"/>
           </a:pPr>
           <a:r>
-            <a:rPr lang="ko-KR" sz="2400" kern="1200"/>
+            <a:rPr lang="ko-KR" sz="2000" kern="1200"/>
             <a:t>정신과 질환은 대체로 치료 기간이 길어 오랜 가입 상태를 유지할 수 있음</a:t>
           </a:r>
-          <a:endParaRPr lang="en-US" sz="2400" kern="1200"/>
+          <a:endParaRPr lang="en-US" sz="2000" kern="1200"/>
         </a:p>
       </dsp:txBody>
       <dsp:txXfrm>
-        <a:off x="0" y="432549"/>
-        <a:ext cx="10515600" cy="1663200"/>
+        <a:off x="0" y="486818"/>
+        <a:ext cx="10515600" cy="976500"/>
       </dsp:txXfrm>
     </dsp:sp>
     <dsp:sp modelId="{366C2229-B5BB-4E9B-8A91-5079D53E7384}">
@@ -5222,8 +5287,8 @@
       </dsp:nvSpPr>
       <dsp:spPr>
         <a:xfrm>
-          <a:off x="525780" y="78309"/>
-          <a:ext cx="7360920" cy="708480"/>
+          <a:off x="525780" y="191618"/>
+          <a:ext cx="7360920" cy="590400"/>
         </a:xfrm>
         <a:prstGeom prst="roundRect">
           <a:avLst/>
@@ -5270,7 +5335,7 @@
         </a:bodyPr>
         <a:lstStyle/>
         <a:p>
-          <a:pPr marL="0" lvl="0" indent="0" algn="l" defTabSz="1066800">
+          <a:pPr marL="0" lvl="0" indent="0" algn="l" defTabSz="889000">
             <a:lnSpc>
               <a:spcPct val="90000"/>
             </a:lnSpc>
@@ -5283,26 +5348,26 @@
             <a:buNone/>
           </a:pPr>
           <a:r>
-            <a:rPr lang="ko-KR" sz="2400" kern="1200"/>
+            <a:rPr lang="ko-KR" sz="2000" kern="1200"/>
             <a:t>유료 계정</a:t>
           </a:r>
           <a:r>
-            <a:rPr lang="en-US" sz="2400" kern="1200"/>
+            <a:rPr lang="en-US" sz="2000" kern="1200"/>
             <a:t>(</a:t>
           </a:r>
           <a:r>
-            <a:rPr lang="ko-KR" sz="2400" kern="1200"/>
+            <a:rPr lang="ko-KR" sz="2000" kern="1200"/>
             <a:t>구독형 시스템</a:t>
           </a:r>
           <a:r>
-            <a:rPr lang="en-US" sz="2400" kern="1200"/>
+            <a:rPr lang="en-US" sz="2000" kern="1200"/>
             <a:t>)</a:t>
           </a:r>
         </a:p>
       </dsp:txBody>
       <dsp:txXfrm>
-        <a:off x="560365" y="112894"/>
-        <a:ext cx="7291750" cy="639310"/>
+        <a:off x="554601" y="220439"/>
+        <a:ext cx="7303278" cy="532758"/>
       </dsp:txXfrm>
     </dsp:sp>
     <dsp:sp modelId="{4B62CE69-D25A-46C4-9681-510C2A9972D9}">
@@ -5312,8 +5377,8 @@
       </dsp:nvSpPr>
       <dsp:spPr>
         <a:xfrm>
-          <a:off x="0" y="2579589"/>
-          <a:ext cx="10515600" cy="604800"/>
+          <a:off x="0" y="1866519"/>
+          <a:ext cx="10515600" cy="504000"/>
         </a:xfrm>
         <a:prstGeom prst="rect">
           <a:avLst/>
@@ -5361,8 +5426,8 @@
       </dsp:nvSpPr>
       <dsp:spPr>
         <a:xfrm>
-          <a:off x="525780" y="2225349"/>
-          <a:ext cx="7360920" cy="708480"/>
+          <a:off x="525780" y="1571318"/>
+          <a:ext cx="7360920" cy="590400"/>
         </a:xfrm>
         <a:prstGeom prst="roundRect">
           <a:avLst/>
@@ -5409,7 +5474,7 @@
         </a:bodyPr>
         <a:lstStyle/>
         <a:p>
-          <a:pPr marL="0" lvl="0" indent="0" algn="l" defTabSz="1066800">
+          <a:pPr marL="0" lvl="0" indent="0" algn="l" defTabSz="889000">
             <a:lnSpc>
               <a:spcPct val="90000"/>
             </a:lnSpc>
@@ -5422,15 +5487,15 @@
             <a:buNone/>
           </a:pPr>
           <a:r>
-            <a:rPr lang="ko-KR" sz="2400" kern="1200"/>
+            <a:rPr lang="ko-KR" sz="2000" kern="1200"/>
             <a:t>광고</a:t>
           </a:r>
-          <a:endParaRPr lang="en-US" sz="2400" kern="1200"/>
+          <a:endParaRPr lang="en-US" sz="2000" kern="1200"/>
         </a:p>
       </dsp:txBody>
       <dsp:txXfrm>
-        <a:off x="560365" y="2259934"/>
-        <a:ext cx="7291750" cy="639310"/>
+        <a:off x="554601" y="1600139"/>
+        <a:ext cx="7303278" cy="532758"/>
       </dsp:txXfrm>
     </dsp:sp>
     <dsp:sp modelId="{2B6039A4-0024-4BE5-A886-FCB169C33100}">
@@ -5440,8 +5505,8 @@
       </dsp:nvSpPr>
       <dsp:spPr>
         <a:xfrm>
-          <a:off x="0" y="3668229"/>
-          <a:ext cx="10515600" cy="604800"/>
+          <a:off x="0" y="2773719"/>
+          <a:ext cx="10515600" cy="1386000"/>
         </a:xfrm>
         <a:prstGeom prst="rect">
           <a:avLst/>
@@ -5481,6 +5546,59 @@
         </a:effectRef>
         <a:fontRef idx="minor"/>
       </dsp:style>
+      <dsp:txBody>
+        <a:bodyPr spcFirstLastPara="0" vert="horz" wrap="square" lIns="816127" tIns="416560" rIns="816127" bIns="142240" numCol="1" spcCol="1270" anchor="t" anchorCtr="0">
+          <a:noAutofit/>
+        </a:bodyPr>
+        <a:lstStyle/>
+        <a:p>
+          <a:pPr marL="228600" lvl="1" indent="-228600" algn="l" defTabSz="889000">
+            <a:lnSpc>
+              <a:spcPct val="90000"/>
+            </a:lnSpc>
+            <a:spcBef>
+              <a:spcPct val="0"/>
+            </a:spcBef>
+            <a:spcAft>
+              <a:spcPct val="15000"/>
+            </a:spcAft>
+            <a:buChar char="•"/>
+          </a:pPr>
+          <a:r>
+            <a:rPr lang="ko-KR" altLang="en-US" sz="2000" kern="1200" dirty="0"/>
+            <a:t>일정 구독료를 지불한 의원을 </a:t>
+          </a:r>
+          <a:r>
+            <a:rPr lang="en-US" altLang="ko-KR" sz="2000" kern="1200" dirty="0"/>
+            <a:t>‘</a:t>
+          </a:r>
+          <a:r>
+            <a:rPr lang="ko-KR" altLang="en-US" sz="2000" kern="1200" dirty="0"/>
+            <a:t>주변 마음병원 찾기</a:t>
+          </a:r>
+          <a:r>
+            <a:rPr lang="en-US" altLang="ko-KR" sz="2000" kern="1200" dirty="0"/>
+            <a:t>’ </a:t>
+          </a:r>
+          <a:r>
+            <a:rPr lang="ko-KR" altLang="en-US" sz="2000" kern="1200" dirty="0"/>
+            <a:t>및 </a:t>
+          </a:r>
+          <a:r>
+            <a:rPr lang="ko-KR" altLang="en-US" sz="2000" kern="1200" dirty="0" err="1"/>
+            <a:t>큐레이팅</a:t>
+          </a:r>
+          <a:r>
+            <a:rPr lang="ko-KR" altLang="en-US" sz="2000" kern="1200" dirty="0"/>
+            <a:t> 검색 결과에서 상위 노출</a:t>
+          </a:r>
+          <a:endParaRPr lang="en-US" altLang="ko-KR" sz="2000" kern="1200" dirty="0"/>
+        </a:p>
+      </dsp:txBody>
+      <dsp:txXfrm>
+        <a:off x="0" y="2773719"/>
+        <a:ext cx="10515600" cy="1386000"/>
+      </dsp:txXfrm>
     </dsp:sp>
     <dsp:sp modelId="{C27538A7-0B40-4559-806C-447D0C3E980A}">
       <dsp:nvSpPr>
@@ -5489,8 +5607,8 @@
       </dsp:nvSpPr>
       <dsp:spPr>
         <a:xfrm>
-          <a:off x="525780" y="3313989"/>
-          <a:ext cx="7360920" cy="708480"/>
+          <a:off x="525780" y="2478518"/>
+          <a:ext cx="7360920" cy="590400"/>
         </a:xfrm>
         <a:prstGeom prst="roundRect">
           <a:avLst/>
@@ -5537,7 +5655,7 @@
         </a:bodyPr>
         <a:lstStyle/>
         <a:p>
-          <a:pPr marL="0" lvl="0" indent="0" algn="l" defTabSz="1066800">
+          <a:pPr marL="0" lvl="0" indent="0" algn="l" defTabSz="889000">
             <a:lnSpc>
               <a:spcPct val="90000"/>
             </a:lnSpc>
@@ -5550,15 +5668,15 @@
             <a:buNone/>
           </a:pPr>
           <a:r>
-            <a:rPr lang="ko-KR" sz="2400" kern="1200"/>
-            <a:t>의료인에게는 인센티브가 지급됨</a:t>
+            <a:rPr lang="ko-KR" altLang="en-US" sz="2000" kern="1200" dirty="0"/>
+            <a:t>병원 상단 노출 시스템</a:t>
           </a:r>
-          <a:endParaRPr lang="en-US" sz="2400" kern="1200"/>
+          <a:endParaRPr lang="en-US" altLang="ko-KR" sz="2000" kern="1200" dirty="0"/>
         </a:p>
       </dsp:txBody>
       <dsp:txXfrm>
-        <a:off x="560365" y="3348574"/>
-        <a:ext cx="7291750" cy="639310"/>
+        <a:off x="554601" y="2507339"/>
+        <a:ext cx="7303278" cy="532758"/>
       </dsp:txXfrm>
     </dsp:sp>
   </dsp:spTree>
@@ -12600,7 +12718,7 @@
           <a:p>
             <a:fld id="{A7760C04-F2BE-45EC-B3FA-55EB4254A331}" type="datetimeFigureOut">
               <a:rPr lang="ko-KR" altLang="en-US" smtClean="0"/>
-              <a:t>2025-01-04</a:t>
+              <a:t>2025-01-06</a:t>
             </a:fld>
             <a:endParaRPr lang="ko-KR" altLang="en-US"/>
           </a:p>
@@ -12798,7 +12916,7 @@
           <a:p>
             <a:fld id="{A7760C04-F2BE-45EC-B3FA-55EB4254A331}" type="datetimeFigureOut">
               <a:rPr lang="ko-KR" altLang="en-US" smtClean="0"/>
-              <a:t>2025-01-04</a:t>
+              <a:t>2025-01-06</a:t>
             </a:fld>
             <a:endParaRPr lang="ko-KR" altLang="en-US"/>
           </a:p>
@@ -13006,7 +13124,7 @@
           <a:p>
             <a:fld id="{A7760C04-F2BE-45EC-B3FA-55EB4254A331}" type="datetimeFigureOut">
               <a:rPr lang="ko-KR" altLang="en-US" smtClean="0"/>
-              <a:t>2025-01-04</a:t>
+              <a:t>2025-01-06</a:t>
             </a:fld>
             <a:endParaRPr lang="ko-KR" altLang="en-US"/>
           </a:p>
@@ -13204,7 +13322,7 @@
           <a:p>
             <a:fld id="{A7760C04-F2BE-45EC-B3FA-55EB4254A331}" type="datetimeFigureOut">
               <a:rPr lang="ko-KR" altLang="en-US" smtClean="0"/>
-              <a:t>2025-01-04</a:t>
+              <a:t>2025-01-06</a:t>
             </a:fld>
             <a:endParaRPr lang="ko-KR" altLang="en-US"/>
           </a:p>
@@ -13479,7 +13597,7 @@
           <a:p>
             <a:fld id="{A7760C04-F2BE-45EC-B3FA-55EB4254A331}" type="datetimeFigureOut">
               <a:rPr lang="ko-KR" altLang="en-US" smtClean="0"/>
-              <a:t>2025-01-04</a:t>
+              <a:t>2025-01-06</a:t>
             </a:fld>
             <a:endParaRPr lang="ko-KR" altLang="en-US"/>
           </a:p>
@@ -13744,7 +13862,7 @@
           <a:p>
             <a:fld id="{A7760C04-F2BE-45EC-B3FA-55EB4254A331}" type="datetimeFigureOut">
               <a:rPr lang="ko-KR" altLang="en-US" smtClean="0"/>
-              <a:t>2025-01-04</a:t>
+              <a:t>2025-01-06</a:t>
             </a:fld>
             <a:endParaRPr lang="ko-KR" altLang="en-US"/>
           </a:p>
@@ -14156,7 +14274,7 @@
           <a:p>
             <a:fld id="{A7760C04-F2BE-45EC-B3FA-55EB4254A331}" type="datetimeFigureOut">
               <a:rPr lang="ko-KR" altLang="en-US" smtClean="0"/>
-              <a:t>2025-01-04</a:t>
+              <a:t>2025-01-06</a:t>
             </a:fld>
             <a:endParaRPr lang="ko-KR" altLang="en-US"/>
           </a:p>
@@ -14297,7 +14415,7 @@
           <a:p>
             <a:fld id="{A7760C04-F2BE-45EC-B3FA-55EB4254A331}" type="datetimeFigureOut">
               <a:rPr lang="ko-KR" altLang="en-US" smtClean="0"/>
-              <a:t>2025-01-04</a:t>
+              <a:t>2025-01-06</a:t>
             </a:fld>
             <a:endParaRPr lang="ko-KR" altLang="en-US"/>
           </a:p>
@@ -14410,7 +14528,7 @@
           <a:p>
             <a:fld id="{A7760C04-F2BE-45EC-B3FA-55EB4254A331}" type="datetimeFigureOut">
               <a:rPr lang="ko-KR" altLang="en-US" smtClean="0"/>
-              <a:t>2025-01-04</a:t>
+              <a:t>2025-01-06</a:t>
             </a:fld>
             <a:endParaRPr lang="ko-KR" altLang="en-US"/>
           </a:p>
@@ -14721,7 +14839,7 @@
           <a:p>
             <a:fld id="{A7760C04-F2BE-45EC-B3FA-55EB4254A331}" type="datetimeFigureOut">
               <a:rPr lang="ko-KR" altLang="en-US" smtClean="0"/>
-              <a:t>2025-01-04</a:t>
+              <a:t>2025-01-06</a:t>
             </a:fld>
             <a:endParaRPr lang="ko-KR" altLang="en-US"/>
           </a:p>
@@ -15009,7 +15127,7 @@
           <a:p>
             <a:fld id="{A7760C04-F2BE-45EC-B3FA-55EB4254A331}" type="datetimeFigureOut">
               <a:rPr lang="ko-KR" altLang="en-US" smtClean="0"/>
-              <a:t>2025-01-04</a:t>
+              <a:t>2025-01-06</a:t>
             </a:fld>
             <a:endParaRPr lang="ko-KR" altLang="en-US"/>
           </a:p>
@@ -15250,7 +15368,7 @@
           <a:p>
             <a:fld id="{A7760C04-F2BE-45EC-B3FA-55EB4254A331}" type="datetimeFigureOut">
               <a:rPr lang="ko-KR" altLang="en-US" smtClean="0"/>
-              <a:t>2025-01-04</a:t>
+              <a:t>2025-01-06</a:t>
             </a:fld>
             <a:endParaRPr lang="ko-KR" altLang="en-US"/>
           </a:p>
@@ -15677,10 +15795,10 @@
       </p:grpSpPr>
       <p:sp useBgFill="1">
         <p:nvSpPr>
-          <p:cNvPr id="12" name="Rectangle 11">
+          <p:cNvPr id="17" name="Rectangle 16">
             <a:extLst>
               <a:ext uri="{FF2B5EF4-FFF2-40B4-BE49-F238E27FC236}">
-                <a16:creationId xmlns:a16="http://schemas.microsoft.com/office/drawing/2014/main" id="{74751229-0244-4FBB-BED1-407467F4C951}"/>
+                <a16:creationId xmlns:a16="http://schemas.microsoft.com/office/drawing/2014/main" id="{91DC6ABD-215C-4EA8-A483-CEF5B99AB385}"/>
               </a:ext>
               <a:ext uri="{C183D7F6-B498-43B3-948B-1728B52AA6E4}">
                 <adec:decorative xmlns:adec="http://schemas.microsoft.com/office/drawing/2017/decorative" val="1"/>
@@ -15701,7 +15819,7 @@
         <p:spPr>
           <a:xfrm>
             <a:off x="0" y="0"/>
-            <a:ext cx="12188952" cy="6858000"/>
+            <a:ext cx="12191999" cy="6857365"/>
           </a:xfrm>
           <a:prstGeom prst="rect">
             <a:avLst/>
@@ -15753,33 +15871,33 @@
         </p:nvSpPr>
         <p:spPr>
           <a:xfrm>
-            <a:off x="2197101" y="735283"/>
-            <a:ext cx="4978399" cy="3165045"/>
+            <a:off x="599609" y="679731"/>
+            <a:ext cx="4171994" cy="3736540"/>
           </a:xfrm>
         </p:spPr>
         <p:txBody>
-          <a:bodyPr anchor="b">
+          <a:bodyPr>
             <a:normAutofit/>
           </a:bodyPr>
           <a:lstStyle/>
           <a:p>
             <a:pPr algn="l"/>
             <a:r>
-              <a:rPr lang="en-US" altLang="ko-KR" sz="5200" dirty="0"/>
+              <a:rPr lang="en-US" altLang="ko-KR" dirty="0"/>
               <a:t>Project </a:t>
             </a:r>
             <a:br>
-              <a:rPr lang="en-US" altLang="ko-KR" sz="5200" dirty="0"/>
+              <a:rPr lang="en-US" altLang="ko-KR" dirty="0"/>
             </a:br>
             <a:r>
-              <a:rPr lang="ko-KR" altLang="en-US" sz="5200" dirty="0" err="1"/>
+              <a:rPr lang="ko-KR" altLang="en-US" dirty="0" err="1"/>
               <a:t>토닥</a:t>
             </a:r>
             <a:r>
-              <a:rPr lang="en-US" altLang="ko-KR" sz="5200" dirty="0" err="1"/>
+              <a:rPr lang="en-US" altLang="ko-KR" dirty="0" err="1"/>
               <a:t>toDoc</a:t>
             </a:r>
-            <a:endParaRPr lang="ko-KR" altLang="en-US" sz="5200" dirty="0"/>
+            <a:endParaRPr lang="ko-KR" altLang="en-US" dirty="0"/>
           </a:p>
         </p:txBody>
       </p:sp>
@@ -15801,8 +15919,8 @@
         </p:nvSpPr>
         <p:spPr>
           <a:xfrm>
-            <a:off x="2197101" y="4078423"/>
-            <a:ext cx="4978399" cy="2058657"/>
+            <a:off x="599609" y="4685288"/>
+            <a:ext cx="4171994" cy="1035781"/>
           </a:xfrm>
         </p:spPr>
         <p:txBody>
@@ -15828,12 +15946,227 @@
           </a:p>
         </p:txBody>
       </p:sp>
+      <p:grpSp>
+        <p:nvGrpSpPr>
+          <p:cNvPr id="19" name="Group 18">
+            <a:extLst>
+              <a:ext uri="{FF2B5EF4-FFF2-40B4-BE49-F238E27FC236}">
+                <a16:creationId xmlns:a16="http://schemas.microsoft.com/office/drawing/2014/main" id="{3AF6A671-C637-4547-85F4-51B6D1881399}"/>
+              </a:ext>
+              <a:ext uri="{C183D7F6-B498-43B3-948B-1728B52AA6E4}">
+                <adec:decorative xmlns:adec="http://schemas.microsoft.com/office/drawing/2017/decorative" val="1"/>
+              </a:ext>
+            </a:extLst>
+          </p:cNvPr>
+          <p:cNvGrpSpPr>
+            <a:grpSpLocks noGrp="1" noUngrp="1" noRot="1" noChangeAspect="1" noMove="1" noResize="1"/>
+          </p:cNvGrpSpPr>
+          <p:nvPr>
+            <p:extLst>
+              <p:ext uri="{386F3935-93C4-4BCD-93E2-E3B085C9AB24}">
+                <p16:designElem xmlns:p16="http://schemas.microsoft.com/office/powerpoint/2015/main" val="1"/>
+              </p:ext>
+            </p:extLst>
+          </p:nvPr>
+        </p:nvGrpSpPr>
+        <p:grpSpPr>
+          <a:xfrm>
+            <a:off x="9416432" y="1"/>
+            <a:ext cx="2446384" cy="5777808"/>
+            <a:chOff x="329184" y="1"/>
+            <a:chExt cx="524256" cy="5777808"/>
+          </a:xfrm>
+        </p:grpSpPr>
+        <p:cxnSp>
+          <p:nvCxnSpPr>
+            <p:cNvPr id="20" name="Straight Connector 19">
+              <a:extLst>
+                <a:ext uri="{FF2B5EF4-FFF2-40B4-BE49-F238E27FC236}">
+                  <a16:creationId xmlns:a16="http://schemas.microsoft.com/office/drawing/2014/main" id="{C575CF26-3D3C-4C5A-A2B7-00432016EF62}"/>
+                </a:ext>
+                <a:ext uri="{C183D7F6-B498-43B3-948B-1728B52AA6E4}">
+                  <adec:decorative xmlns:adec="http://schemas.microsoft.com/office/drawing/2017/decorative" val="1"/>
+                </a:ext>
+              </a:extLst>
+            </p:cNvPr>
+            <p:cNvCxnSpPr>
+              <a:cxnSpLocks/>
+            </p:cNvCxnSpPr>
+            <p:nvPr>
+              <p:extLst>
+                <p:ext uri="{386F3935-93C4-4BCD-93E2-E3B085C9AB24}">
+                  <p16:designElem xmlns:p16="http://schemas.microsoft.com/office/powerpoint/2015/main" val="1"/>
+                </p:ext>
+              </p:extLst>
+            </p:nvPr>
+          </p:nvCxnSpPr>
+          <p:spPr>
+            <a:xfrm flipH="1">
+              <a:off x="329184" y="5777809"/>
+              <a:ext cx="521208" cy="0"/>
+            </a:xfrm>
+            <a:prstGeom prst="line">
+              <a:avLst/>
+            </a:prstGeom>
+            <a:ln w="152400">
+              <a:solidFill>
+                <a:schemeClr val="accent4"/>
+              </a:solidFill>
+            </a:ln>
+          </p:spPr>
+          <p:style>
+            <a:lnRef idx="1">
+              <a:schemeClr val="accent1"/>
+            </a:lnRef>
+            <a:fillRef idx="0">
+              <a:schemeClr val="accent1"/>
+            </a:fillRef>
+            <a:effectRef idx="0">
+              <a:schemeClr val="accent1"/>
+            </a:effectRef>
+            <a:fontRef idx="minor">
+              <a:schemeClr val="tx1"/>
+            </a:fontRef>
+          </p:style>
+        </p:cxnSp>
+        <p:sp>
+          <p:nvSpPr>
+            <p:cNvPr id="21" name="Rectangle 20">
+              <a:extLst>
+                <a:ext uri="{FF2B5EF4-FFF2-40B4-BE49-F238E27FC236}">
+                  <a16:creationId xmlns:a16="http://schemas.microsoft.com/office/drawing/2014/main" id="{99413ED5-9ED4-4772-BCE4-2BCAE6B12E35}"/>
+                </a:ext>
+                <a:ext uri="{C183D7F6-B498-43B3-948B-1728B52AA6E4}">
+                  <adec:decorative xmlns:adec="http://schemas.microsoft.com/office/drawing/2017/decorative" val="1"/>
+                </a:ext>
+              </a:extLst>
+            </p:cNvPr>
+            <p:cNvSpPr/>
+            <p:nvPr>
+              <p:extLst>
+                <p:ext uri="{386F3935-93C4-4BCD-93E2-E3B085C9AB24}">
+                  <p16:designElem xmlns:p16="http://schemas.microsoft.com/office/powerpoint/2015/main" val="1"/>
+                </p:ext>
+              </p:extLst>
+            </p:nvPr>
+          </p:nvSpPr>
+          <p:spPr>
+            <a:xfrm>
+              <a:off x="329184" y="1"/>
+              <a:ext cx="524256" cy="5532119"/>
+            </a:xfrm>
+            <a:prstGeom prst="rect">
+              <a:avLst/>
+            </a:prstGeom>
+            <a:solidFill>
+              <a:schemeClr val="accent4"/>
+            </a:solidFill>
+            <a:ln>
+              <a:noFill/>
+            </a:ln>
+          </p:spPr>
+          <p:style>
+            <a:lnRef idx="2">
+              <a:schemeClr val="accent1">
+                <a:shade val="50000"/>
+              </a:schemeClr>
+            </a:lnRef>
+            <a:fillRef idx="1">
+              <a:schemeClr val="accent1"/>
+            </a:fillRef>
+            <a:effectRef idx="0">
+              <a:schemeClr val="accent1"/>
+            </a:effectRef>
+            <a:fontRef idx="minor">
+              <a:schemeClr val="lt1"/>
+            </a:fontRef>
+          </p:style>
+          <p:txBody>
+            <a:bodyPr rtlCol="0" anchor="ctr"/>
+            <a:lstStyle/>
+            <a:p>
+              <a:pPr algn="ctr"/>
+              <a:endParaRPr lang="en-US"/>
+            </a:p>
+          </p:txBody>
+        </p:sp>
+      </p:grpSp>
+      <p:sp>
+        <p:nvSpPr>
+          <p:cNvPr id="23" name="Rectangle 22">
+            <a:extLst>
+              <a:ext uri="{FF2B5EF4-FFF2-40B4-BE49-F238E27FC236}">
+                <a16:creationId xmlns:a16="http://schemas.microsoft.com/office/drawing/2014/main" id="{04357C93-F0CB-4A1C-8F77-4E9063789819}"/>
+              </a:ext>
+              <a:ext uri="{C183D7F6-B498-43B3-948B-1728B52AA6E4}">
+                <adec:decorative xmlns:adec="http://schemas.microsoft.com/office/drawing/2017/decorative" val="1"/>
+              </a:ext>
+            </a:extLst>
+          </p:cNvPr>
+          <p:cNvSpPr>
+            <a:spLocks noGrp="1" noRot="1" noChangeAspect="1" noMove="1" noResize="1" noEditPoints="1" noAdjustHandles="1" noChangeArrowheads="1" noChangeShapeType="1" noTextEdit="1"/>
+          </p:cNvSpPr>
+          <p:nvPr>
+            <p:extLst>
+              <p:ext uri="{386F3935-93C4-4BCD-93E2-E3B085C9AB24}">
+                <p16:designElem xmlns:p16="http://schemas.microsoft.com/office/powerpoint/2015/main" val="1"/>
+              </p:ext>
+            </p:extLst>
+          </p:nvPr>
+        </p:nvSpPr>
+        <p:spPr>
+          <a:xfrm>
+            <a:off x="5386598" y="269324"/>
+            <a:ext cx="6116779" cy="6208776"/>
+          </a:xfrm>
+          <a:prstGeom prst="rect">
+            <a:avLst/>
+          </a:prstGeom>
+          <a:solidFill>
+            <a:schemeClr val="bg1"/>
+          </a:solidFill>
+          <a:ln>
+            <a:noFill/>
+          </a:ln>
+          <a:effectLst>
+            <a:outerShdw blurRad="139700" dist="127000" dir="5400000" algn="t" rotWithShape="0">
+              <a:prstClr val="black">
+                <a:alpha val="15000"/>
+              </a:prstClr>
+            </a:outerShdw>
+          </a:effectLst>
+        </p:spPr>
+        <p:style>
+          <a:lnRef idx="2">
+            <a:schemeClr val="accent1">
+              <a:shade val="50000"/>
+            </a:schemeClr>
+          </a:lnRef>
+          <a:fillRef idx="1">
+            <a:schemeClr val="accent1"/>
+          </a:fillRef>
+          <a:effectRef idx="0">
+            <a:schemeClr val="accent1"/>
+          </a:effectRef>
+          <a:fontRef idx="minor">
+            <a:schemeClr val="lt1"/>
+          </a:fontRef>
+        </p:style>
+        <p:txBody>
+          <a:bodyPr rtlCol="0" anchor="ctr"/>
+          <a:lstStyle/>
+          <a:p>
+            <a:pPr algn="ctr"/>
+            <a:endParaRPr lang="en-US"/>
+          </a:p>
+        </p:txBody>
+      </p:sp>
       <p:pic>
         <p:nvPicPr>
-          <p:cNvPr id="7" name="Graphic 6" descr="Brain in head">
+          <p:cNvPr id="5" name="그림 4" descr="폰트, 로고, 그래픽, 텍스트이(가) 표시된 사진&#10;&#10;자동 생성된 설명">
             <a:extLst>
               <a:ext uri="{FF2B5EF4-FFF2-40B4-BE49-F238E27FC236}">
-                <a16:creationId xmlns:a16="http://schemas.microsoft.com/office/drawing/2014/main" id="{FC180CC1-1DA3-8209-600F-9D066F4C5861}"/>
+                <a16:creationId xmlns:a16="http://schemas.microsoft.com/office/drawing/2014/main" id="{3B714D51-F1F7-CDC9-9C80-726C46715DAA}"/>
               </a:ext>
             </a:extLst>
           </p:cNvPr>
@@ -15848,9 +16181,6 @@
               <a:ext uri="{28A0092B-C50C-407E-A947-70E740481C1C}">
                 <a14:useLocalDpi xmlns:a14="http://schemas.microsoft.com/office/drawing/2010/main" val="0"/>
               </a:ext>
-              <a:ext uri="{96DAC541-7B7A-43D3-8B79-37D633B846F1}">
-                <asvg:svgBlip xmlns:asvg="http://schemas.microsoft.com/office/drawing/2016/SVG/main" r:embed="rId3"/>
-              </a:ext>
             </a:extLst>
           </a:blip>
           <a:stretch>
@@ -15859,57 +16189,8 @@
         </p:blipFill>
         <p:spPr>
           <a:xfrm>
-            <a:off x="717549" y="2776619"/>
-            <a:ext cx="1289051" cy="1289051"/>
-          </a:xfrm>
-          <a:prstGeom prst="rect">
-            <a:avLst/>
-          </a:prstGeom>
-        </p:spPr>
-      </p:pic>
-      <p:pic>
-        <p:nvPicPr>
-          <p:cNvPr id="9" name="Graphic 8" descr="Brain in head">
-            <a:extLst>
-              <a:ext uri="{FF2B5EF4-FFF2-40B4-BE49-F238E27FC236}">
-                <a16:creationId xmlns:a16="http://schemas.microsoft.com/office/drawing/2014/main" id="{B75D127F-7BEF-4E39-8EAA-179A2458FE3A}"/>
-              </a:ext>
-              <a:ext uri="{C183D7F6-B498-43B3-948B-1728B52AA6E4}">
-                <adec:decorative xmlns:adec="http://schemas.microsoft.com/office/drawing/2017/decorative" val="1"/>
-              </a:ext>
-            </a:extLst>
-          </p:cNvPr>
-          <p:cNvPicPr>
-            <a:picLocks noGrp="1" noRot="1" noChangeAspect="1" noMove="1" noResize="1" noEditPoints="1" noAdjustHandles="1" noChangeArrowheads="1" noChangeShapeType="1" noCrop="1"/>
-          </p:cNvPicPr>
-          <p:nvPr>
-            <p:extLst>
-              <p:ext uri="{386F3935-93C4-4BCD-93E2-E3B085C9AB24}">
-                <p16:designElem xmlns:p16="http://schemas.microsoft.com/office/powerpoint/2015/main" val="1"/>
-              </p:ext>
-            </p:extLst>
-          </p:nvPr>
-        </p:nvPicPr>
-        <p:blipFill>
-          <a:blip r:embed="rId2">
-            <a:alphaModFix amt="15000"/>
-            <a:extLst>
-              <a:ext uri="{28A0092B-C50C-407E-A947-70E740481C1C}">
-                <a14:useLocalDpi xmlns:a14="http://schemas.microsoft.com/office/drawing/2010/main" val="0"/>
-              </a:ext>
-              <a:ext uri="{96DAC541-7B7A-43D3-8B79-37D633B846F1}">
-                <asvg:svgBlip xmlns:asvg="http://schemas.microsoft.com/office/drawing/2016/SVG/main" r:embed="rId3"/>
-              </a:ext>
-            </a:extLst>
-          </a:blip>
-          <a:stretch>
-            <a:fillRect/>
-          </a:stretch>
-        </p:blipFill>
-        <p:spPr>
-          <a:xfrm>
-            <a:off x="6607815" y="716407"/>
-            <a:ext cx="5411343" cy="5411343"/>
+            <a:off x="5640572" y="569297"/>
+            <a:ext cx="5608830" cy="5608830"/>
           </a:xfrm>
           <a:prstGeom prst="rect">
             <a:avLst/>
@@ -22945,8 +23226,8 @@
         </p:nvSpPr>
         <p:spPr>
           <a:xfrm>
-            <a:off x="838200" y="365125"/>
-            <a:ext cx="10978662" cy="1325563"/>
+            <a:off x="838199" y="365125"/>
+            <a:ext cx="11353801" cy="1325563"/>
           </a:xfrm>
         </p:spPr>
         <p:txBody>
@@ -22975,7 +23256,7 @@
                   <a:schemeClr val="tx2"/>
                 </a:solidFill>
               </a:rPr>
-              <a:t>가까운 정신과 찾기 시스템</a:t>
+              <a:t>가까운 마음병원 찾기 시스템</a:t>
             </a:r>
             <a:endParaRPr lang="ko-KR" altLang="en-US" dirty="0"/>
           </a:p>
@@ -23161,7 +23442,7 @@
         <p:spPr>
           <a:xfrm>
             <a:off x="838200" y="365125"/>
-            <a:ext cx="10978662" cy="1325563"/>
+            <a:ext cx="11353800" cy="1325563"/>
           </a:xfrm>
         </p:spPr>
         <p:txBody>
@@ -23190,7 +23471,7 @@
                   <a:schemeClr val="tx2"/>
                 </a:solidFill>
               </a:rPr>
-              <a:t>가까운 정신과 찾기 시스템</a:t>
+              <a:t>가까운 마음병원 찾기 시스템</a:t>
             </a:r>
             <a:endParaRPr lang="ko-KR" altLang="en-US" dirty="0"/>
           </a:p>
@@ -23221,6 +23502,26 @@
               <a:rPr lang="ko-KR" altLang="en-US" dirty="0"/>
               <a:t>본인이 거주하는 지역 인근의 정신건강의학과를 지도에 게시하는 기능 포함</a:t>
             </a:r>
+            <a:endParaRPr lang="en-US" altLang="ko-KR" dirty="0"/>
+          </a:p>
+          <a:p>
+            <a:r>
+              <a:rPr lang="ko-KR" altLang="en-US" dirty="0"/>
+              <a:t>일정 구독료를 지불한 의원은 검색 결과 리스트 상단에 노출됨</a:t>
+            </a:r>
+            <a:r>
+              <a:rPr lang="en-US" altLang="ko-KR" dirty="0"/>
+              <a:t>(</a:t>
+            </a:r>
+            <a:r>
+              <a:rPr lang="ko-KR" altLang="en-US" dirty="0"/>
+              <a:t>구현 예정</a:t>
+            </a:r>
+            <a:r>
+              <a:rPr lang="en-US" altLang="ko-KR" dirty="0"/>
+              <a:t>)</a:t>
+            </a:r>
+            <a:endParaRPr lang="ko-KR" altLang="en-US" dirty="0"/>
           </a:p>
         </p:txBody>
       </p:sp>
@@ -23325,7 +23626,9 @@
           </a:xfrm>
         </p:spPr>
         <p:txBody>
-          <a:bodyPr/>
+          <a:bodyPr>
+            <a:normAutofit fontScale="90000"/>
+          </a:bodyPr>
           <a:lstStyle/>
           <a:p>
             <a:r>
@@ -23350,7 +23653,7 @@
                   <a:schemeClr val="tx2"/>
                 </a:solidFill>
               </a:rPr>
-              <a:t>가까운 정신과 찾기 시스템</a:t>
+              <a:t>가까운 마음병원 찾기 시스템</a:t>
             </a:r>
             <a:br>
               <a:rPr kumimoji="0" lang="en-US" altLang="ko-KR" sz="4400" b="0" i="0" u="none" strike="noStrike" kern="1200" cap="none" spc="0" normalizeH="0" baseline="0" noProof="0" dirty="0">
@@ -23518,7 +23821,9 @@
           </a:xfrm>
         </p:spPr>
         <p:txBody>
-          <a:bodyPr/>
+          <a:bodyPr>
+            <a:normAutofit fontScale="90000"/>
+          </a:bodyPr>
           <a:lstStyle/>
           <a:p>
             <a:r>
@@ -23543,7 +23848,7 @@
                   <a:schemeClr val="tx2"/>
                 </a:solidFill>
               </a:rPr>
-              <a:t>가까운 정신과 찾기 시스템</a:t>
+              <a:t>가까운 마음병원 찾기 시스템</a:t>
             </a:r>
             <a:br>
               <a:rPr kumimoji="0" lang="en-US" altLang="ko-KR" sz="4400" b="0" i="0" u="none" strike="noStrike" kern="1200" cap="none" spc="0" normalizeH="0" baseline="0" noProof="0" dirty="0">
@@ -23783,7 +24088,9 @@
           </a:xfrm>
         </p:spPr>
         <p:txBody>
-          <a:bodyPr/>
+          <a:bodyPr>
+            <a:normAutofit fontScale="90000"/>
+          </a:bodyPr>
           <a:lstStyle/>
           <a:p>
             <a:r>
@@ -23808,7 +24115,7 @@
                   <a:schemeClr val="tx2"/>
                 </a:solidFill>
               </a:rPr>
-              <a:t>가까운 정신과 찾기 시스템</a:t>
+              <a:t>가까운 마음병원 찾기 시스템</a:t>
             </a:r>
             <a:br>
               <a:rPr kumimoji="0" lang="en-US" altLang="ko-KR" sz="4400" b="0" i="0" u="none" strike="noStrike" kern="1200" cap="none" spc="0" normalizeH="0" baseline="0" noProof="0" dirty="0">
@@ -23933,7 +24240,9 @@
         </p:nvSpPr>
         <p:spPr/>
         <p:txBody>
-          <a:bodyPr/>
+          <a:bodyPr>
+            <a:normAutofit lnSpcReduction="10000"/>
+          </a:bodyPr>
           <a:lstStyle/>
           <a:p>
             <a:r>
@@ -23983,6 +24292,32 @@
               <a:t>한 채팅방을 활용해 일정 예약 및 간단한 상담을 할 수 있음 </a:t>
             </a:r>
             <a:endParaRPr lang="en-US" altLang="ko-KR" dirty="0"/>
+          </a:p>
+          <a:p>
+            <a:r>
+              <a:rPr lang="ko-KR" altLang="en-US" dirty="0"/>
+              <a:t>일정 구독료를 지불한 의원은 </a:t>
+            </a:r>
+            <a:r>
+              <a:rPr lang="ko-KR" altLang="en-US" dirty="0" err="1"/>
+              <a:t>큐레이팅</a:t>
+            </a:r>
+            <a:r>
+              <a:rPr lang="ko-KR" altLang="en-US" dirty="0"/>
+              <a:t> 리스트 상단에 노출됨</a:t>
+            </a:r>
+            <a:r>
+              <a:rPr lang="en-US" altLang="ko-KR" dirty="0"/>
+              <a:t>(</a:t>
+            </a:r>
+            <a:r>
+              <a:rPr lang="ko-KR" altLang="en-US" dirty="0"/>
+              <a:t>구현 예정</a:t>
+            </a:r>
+            <a:r>
+              <a:rPr lang="en-US" altLang="ko-KR" dirty="0"/>
+              <a:t>)</a:t>
+            </a:r>
           </a:p>
         </p:txBody>
       </p:sp>
@@ -24595,13 +24930,6 @@
             <a:r>
               <a:rPr lang="ko-KR" altLang="en-US" dirty="0"/>
               <a:t>채팅 가능</a:t>
-            </a:r>
-            <a:endParaRPr lang="en-US" altLang="ko-KR" dirty="0"/>
-          </a:p>
-          <a:p>
-            <a:r>
-              <a:rPr lang="ko-KR" altLang="en-US" dirty="0"/>
-              <a:t>매칭 완료된 의사에게는 인센티브 제공</a:t>
             </a:r>
             <a:endParaRPr lang="en-US" altLang="ko-KR" dirty="0"/>
           </a:p>
@@ -28202,6 +28530,11 @@
           </p:cNvGraphicFramePr>
           <p:nvPr>
             <p:ph idx="1"/>
+            <p:extLst>
+              <p:ext uri="{D42A27DB-BD31-4B8C-83A1-F6EECF244321}">
+                <p14:modId xmlns:p14="http://schemas.microsoft.com/office/powerpoint/2010/main" val="2012767915"/>
+              </p:ext>
+            </p:extLst>
           </p:nvPr>
         </p:nvGraphicFramePr>
         <p:xfrm>

--- a/Project Mentally.pptx
+++ b/Project Mentally.pptx
@@ -3941,6 +3941,100 @@
         </a:p>
       </dgm:t>
     </dgm:pt>
+    <dgm:pt modelId="{FC21775F-1C82-47A1-B4CF-D939E2CA45BE}">
+      <dgm:prSet/>
+      <dgm:spPr/>
+      <dgm:t>
+        <a:bodyPr/>
+        <a:lstStyle/>
+        <a:p>
+          <a:r>
+            <a:rPr lang="ko-KR" altLang="en-US" dirty="0"/>
+            <a:t>구독료를 지불한 의원에 대해서만 </a:t>
+          </a:r>
+          <a:r>
+            <a:rPr lang="ko-KR" altLang="en-US" dirty="0" err="1"/>
+            <a:t>별점</a:t>
+          </a:r>
+          <a:r>
+            <a:rPr lang="ko-KR" altLang="en-US" dirty="0"/>
+            <a:t> 제도 운영</a:t>
+          </a:r>
+          <a:endParaRPr lang="en-US" altLang="ko-KR" dirty="0"/>
+        </a:p>
+      </dgm:t>
+    </dgm:pt>
+    <dgm:pt modelId="{EF710FFA-30C4-47D4-B331-AD3E08412BEB}" type="parTrans" cxnId="{DD4475B7-5E88-4F43-9685-8BDD2421BB74}">
+      <dgm:prSet/>
+      <dgm:spPr/>
+      <dgm:t>
+        <a:bodyPr/>
+        <a:lstStyle/>
+        <a:p>
+          <a:pPr latinLnBrk="1"/>
+          <a:endParaRPr lang="ko-KR" altLang="en-US"/>
+        </a:p>
+      </dgm:t>
+    </dgm:pt>
+    <dgm:pt modelId="{44A1E80A-741B-4856-953C-1FC0FF9C00FE}" type="sibTrans" cxnId="{DD4475B7-5E88-4F43-9685-8BDD2421BB74}">
+      <dgm:prSet/>
+      <dgm:spPr/>
+      <dgm:t>
+        <a:bodyPr/>
+        <a:lstStyle/>
+        <a:p>
+          <a:pPr latinLnBrk="1"/>
+          <a:endParaRPr lang="ko-KR" altLang="en-US"/>
+        </a:p>
+      </dgm:t>
+    </dgm:pt>
+    <dgm:pt modelId="{6949F178-17FD-4212-B9C5-8A5768F1745D}">
+      <dgm:prSet/>
+      <dgm:spPr/>
+      <dgm:t>
+        <a:bodyPr/>
+        <a:lstStyle/>
+        <a:p>
+          <a:r>
+            <a:rPr lang="ko-KR" altLang="en-US" dirty="0"/>
+            <a:t>실제 방문 여부를 당근마켓 직거래와 유사한 형식으로 확인하도록 하여 신뢰할 수 있는 </a:t>
+          </a:r>
+          <a:r>
+            <a:rPr lang="ko-KR" altLang="en-US" dirty="0" err="1"/>
+            <a:t>별점</a:t>
+          </a:r>
+          <a:r>
+            <a:rPr lang="ko-KR" altLang="en-US" dirty="0"/>
+            <a:t> 제도 운영</a:t>
+          </a:r>
+          <a:endParaRPr lang="en-US" altLang="ko-KR" dirty="0"/>
+        </a:p>
+      </dgm:t>
+    </dgm:pt>
+    <dgm:pt modelId="{A7840F18-6134-4926-A71A-EE04BFB90813}" type="parTrans" cxnId="{A7ECD21E-3E83-4545-A93E-31D2C50EF34A}">
+      <dgm:prSet/>
+      <dgm:spPr/>
+      <dgm:t>
+        <a:bodyPr/>
+        <a:lstStyle/>
+        <a:p>
+          <a:pPr latinLnBrk="1"/>
+          <a:endParaRPr lang="ko-KR" altLang="en-US"/>
+        </a:p>
+      </dgm:t>
+    </dgm:pt>
+    <dgm:pt modelId="{5AED494A-2540-4288-8C08-079571322CF8}" type="sibTrans" cxnId="{A7ECD21E-3E83-4545-A93E-31D2C50EF34A}">
+      <dgm:prSet/>
+      <dgm:spPr/>
+      <dgm:t>
+        <a:bodyPr/>
+        <a:lstStyle/>
+        <a:p>
+          <a:pPr latinLnBrk="1"/>
+          <a:endParaRPr lang="ko-KR" altLang="en-US"/>
+        </a:p>
+      </dgm:t>
+    </dgm:pt>
     <dgm:pt modelId="{E6136EC2-E36C-4706-983B-0D3740EDCAE0}" type="pres">
       <dgm:prSet presAssocID="{BC465409-3C06-475B-BC23-46762914CE05}" presName="linear" presStyleCnt="0">
         <dgm:presLayoutVars>
@@ -4049,14 +4143,18 @@
   </dgm:ptLst>
   <dgm:cxnLst>
     <dgm:cxn modelId="{AD23DC05-19EB-41DC-B6F3-F980DBC77D9E}" type="presOf" srcId="{CB1F1CD5-9FF8-40D3-8491-97FCFC38FA96}" destId="{2B6039A4-0024-4BE5-A886-FCB169C33100}" srcOrd="0" destOrd="0" presId="urn:microsoft.com/office/officeart/2005/8/layout/list1"/>
+    <dgm:cxn modelId="{A7ECD21E-3E83-4545-A93E-31D2C50EF34A}" srcId="{FC21775F-1C82-47A1-B4CF-D939E2CA45BE}" destId="{6949F178-17FD-4212-B9C5-8A5768F1745D}" srcOrd="0" destOrd="0" parTransId="{A7840F18-6134-4926-A71A-EE04BFB90813}" sibTransId="{5AED494A-2540-4288-8C08-079571322CF8}"/>
+    <dgm:cxn modelId="{3CCE4927-7320-4ED1-9336-735FE301EC92}" type="presOf" srcId="{FC21775F-1C82-47A1-B4CF-D939E2CA45BE}" destId="{2B6039A4-0024-4BE5-A886-FCB169C33100}" srcOrd="0" destOrd="1" presId="urn:microsoft.com/office/officeart/2005/8/layout/list1"/>
     <dgm:cxn modelId="{EA98BF33-8050-432A-9652-B5B119CB06B5}" srcId="{3FD8693C-DEC4-4EC7-88A0-700840888F2F}" destId="{CB1F1CD5-9FF8-40D3-8491-97FCFC38FA96}" srcOrd="0" destOrd="0" parTransId="{BB6AC59D-19FD-4EFB-B69E-7843ED78BB9F}" sibTransId="{E5EEAFD6-6A62-4535-A633-BDA5F65B847F}"/>
     <dgm:cxn modelId="{D53A7F41-0BAE-44E8-8F3F-010EE0E6BA07}" type="presOf" srcId="{887BE2B9-DF5E-4F0D-AC86-220BCF38CE21}" destId="{22E1C973-D07F-4753-BC38-E15636BEB1B9}" srcOrd="0" destOrd="0" presId="urn:microsoft.com/office/officeart/2005/8/layout/list1"/>
     <dgm:cxn modelId="{36A6E06C-D338-4A42-9380-D75346BF5D8A}" type="presOf" srcId="{C723E774-E62E-4AE8-B7B3-A5D36B5EAB4D}" destId="{C0D852DC-BB5D-4E9A-87DE-1174DF281EF8}" srcOrd="0" destOrd="0" presId="urn:microsoft.com/office/officeart/2005/8/layout/list1"/>
     <dgm:cxn modelId="{01AE374D-818B-4E92-B97F-2A6D27125C59}" srcId="{BC465409-3C06-475B-BC23-46762914CE05}" destId="{3FD8693C-DEC4-4EC7-88A0-700840888F2F}" srcOrd="2" destOrd="0" parTransId="{068CD80B-D0FC-41AE-8752-4F7314710B74}" sibTransId="{9D8AD893-446D-4B25-83CD-E60370111B89}"/>
     <dgm:cxn modelId="{3CD5414E-F2D6-48BE-AD59-7CA505C259E8}" srcId="{BC465409-3C06-475B-BC23-46762914CE05}" destId="{CC86E67E-2566-4493-A71E-04FB7820F6A4}" srcOrd="1" destOrd="0" parTransId="{41372242-ED59-4282-864D-87EF3CA6F415}" sibTransId="{60B0EF22-CBCB-48A9-9CA5-3CC8E8756129}"/>
     <dgm:cxn modelId="{19DA0650-99E4-452B-96EE-4F27C32D00E0}" srcId="{BC465409-3C06-475B-BC23-46762914CE05}" destId="{C723E774-E62E-4AE8-B7B3-A5D36B5EAB4D}" srcOrd="0" destOrd="0" parTransId="{32AC0041-0B7B-4D96-9FA0-2C535D669564}" sibTransId="{78811DF5-724A-487A-BB11-D71F591B8082}"/>
+    <dgm:cxn modelId="{EA07A171-D11D-4EEF-B5B7-F4FEED4BE9F2}" type="presOf" srcId="{6949F178-17FD-4212-B9C5-8A5768F1745D}" destId="{2B6039A4-0024-4BE5-A886-FCB169C33100}" srcOrd="0" destOrd="2" presId="urn:microsoft.com/office/officeart/2005/8/layout/list1"/>
     <dgm:cxn modelId="{F8A4499B-A889-49AC-ABC3-F581EACF0A6D}" type="presOf" srcId="{BC465409-3C06-475B-BC23-46762914CE05}" destId="{E6136EC2-E36C-4706-983B-0D3740EDCAE0}" srcOrd="0" destOrd="0" presId="urn:microsoft.com/office/officeart/2005/8/layout/list1"/>
     <dgm:cxn modelId="{706DF1B2-8C00-4181-A07E-AC88DAD7EB58}" type="presOf" srcId="{3FD8693C-DEC4-4EC7-88A0-700840888F2F}" destId="{7B02E330-F659-48DF-B5FA-F216F3D74B19}" srcOrd="0" destOrd="0" presId="urn:microsoft.com/office/officeart/2005/8/layout/list1"/>
+    <dgm:cxn modelId="{DD4475B7-5E88-4F43-9685-8BDD2421BB74}" srcId="{3FD8693C-DEC4-4EC7-88A0-700840888F2F}" destId="{FC21775F-1C82-47A1-B4CF-D939E2CA45BE}" srcOrd="1" destOrd="0" parTransId="{EF710FFA-30C4-47D4-B331-AD3E08412BEB}" sibTransId="{44A1E80A-741B-4856-953C-1FC0FF9C00FE}"/>
     <dgm:cxn modelId="{2B18A4B7-AD8D-4B6D-BD2F-7459143FA441}" type="presOf" srcId="{C723E774-E62E-4AE8-B7B3-A5D36B5EAB4D}" destId="{366C2229-B5BB-4E9B-8A91-5079D53E7384}" srcOrd="1" destOrd="0" presId="urn:microsoft.com/office/officeart/2005/8/layout/list1"/>
     <dgm:cxn modelId="{F615FFBF-B796-418F-AFCB-E13C6FEE1125}" type="presOf" srcId="{CC86E67E-2566-4493-A71E-04FB7820F6A4}" destId="{5DF1684B-C14D-4C43-8E02-60E00E2524CA}" srcOrd="0" destOrd="0" presId="urn:microsoft.com/office/officeart/2005/8/layout/list1"/>
     <dgm:cxn modelId="{411371CB-D15D-447B-B600-F4A2CAB158F9}" srcId="{C723E774-E62E-4AE8-B7B3-A5D36B5EAB4D}" destId="{887BE2B9-DF5E-4F0D-AC86-220BCF38CE21}" srcOrd="0" destOrd="0" parTransId="{DF6D0EC3-40ED-4B4D-8BEA-00DE7AF93A98}" sibTransId="{765B0250-0CAE-4710-BB14-158FFBA0C622}"/>
@@ -5209,8 +5307,8 @@
       </dsp:nvSpPr>
       <dsp:spPr>
         <a:xfrm>
-          <a:off x="0" y="486818"/>
-          <a:ext cx="10515600" cy="976500"/>
+          <a:off x="0" y="338521"/>
+          <a:ext cx="10515600" cy="830025"/>
         </a:xfrm>
         <a:prstGeom prst="rect">
           <a:avLst/>
@@ -5251,12 +5349,12 @@
         <a:fontRef idx="minor"/>
       </dsp:style>
       <dsp:txBody>
-        <a:bodyPr spcFirstLastPara="0" vert="horz" wrap="square" lIns="816127" tIns="416560" rIns="816127" bIns="142240" numCol="1" spcCol="1270" anchor="t" anchorCtr="0">
+        <a:bodyPr spcFirstLastPara="0" vert="horz" wrap="square" lIns="816127" tIns="354076" rIns="816127" bIns="120904" numCol="1" spcCol="1270" anchor="t" anchorCtr="0">
           <a:noAutofit/>
         </a:bodyPr>
         <a:lstStyle/>
         <a:p>
-          <a:pPr marL="228600" lvl="1" indent="-228600" algn="l" defTabSz="889000">
+          <a:pPr marL="171450" lvl="1" indent="-171450" algn="l" defTabSz="755650">
             <a:lnSpc>
               <a:spcPct val="90000"/>
             </a:lnSpc>
@@ -5269,15 +5367,15 @@
             <a:buChar char="•"/>
           </a:pPr>
           <a:r>
-            <a:rPr lang="ko-KR" sz="2000" kern="1200"/>
+            <a:rPr lang="ko-KR" sz="1700" kern="1200"/>
             <a:t>정신과 질환은 대체로 치료 기간이 길어 오랜 가입 상태를 유지할 수 있음</a:t>
           </a:r>
-          <a:endParaRPr lang="en-US" sz="2000" kern="1200"/>
+          <a:endParaRPr lang="en-US" sz="1700" kern="1200"/>
         </a:p>
       </dsp:txBody>
       <dsp:txXfrm>
-        <a:off x="0" y="486818"/>
-        <a:ext cx="10515600" cy="976500"/>
+        <a:off x="0" y="338521"/>
+        <a:ext cx="10515600" cy="830025"/>
       </dsp:txXfrm>
     </dsp:sp>
     <dsp:sp modelId="{366C2229-B5BB-4E9B-8A91-5079D53E7384}">
@@ -5287,8 +5385,8 @@
       </dsp:nvSpPr>
       <dsp:spPr>
         <a:xfrm>
-          <a:off x="525780" y="191618"/>
-          <a:ext cx="7360920" cy="590400"/>
+          <a:off x="525780" y="87601"/>
+          <a:ext cx="7360920" cy="501840"/>
         </a:xfrm>
         <a:prstGeom prst="roundRect">
           <a:avLst/>
@@ -5335,7 +5433,7 @@
         </a:bodyPr>
         <a:lstStyle/>
         <a:p>
-          <a:pPr marL="0" lvl="0" indent="0" algn="l" defTabSz="889000">
+          <a:pPr marL="0" lvl="0" indent="0" algn="l" defTabSz="755650">
             <a:lnSpc>
               <a:spcPct val="90000"/>
             </a:lnSpc>
@@ -5348,26 +5446,26 @@
             <a:buNone/>
           </a:pPr>
           <a:r>
-            <a:rPr lang="ko-KR" sz="2000" kern="1200"/>
+            <a:rPr lang="ko-KR" sz="1700" kern="1200"/>
             <a:t>유료 계정</a:t>
           </a:r>
           <a:r>
-            <a:rPr lang="en-US" sz="2000" kern="1200"/>
+            <a:rPr lang="en-US" sz="1700" kern="1200"/>
             <a:t>(</a:t>
           </a:r>
           <a:r>
-            <a:rPr lang="ko-KR" sz="2000" kern="1200"/>
+            <a:rPr lang="ko-KR" sz="1700" kern="1200"/>
             <a:t>구독형 시스템</a:t>
           </a:r>
           <a:r>
-            <a:rPr lang="en-US" sz="2000" kern="1200"/>
+            <a:rPr lang="en-US" sz="1700" kern="1200"/>
             <a:t>)</a:t>
           </a:r>
         </a:p>
       </dsp:txBody>
       <dsp:txXfrm>
-        <a:off x="554601" y="220439"/>
-        <a:ext cx="7303278" cy="532758"/>
+        <a:off x="550278" y="112099"/>
+        <a:ext cx="7311924" cy="452844"/>
       </dsp:txXfrm>
     </dsp:sp>
     <dsp:sp modelId="{4B62CE69-D25A-46C4-9681-510C2A9972D9}">
@@ -5377,8 +5475,8 @@
       </dsp:nvSpPr>
       <dsp:spPr>
         <a:xfrm>
-          <a:off x="0" y="1866519"/>
-          <a:ext cx="10515600" cy="504000"/>
+          <a:off x="0" y="1511266"/>
+          <a:ext cx="10515600" cy="428400"/>
         </a:xfrm>
         <a:prstGeom prst="rect">
           <a:avLst/>
@@ -5426,8 +5524,8 @@
       </dsp:nvSpPr>
       <dsp:spPr>
         <a:xfrm>
-          <a:off x="525780" y="1571318"/>
-          <a:ext cx="7360920" cy="590400"/>
+          <a:off x="525780" y="1260346"/>
+          <a:ext cx="7360920" cy="501840"/>
         </a:xfrm>
         <a:prstGeom prst="roundRect">
           <a:avLst/>
@@ -5474,7 +5572,7 @@
         </a:bodyPr>
         <a:lstStyle/>
         <a:p>
-          <a:pPr marL="0" lvl="0" indent="0" algn="l" defTabSz="889000">
+          <a:pPr marL="0" lvl="0" indent="0" algn="l" defTabSz="755650">
             <a:lnSpc>
               <a:spcPct val="90000"/>
             </a:lnSpc>
@@ -5487,15 +5585,15 @@
             <a:buNone/>
           </a:pPr>
           <a:r>
-            <a:rPr lang="ko-KR" sz="2000" kern="1200"/>
+            <a:rPr lang="ko-KR" sz="1700" kern="1200"/>
             <a:t>광고</a:t>
           </a:r>
-          <a:endParaRPr lang="en-US" sz="2000" kern="1200"/>
+          <a:endParaRPr lang="en-US" sz="1700" kern="1200"/>
         </a:p>
       </dsp:txBody>
       <dsp:txXfrm>
-        <a:off x="554601" y="1600139"/>
-        <a:ext cx="7303278" cy="532758"/>
+        <a:off x="550278" y="1284844"/>
+        <a:ext cx="7311924" cy="452844"/>
       </dsp:txXfrm>
     </dsp:sp>
     <dsp:sp modelId="{2B6039A4-0024-4BE5-A886-FCB169C33100}">
@@ -5505,8 +5603,8 @@
       </dsp:nvSpPr>
       <dsp:spPr>
         <a:xfrm>
-          <a:off x="0" y="2773719"/>
-          <a:ext cx="10515600" cy="1386000"/>
+          <a:off x="0" y="2282386"/>
+          <a:ext cx="10515600" cy="1981350"/>
         </a:xfrm>
         <a:prstGeom prst="rect">
           <a:avLst/>
@@ -5547,12 +5645,12 @@
         <a:fontRef idx="minor"/>
       </dsp:style>
       <dsp:txBody>
-        <a:bodyPr spcFirstLastPara="0" vert="horz" wrap="square" lIns="816127" tIns="416560" rIns="816127" bIns="142240" numCol="1" spcCol="1270" anchor="t" anchorCtr="0">
+        <a:bodyPr spcFirstLastPara="0" vert="horz" wrap="square" lIns="816127" tIns="354076" rIns="816127" bIns="120904" numCol="1" spcCol="1270" anchor="t" anchorCtr="0">
           <a:noAutofit/>
         </a:bodyPr>
         <a:lstStyle/>
         <a:p>
-          <a:pPr marL="228600" lvl="1" indent="-228600" algn="l" defTabSz="889000">
+          <a:pPr marL="171450" lvl="1" indent="-171450" algn="l" defTabSz="755650">
             <a:lnSpc>
               <a:spcPct val="90000"/>
             </a:lnSpc>
@@ -5565,39 +5663,93 @@
             <a:buChar char="•"/>
           </a:pPr>
           <a:r>
-            <a:rPr lang="ko-KR" altLang="en-US" sz="2000" kern="1200" dirty="0"/>
+            <a:rPr lang="ko-KR" altLang="en-US" sz="1700" kern="1200" dirty="0"/>
             <a:t>일정 구독료를 지불한 의원을 </a:t>
           </a:r>
           <a:r>
-            <a:rPr lang="en-US" altLang="ko-KR" sz="2000" kern="1200" dirty="0"/>
+            <a:rPr lang="en-US" altLang="ko-KR" sz="1700" kern="1200" dirty="0"/>
             <a:t>‘</a:t>
           </a:r>
           <a:r>
-            <a:rPr lang="ko-KR" altLang="en-US" sz="2000" kern="1200" dirty="0"/>
+            <a:rPr lang="ko-KR" altLang="en-US" sz="1700" kern="1200" dirty="0"/>
             <a:t>주변 마음병원 찾기</a:t>
           </a:r>
           <a:r>
-            <a:rPr lang="en-US" altLang="ko-KR" sz="2000" kern="1200" dirty="0"/>
+            <a:rPr lang="en-US" altLang="ko-KR" sz="1700" kern="1200" dirty="0"/>
             <a:t>’ </a:t>
           </a:r>
           <a:r>
-            <a:rPr lang="ko-KR" altLang="en-US" sz="2000" kern="1200" dirty="0"/>
+            <a:rPr lang="ko-KR" altLang="en-US" sz="1700" kern="1200" dirty="0"/>
             <a:t>및 </a:t>
           </a:r>
           <a:r>
-            <a:rPr lang="ko-KR" altLang="en-US" sz="2000" kern="1200" dirty="0" err="1"/>
+            <a:rPr lang="ko-KR" altLang="en-US" sz="1700" kern="1200" dirty="0" err="1"/>
             <a:t>큐레이팅</a:t>
           </a:r>
           <a:r>
-            <a:rPr lang="ko-KR" altLang="en-US" sz="2000" kern="1200" dirty="0"/>
+            <a:rPr lang="ko-KR" altLang="en-US" sz="1700" kern="1200" dirty="0"/>
             <a:t> 검색 결과에서 상위 노출</a:t>
           </a:r>
-          <a:endParaRPr lang="en-US" altLang="ko-KR" sz="2000" kern="1200" dirty="0"/>
+          <a:endParaRPr lang="en-US" altLang="ko-KR" sz="1700" kern="1200" dirty="0"/>
+        </a:p>
+        <a:p>
+          <a:pPr marL="171450" lvl="1" indent="-171450" algn="l" defTabSz="755650">
+            <a:lnSpc>
+              <a:spcPct val="90000"/>
+            </a:lnSpc>
+            <a:spcBef>
+              <a:spcPct val="0"/>
+            </a:spcBef>
+            <a:spcAft>
+              <a:spcPct val="15000"/>
+            </a:spcAft>
+            <a:buChar char="•"/>
+          </a:pPr>
+          <a:r>
+            <a:rPr lang="ko-KR" altLang="en-US" sz="1700" kern="1200" dirty="0"/>
+            <a:t>구독료를 지불한 의원에 대해서만 </a:t>
+          </a:r>
+          <a:r>
+            <a:rPr lang="ko-KR" altLang="en-US" sz="1700" kern="1200" dirty="0" err="1"/>
+            <a:t>별점</a:t>
+          </a:r>
+          <a:r>
+            <a:rPr lang="ko-KR" altLang="en-US" sz="1700" kern="1200" dirty="0"/>
+            <a:t> 제도 운영</a:t>
+          </a:r>
+          <a:endParaRPr lang="en-US" altLang="ko-KR" sz="1700" kern="1200" dirty="0"/>
+        </a:p>
+        <a:p>
+          <a:pPr marL="342900" lvl="2" indent="-171450" algn="l" defTabSz="755650">
+            <a:lnSpc>
+              <a:spcPct val="90000"/>
+            </a:lnSpc>
+            <a:spcBef>
+              <a:spcPct val="0"/>
+            </a:spcBef>
+            <a:spcAft>
+              <a:spcPct val="15000"/>
+            </a:spcAft>
+            <a:buChar char="•"/>
+          </a:pPr>
+          <a:r>
+            <a:rPr lang="ko-KR" altLang="en-US" sz="1700" kern="1200" dirty="0"/>
+            <a:t>실제 방문 여부를 당근마켓 직거래와 유사한 형식으로 확인하도록 하여 신뢰할 수 있는 </a:t>
+          </a:r>
+          <a:r>
+            <a:rPr lang="ko-KR" altLang="en-US" sz="1700" kern="1200" dirty="0" err="1"/>
+            <a:t>별점</a:t>
+          </a:r>
+          <a:r>
+            <a:rPr lang="ko-KR" altLang="en-US" sz="1700" kern="1200" dirty="0"/>
+            <a:t> 제도 운영</a:t>
+          </a:r>
+          <a:endParaRPr lang="en-US" altLang="ko-KR" sz="1700" kern="1200" dirty="0"/>
         </a:p>
       </dsp:txBody>
       <dsp:txXfrm>
-        <a:off x="0" y="2773719"/>
-        <a:ext cx="10515600" cy="1386000"/>
+        <a:off x="0" y="2282386"/>
+        <a:ext cx="10515600" cy="1981350"/>
       </dsp:txXfrm>
     </dsp:sp>
     <dsp:sp modelId="{C27538A7-0B40-4559-806C-447D0C3E980A}">
@@ -5607,8 +5759,8 @@
       </dsp:nvSpPr>
       <dsp:spPr>
         <a:xfrm>
-          <a:off x="525780" y="2478518"/>
-          <a:ext cx="7360920" cy="590400"/>
+          <a:off x="525780" y="2031466"/>
+          <a:ext cx="7360920" cy="501840"/>
         </a:xfrm>
         <a:prstGeom prst="roundRect">
           <a:avLst/>
@@ -5655,7 +5807,7 @@
         </a:bodyPr>
         <a:lstStyle/>
         <a:p>
-          <a:pPr marL="0" lvl="0" indent="0" algn="l" defTabSz="889000">
+          <a:pPr marL="0" lvl="0" indent="0" algn="l" defTabSz="755650">
             <a:lnSpc>
               <a:spcPct val="90000"/>
             </a:lnSpc>
@@ -5668,15 +5820,15 @@
             <a:buNone/>
           </a:pPr>
           <a:r>
-            <a:rPr lang="ko-KR" altLang="en-US" sz="2000" kern="1200" dirty="0"/>
+            <a:rPr lang="ko-KR" altLang="en-US" sz="1700" kern="1200" dirty="0"/>
             <a:t>병원 상단 노출 시스템</a:t>
           </a:r>
-          <a:endParaRPr lang="en-US" altLang="ko-KR" sz="2000" kern="1200" dirty="0"/>
+          <a:endParaRPr lang="en-US" altLang="ko-KR" sz="1700" kern="1200" dirty="0"/>
         </a:p>
       </dsp:txBody>
       <dsp:txXfrm>
-        <a:off x="554601" y="2507339"/>
-        <a:ext cx="7303278" cy="532758"/>
+        <a:off x="550278" y="2055964"/>
+        <a:ext cx="7311924" cy="452844"/>
       </dsp:txXfrm>
     </dsp:sp>
   </dsp:spTree>
@@ -12718,7 +12870,7 @@
           <a:p>
             <a:fld id="{A7760C04-F2BE-45EC-B3FA-55EB4254A331}" type="datetimeFigureOut">
               <a:rPr lang="ko-KR" altLang="en-US" smtClean="0"/>
-              <a:t>2025-01-06</a:t>
+              <a:t>2025-01-07</a:t>
             </a:fld>
             <a:endParaRPr lang="ko-KR" altLang="en-US"/>
           </a:p>
@@ -12916,7 +13068,7 @@
           <a:p>
             <a:fld id="{A7760C04-F2BE-45EC-B3FA-55EB4254A331}" type="datetimeFigureOut">
               <a:rPr lang="ko-KR" altLang="en-US" smtClean="0"/>
-              <a:t>2025-01-06</a:t>
+              <a:t>2025-01-07</a:t>
             </a:fld>
             <a:endParaRPr lang="ko-KR" altLang="en-US"/>
           </a:p>
@@ -13124,7 +13276,7 @@
           <a:p>
             <a:fld id="{A7760C04-F2BE-45EC-B3FA-55EB4254A331}" type="datetimeFigureOut">
               <a:rPr lang="ko-KR" altLang="en-US" smtClean="0"/>
-              <a:t>2025-01-06</a:t>
+              <a:t>2025-01-07</a:t>
             </a:fld>
             <a:endParaRPr lang="ko-KR" altLang="en-US"/>
           </a:p>
@@ -13322,7 +13474,7 @@
           <a:p>
             <a:fld id="{A7760C04-F2BE-45EC-B3FA-55EB4254A331}" type="datetimeFigureOut">
               <a:rPr lang="ko-KR" altLang="en-US" smtClean="0"/>
-              <a:t>2025-01-06</a:t>
+              <a:t>2025-01-07</a:t>
             </a:fld>
             <a:endParaRPr lang="ko-KR" altLang="en-US"/>
           </a:p>
@@ -13597,7 +13749,7 @@
           <a:p>
             <a:fld id="{A7760C04-F2BE-45EC-B3FA-55EB4254A331}" type="datetimeFigureOut">
               <a:rPr lang="ko-KR" altLang="en-US" smtClean="0"/>
-              <a:t>2025-01-06</a:t>
+              <a:t>2025-01-07</a:t>
             </a:fld>
             <a:endParaRPr lang="ko-KR" altLang="en-US"/>
           </a:p>
@@ -13862,7 +14014,7 @@
           <a:p>
             <a:fld id="{A7760C04-F2BE-45EC-B3FA-55EB4254A331}" type="datetimeFigureOut">
               <a:rPr lang="ko-KR" altLang="en-US" smtClean="0"/>
-              <a:t>2025-01-06</a:t>
+              <a:t>2025-01-07</a:t>
             </a:fld>
             <a:endParaRPr lang="ko-KR" altLang="en-US"/>
           </a:p>
@@ -14274,7 +14426,7 @@
           <a:p>
             <a:fld id="{A7760C04-F2BE-45EC-B3FA-55EB4254A331}" type="datetimeFigureOut">
               <a:rPr lang="ko-KR" altLang="en-US" smtClean="0"/>
-              <a:t>2025-01-06</a:t>
+              <a:t>2025-01-07</a:t>
             </a:fld>
             <a:endParaRPr lang="ko-KR" altLang="en-US"/>
           </a:p>
@@ -14415,7 +14567,7 @@
           <a:p>
             <a:fld id="{A7760C04-F2BE-45EC-B3FA-55EB4254A331}" type="datetimeFigureOut">
               <a:rPr lang="ko-KR" altLang="en-US" smtClean="0"/>
-              <a:t>2025-01-06</a:t>
+              <a:t>2025-01-07</a:t>
             </a:fld>
             <a:endParaRPr lang="ko-KR" altLang="en-US"/>
           </a:p>
@@ -14528,7 +14680,7 @@
           <a:p>
             <a:fld id="{A7760C04-F2BE-45EC-B3FA-55EB4254A331}" type="datetimeFigureOut">
               <a:rPr lang="ko-KR" altLang="en-US" smtClean="0"/>
-              <a:t>2025-01-06</a:t>
+              <a:t>2025-01-07</a:t>
             </a:fld>
             <a:endParaRPr lang="ko-KR" altLang="en-US"/>
           </a:p>
@@ -14839,7 +14991,7 @@
           <a:p>
             <a:fld id="{A7760C04-F2BE-45EC-B3FA-55EB4254A331}" type="datetimeFigureOut">
               <a:rPr lang="ko-KR" altLang="en-US" smtClean="0"/>
-              <a:t>2025-01-06</a:t>
+              <a:t>2025-01-07</a:t>
             </a:fld>
             <a:endParaRPr lang="ko-KR" altLang="en-US"/>
           </a:p>
@@ -15127,7 +15279,7 @@
           <a:p>
             <a:fld id="{A7760C04-F2BE-45EC-B3FA-55EB4254A331}" type="datetimeFigureOut">
               <a:rPr lang="ko-KR" altLang="en-US" smtClean="0"/>
-              <a:t>2025-01-06</a:t>
+              <a:t>2025-01-07</a:t>
             </a:fld>
             <a:endParaRPr lang="ko-KR" altLang="en-US"/>
           </a:p>
@@ -15368,7 +15520,7 @@
           <a:p>
             <a:fld id="{A7760C04-F2BE-45EC-B3FA-55EB4254A331}" type="datetimeFigureOut">
               <a:rPr lang="ko-KR" altLang="en-US" smtClean="0"/>
-              <a:t>2025-01-06</a:t>
+              <a:t>2025-01-07</a:t>
             </a:fld>
             <a:endParaRPr lang="ko-KR" altLang="en-US"/>
           </a:p>
@@ -28532,7 +28684,7 @@
             <p:ph idx="1"/>
             <p:extLst>
               <p:ext uri="{D42A27DB-BD31-4B8C-83A1-F6EECF244321}">
-                <p14:modId xmlns:p14="http://schemas.microsoft.com/office/powerpoint/2010/main" val="2012767915"/>
+                <p14:modId xmlns:p14="http://schemas.microsoft.com/office/powerpoint/2010/main" val="1403566322"/>
               </p:ext>
             </p:extLst>
           </p:nvPr>

--- a/Project Mentally.pptx
+++ b/Project Mentally.pptx
@@ -3204,7 +3204,7 @@
 <dgm:dataModel xmlns:dgm="http://schemas.openxmlformats.org/drawingml/2006/diagram" xmlns:a="http://schemas.openxmlformats.org/drawingml/2006/main">
   <dgm:ptLst>
     <dgm:pt modelId="{FA25C604-AC7A-4EAF-A7FA-46435F3EC721}" type="doc">
-      <dgm:prSet loTypeId="urn:microsoft.com/office/officeart/2005/8/layout/hierarchy1" loCatId="hierarchy" qsTypeId="urn:microsoft.com/office/officeart/2005/8/quickstyle/simple1" qsCatId="simple" csTypeId="urn:microsoft.com/office/officeart/2005/8/colors/accent0_3" csCatId="mainScheme"/>
+      <dgm:prSet loTypeId="urn:microsoft.com/office/officeart/2005/8/layout/hierarchy1" loCatId="hierarchy" qsTypeId="urn:microsoft.com/office/officeart/2005/8/quickstyle/simple1" qsCatId="simple" csTypeId="urn:microsoft.com/office/officeart/2005/8/colors/accent0_3" csCatId="mainScheme" phldr="1"/>
       <dgm:spPr/>
       <dgm:t>
         <a:bodyPr/>
@@ -3259,10 +3259,14 @@
         <a:lstStyle/>
         <a:p>
           <a:r>
-            <a:rPr lang="ko-KR"/>
+            <a:rPr lang="ko-KR" dirty="0"/>
             <a:t>실제로 정신건강의학과를 방문하는 인원 수는 매년 증가</a:t>
           </a:r>
-          <a:endParaRPr lang="en-US"/>
+          <a:r>
+            <a:rPr lang="en-US" altLang="ko-KR" dirty="0"/>
+            <a:t>*</a:t>
+          </a:r>
+          <a:endParaRPr lang="en-US" dirty="0"/>
         </a:p>
       </dgm:t>
     </dgm:pt>
@@ -4708,10 +4712,14 @@
             <a:buNone/>
           </a:pPr>
           <a:r>
-            <a:rPr lang="ko-KR" sz="2100" kern="1200"/>
+            <a:rPr lang="ko-KR" sz="2100" kern="1200" dirty="0"/>
             <a:t>실제로 정신건강의학과를 방문하는 인원 수는 매년 증가</a:t>
           </a:r>
-          <a:endParaRPr lang="en-US" sz="2100" kern="1200"/>
+          <a:r>
+            <a:rPr lang="en-US" altLang="ko-KR" sz="2100" kern="1200" dirty="0"/>
+            <a:t>*</a:t>
+          </a:r>
+          <a:endParaRPr lang="en-US" sz="2100" kern="1200" dirty="0"/>
         </a:p>
       </dsp:txBody>
       <dsp:txXfrm>
@@ -12870,7 +12878,7 @@
           <a:p>
             <a:fld id="{A7760C04-F2BE-45EC-B3FA-55EB4254A331}" type="datetimeFigureOut">
               <a:rPr lang="ko-KR" altLang="en-US" smtClean="0"/>
-              <a:t>2025-01-07</a:t>
+              <a:t>2025-01-13</a:t>
             </a:fld>
             <a:endParaRPr lang="ko-KR" altLang="en-US"/>
           </a:p>
@@ -13068,7 +13076,7 @@
           <a:p>
             <a:fld id="{A7760C04-F2BE-45EC-B3FA-55EB4254A331}" type="datetimeFigureOut">
               <a:rPr lang="ko-KR" altLang="en-US" smtClean="0"/>
-              <a:t>2025-01-07</a:t>
+              <a:t>2025-01-13</a:t>
             </a:fld>
             <a:endParaRPr lang="ko-KR" altLang="en-US"/>
           </a:p>
@@ -13276,7 +13284,7 @@
           <a:p>
             <a:fld id="{A7760C04-F2BE-45EC-B3FA-55EB4254A331}" type="datetimeFigureOut">
               <a:rPr lang="ko-KR" altLang="en-US" smtClean="0"/>
-              <a:t>2025-01-07</a:t>
+              <a:t>2025-01-13</a:t>
             </a:fld>
             <a:endParaRPr lang="ko-KR" altLang="en-US"/>
           </a:p>
@@ -13474,7 +13482,7 @@
           <a:p>
             <a:fld id="{A7760C04-F2BE-45EC-B3FA-55EB4254A331}" type="datetimeFigureOut">
               <a:rPr lang="ko-KR" altLang="en-US" smtClean="0"/>
-              <a:t>2025-01-07</a:t>
+              <a:t>2025-01-13</a:t>
             </a:fld>
             <a:endParaRPr lang="ko-KR" altLang="en-US"/>
           </a:p>
@@ -13749,7 +13757,7 @@
           <a:p>
             <a:fld id="{A7760C04-F2BE-45EC-B3FA-55EB4254A331}" type="datetimeFigureOut">
               <a:rPr lang="ko-KR" altLang="en-US" smtClean="0"/>
-              <a:t>2025-01-07</a:t>
+              <a:t>2025-01-13</a:t>
             </a:fld>
             <a:endParaRPr lang="ko-KR" altLang="en-US"/>
           </a:p>
@@ -14014,7 +14022,7 @@
           <a:p>
             <a:fld id="{A7760C04-F2BE-45EC-B3FA-55EB4254A331}" type="datetimeFigureOut">
               <a:rPr lang="ko-KR" altLang="en-US" smtClean="0"/>
-              <a:t>2025-01-07</a:t>
+              <a:t>2025-01-13</a:t>
             </a:fld>
             <a:endParaRPr lang="ko-KR" altLang="en-US"/>
           </a:p>
@@ -14426,7 +14434,7 @@
           <a:p>
             <a:fld id="{A7760C04-F2BE-45EC-B3FA-55EB4254A331}" type="datetimeFigureOut">
               <a:rPr lang="ko-KR" altLang="en-US" smtClean="0"/>
-              <a:t>2025-01-07</a:t>
+              <a:t>2025-01-13</a:t>
             </a:fld>
             <a:endParaRPr lang="ko-KR" altLang="en-US"/>
           </a:p>
@@ -14567,7 +14575,7 @@
           <a:p>
             <a:fld id="{A7760C04-F2BE-45EC-B3FA-55EB4254A331}" type="datetimeFigureOut">
               <a:rPr lang="ko-KR" altLang="en-US" smtClean="0"/>
-              <a:t>2025-01-07</a:t>
+              <a:t>2025-01-13</a:t>
             </a:fld>
             <a:endParaRPr lang="ko-KR" altLang="en-US"/>
           </a:p>
@@ -14680,7 +14688,7 @@
           <a:p>
             <a:fld id="{A7760C04-F2BE-45EC-B3FA-55EB4254A331}" type="datetimeFigureOut">
               <a:rPr lang="ko-KR" altLang="en-US" smtClean="0"/>
-              <a:t>2025-01-07</a:t>
+              <a:t>2025-01-13</a:t>
             </a:fld>
             <a:endParaRPr lang="ko-KR" altLang="en-US"/>
           </a:p>
@@ -14991,7 +14999,7 @@
           <a:p>
             <a:fld id="{A7760C04-F2BE-45EC-B3FA-55EB4254A331}" type="datetimeFigureOut">
               <a:rPr lang="ko-KR" altLang="en-US" smtClean="0"/>
-              <a:t>2025-01-07</a:t>
+              <a:t>2025-01-13</a:t>
             </a:fld>
             <a:endParaRPr lang="ko-KR" altLang="en-US"/>
           </a:p>
@@ -15279,7 +15287,7 @@
           <a:p>
             <a:fld id="{A7760C04-F2BE-45EC-B3FA-55EB4254A331}" type="datetimeFigureOut">
               <a:rPr lang="ko-KR" altLang="en-US" smtClean="0"/>
-              <a:t>2025-01-07</a:t>
+              <a:t>2025-01-13</a:t>
             </a:fld>
             <a:endParaRPr lang="ko-KR" altLang="en-US"/>
           </a:p>
@@ -15520,7 +15528,7 @@
           <a:p>
             <a:fld id="{A7760C04-F2BE-45EC-B3FA-55EB4254A331}" type="datetimeFigureOut">
               <a:rPr lang="ko-KR" altLang="en-US" smtClean="0"/>
-              <a:t>2025-01-07</a:t>
+              <a:t>2025-01-13</a:t>
             </a:fld>
             <a:endParaRPr lang="ko-KR" altLang="en-US"/>
           </a:p>
@@ -16042,14 +16050,23 @@
               <a:rPr lang="en-US" altLang="ko-KR" dirty="0"/>
             </a:br>
             <a:r>
-              <a:rPr lang="ko-KR" altLang="en-US" dirty="0" err="1"/>
+              <a:rPr lang="ko-KR" altLang="en-US" dirty="0" err="1">
+                <a:latin typeface="KoPub돋움체 Bold" panose="02020603020101020101" pitchFamily="18" charset="-127"/>
+                <a:ea typeface="KoPub돋움체 Bold" panose="02020603020101020101" pitchFamily="18" charset="-127"/>
+              </a:rPr>
               <a:t>토닥</a:t>
             </a:r>
             <a:r>
-              <a:rPr lang="en-US" altLang="ko-KR" dirty="0" err="1"/>
+              <a:rPr lang="en-US" altLang="ko-KR" dirty="0" err="1">
+                <a:latin typeface="KoPub돋움체 Bold" panose="02020603020101020101" pitchFamily="18" charset="-127"/>
+                <a:ea typeface="KoPub돋움체 Bold" panose="02020603020101020101" pitchFamily="18" charset="-127"/>
+              </a:rPr>
               <a:t>toDoc</a:t>
             </a:r>
-            <a:endParaRPr lang="ko-KR" altLang="en-US" dirty="0"/>
+            <a:endParaRPr lang="ko-KR" altLang="en-US" dirty="0">
+              <a:latin typeface="KoPub돋움체 Bold" panose="02020603020101020101" pitchFamily="18" charset="-127"/>
+              <a:ea typeface="KoPub돋움체 Bold" panose="02020603020101020101" pitchFamily="18" charset="-127"/>
+            </a:endParaRPr>
           </a:p>
         </p:txBody>
       </p:sp>
@@ -26181,7 +26198,7 @@
             <p:ph idx="1"/>
             <p:extLst>
               <p:ext uri="{D42A27DB-BD31-4B8C-83A1-F6EECF244321}">
-                <p14:modId xmlns:p14="http://schemas.microsoft.com/office/powerpoint/2010/main" val="2985362497"/>
+                <p14:modId xmlns:p14="http://schemas.microsoft.com/office/powerpoint/2010/main" val="4115565918"/>
               </p:ext>
             </p:extLst>
           </p:nvPr>
@@ -26196,6 +26213,44 @@
           </a:graphicData>
         </a:graphic>
       </p:graphicFrame>
+      <p:sp>
+        <p:nvSpPr>
+          <p:cNvPr id="3" name="TextBox 2">
+            <a:extLst>
+              <a:ext uri="{FF2B5EF4-FFF2-40B4-BE49-F238E27FC236}">
+                <a16:creationId xmlns:a16="http://schemas.microsoft.com/office/drawing/2014/main" id="{4E2E1F49-F467-6107-A7AD-E81D75E01D1E}"/>
+              </a:ext>
+            </a:extLst>
+          </p:cNvPr>
+          <p:cNvSpPr txBox="1"/>
+          <p:nvPr/>
+        </p:nvSpPr>
+        <p:spPr>
+          <a:xfrm>
+            <a:off x="3618391" y="6397026"/>
+            <a:ext cx="8561639" cy="369332"/>
+          </a:xfrm>
+          <a:prstGeom prst="rect">
+            <a:avLst/>
+          </a:prstGeom>
+          <a:noFill/>
+        </p:spPr>
+        <p:txBody>
+          <a:bodyPr wrap="none" rtlCol="0">
+            <a:spAutoFit/>
+          </a:bodyPr>
+          <a:lstStyle/>
+          <a:p>
+            <a:r>
+              <a:rPr lang="en-US" altLang="ko-KR" dirty="0">
+                <a:hlinkClick r:id="rId7"/>
+              </a:rPr>
+              <a:t>* https://health.chosun.com/site/data/html_dir/2023/12/06/2023120602552.html</a:t>
+            </a:r>
+            <a:endParaRPr lang="ko-KR" altLang="en-US" dirty="0"/>
+          </a:p>
+        </p:txBody>
+      </p:sp>
     </p:spTree>
     <p:extLst>
       <p:ext uri="{BB962C8B-B14F-4D97-AF65-F5344CB8AC3E}">
@@ -26623,6 +26678,14 @@
 <file path=ppt/slides/slide5.xml><?xml version="1.0" encoding="utf-8"?>
 <p:sld xmlns:a="http://schemas.openxmlformats.org/drawingml/2006/main" xmlns:r="http://schemas.openxmlformats.org/officeDocument/2006/relationships" xmlns:p="http://schemas.openxmlformats.org/presentationml/2006/main">
   <p:cSld>
+    <p:bg>
+      <p:bgPr>
+        <a:solidFill>
+          <a:schemeClr val="bg1"/>
+        </a:solidFill>
+        <a:effectLst/>
+      </p:bgPr>
+    </p:bg>
     <p:spTree>
       <p:nvGrpSpPr>
         <p:cNvPr id="1" name=""/>
@@ -26637,6 +26700,66 @@
           <a:chExt cx="0" cy="0"/>
         </a:xfrm>
       </p:grpSpPr>
+      <p:sp useBgFill="1">
+        <p:nvSpPr>
+          <p:cNvPr id="14" name="Rectangle 13">
+            <a:extLst>
+              <a:ext uri="{FF2B5EF4-FFF2-40B4-BE49-F238E27FC236}">
+                <a16:creationId xmlns:a16="http://schemas.microsoft.com/office/drawing/2014/main" id="{A2679492-7988-4050-9056-542444452411}"/>
+              </a:ext>
+              <a:ext uri="{C183D7F6-B498-43B3-948B-1728B52AA6E4}">
+                <adec:decorative xmlns:adec="http://schemas.microsoft.com/office/drawing/2017/decorative" val="1"/>
+              </a:ext>
+            </a:extLst>
+          </p:cNvPr>
+          <p:cNvSpPr>
+            <a:spLocks noGrp="1" noRot="1" noChangeAspect="1" noMove="1" noResize="1" noEditPoints="1" noAdjustHandles="1" noChangeArrowheads="1" noChangeShapeType="1" noTextEdit="1"/>
+          </p:cNvSpPr>
+          <p:nvPr>
+            <p:extLst>
+              <p:ext uri="{386F3935-93C4-4BCD-93E2-E3B085C9AB24}">
+                <p16:designElem xmlns:p16="http://schemas.microsoft.com/office/powerpoint/2015/main" val="1"/>
+              </p:ext>
+            </p:extLst>
+          </p:nvPr>
+        </p:nvSpPr>
+        <p:spPr>
+          <a:xfrm>
+            <a:off x="0" y="0"/>
+            <a:ext cx="12192000" cy="6858000"/>
+          </a:xfrm>
+          <a:prstGeom prst="rect">
+            <a:avLst/>
+          </a:prstGeom>
+          <a:ln>
+            <a:noFill/>
+          </a:ln>
+        </p:spPr>
+        <p:style>
+          <a:lnRef idx="2">
+            <a:schemeClr val="accent1">
+              <a:shade val="50000"/>
+            </a:schemeClr>
+          </a:lnRef>
+          <a:fillRef idx="1">
+            <a:schemeClr val="accent1"/>
+          </a:fillRef>
+          <a:effectRef idx="0">
+            <a:schemeClr val="accent1"/>
+          </a:effectRef>
+          <a:fontRef idx="minor">
+            <a:schemeClr val="lt1"/>
+          </a:fontRef>
+        </p:style>
+        <p:txBody>
+          <a:bodyPr rtlCol="0" anchor="ctr"/>
+          <a:lstStyle/>
+          <a:p>
+            <a:pPr algn="ctr"/>
+            <a:endParaRPr lang="en-US"/>
+          </a:p>
+        </p:txBody>
+      </p:sp>
       <p:sp>
         <p:nvSpPr>
           <p:cNvPr id="2" name="제목 1">
@@ -26653,60 +26776,529 @@
             <p:ph type="title"/>
           </p:nvPr>
         </p:nvSpPr>
-        <p:spPr/>
+        <p:spPr>
+          <a:xfrm>
+            <a:off x="6412091" y="501651"/>
+            <a:ext cx="4395340" cy="1716255"/>
+          </a:xfrm>
+        </p:spPr>
         <p:txBody>
-          <a:bodyPr/>
+          <a:bodyPr anchor="b">
+            <a:normAutofit/>
+          </a:bodyPr>
           <a:lstStyle/>
           <a:p>
             <a:r>
-              <a:rPr lang="ko-KR" altLang="en-US" dirty="0"/>
+              <a:rPr lang="ko-KR" altLang="en-US" sz="5600"/>
               <a:t>메뉴 소개</a:t>
             </a:r>
+          </a:p>
+        </p:txBody>
+      </p:sp>
+      <p:sp>
+        <p:nvSpPr>
+          <p:cNvPr id="16" name="Rectangle 15">
+            <a:extLst>
+              <a:ext uri="{FF2B5EF4-FFF2-40B4-BE49-F238E27FC236}">
+                <a16:creationId xmlns:a16="http://schemas.microsoft.com/office/drawing/2014/main" id="{B091B163-7D61-4891-ABCF-5C13D9C418D0}"/>
+              </a:ext>
+              <a:ext uri="{C183D7F6-B498-43B3-948B-1728B52AA6E4}">
+                <adec:decorative xmlns:adec="http://schemas.microsoft.com/office/drawing/2017/decorative" val="1"/>
+              </a:ext>
+            </a:extLst>
+          </p:cNvPr>
+          <p:cNvSpPr>
+            <a:spLocks noGrp="1" noRot="1" noChangeAspect="1" noMove="1" noResize="1" noEditPoints="1" noAdjustHandles="1" noChangeArrowheads="1" noChangeShapeType="1" noTextEdit="1"/>
+          </p:cNvSpPr>
+          <p:nvPr>
+            <p:extLst>
+              <p:ext uri="{386F3935-93C4-4BCD-93E2-E3B085C9AB24}">
+                <p16:designElem xmlns:p16="http://schemas.microsoft.com/office/powerpoint/2015/main" val="1"/>
+              </p:ext>
+            </p:extLst>
+          </p:nvPr>
+        </p:nvSpPr>
+        <p:spPr>
+          <a:xfrm>
+            <a:off x="0" y="0"/>
+            <a:ext cx="5779911" cy="6858000"/>
+          </a:xfrm>
+          <a:prstGeom prst="rect">
+            <a:avLst/>
+          </a:prstGeom>
+          <a:gradFill flip="none" rotWithShape="1">
+            <a:gsLst>
+              <a:gs pos="0">
+                <a:schemeClr val="accent1"/>
+              </a:gs>
+              <a:gs pos="100000">
+                <a:schemeClr val="accent2"/>
+              </a:gs>
+            </a:gsLst>
+            <a:lin ang="2700000" scaled="1"/>
+            <a:tileRect/>
+          </a:gradFill>
+          <a:ln>
+            <a:noFill/>
+          </a:ln>
+        </p:spPr>
+        <p:style>
+          <a:lnRef idx="2">
+            <a:schemeClr val="accent1">
+              <a:shade val="50000"/>
+            </a:schemeClr>
+          </a:lnRef>
+          <a:fillRef idx="1">
+            <a:schemeClr val="accent1"/>
+          </a:fillRef>
+          <a:effectRef idx="0">
+            <a:schemeClr val="accent1"/>
+          </a:effectRef>
+          <a:fontRef idx="minor">
+            <a:schemeClr val="lt1"/>
+          </a:fontRef>
+        </p:style>
+        <p:txBody>
+          <a:bodyPr rtlCol="0" anchor="ctr"/>
+          <a:lstStyle/>
+          <a:p>
+            <a:pPr algn="ctr"/>
+            <a:endParaRPr lang="en-US"/>
           </a:p>
         </p:txBody>
       </p:sp>
       <p:pic>
         <p:nvPicPr>
-          <p:cNvPr id="5" name="내용 개체 틀 4">
+          <p:cNvPr id="7" name="내용 개체 틀 6" descr="텍스트, 스크린샷, 폰트, 번호이(가) 표시된 사진&#10;&#10;자동 생성된 설명">
             <a:extLst>
               <a:ext uri="{FF2B5EF4-FFF2-40B4-BE49-F238E27FC236}">
-                <a16:creationId xmlns:a16="http://schemas.microsoft.com/office/drawing/2014/main" id="{ED3244E5-9084-D420-C6F1-A3320A91D093}"/>
+                <a16:creationId xmlns:a16="http://schemas.microsoft.com/office/drawing/2014/main" id="{1FE17B44-88F6-2901-CE49-B44D051BD03C}"/>
               </a:ext>
             </a:extLst>
           </p:cNvPr>
           <p:cNvPicPr>
-            <a:picLocks noGrp="1" noChangeAspect="1"/>
+            <a:picLocks noChangeAspect="1"/>
           </p:cNvPicPr>
-          <p:nvPr>
-            <p:ph idx="1"/>
-          </p:nvPr>
+          <p:nvPr/>
         </p:nvPicPr>
         <p:blipFill>
-          <a:blip r:embed="rId2"/>
+          <a:blip r:embed="rId2">
+            <a:extLst>
+              <a:ext uri="{28A0092B-C50C-407E-A947-70E740481C1C}">
+                <a14:useLocalDpi xmlns:a14="http://schemas.microsoft.com/office/drawing/2010/main" val="0"/>
+              </a:ext>
+            </a:extLst>
+          </a:blip>
           <a:stretch>
             <a:fillRect/>
           </a:stretch>
         </p:blipFill>
         <p:spPr>
           <a:xfrm>
-            <a:off x="1294730" y="3644056"/>
-            <a:ext cx="9602540" cy="714475"/>
+            <a:off x="1669454" y="299509"/>
+            <a:ext cx="2441003" cy="6258983"/>
           </a:xfrm>
           <a:prstGeom prst="rect">
             <a:avLst/>
           </a:prstGeom>
-          <a:ln>
-            <a:noFill/>
-          </a:ln>
-          <a:effectLst>
-            <a:outerShdw blurRad="292100" dist="139700" dir="2700000" algn="tl" rotWithShape="0">
-              <a:srgbClr val="333333">
-                <a:alpha val="65000"/>
-              </a:srgbClr>
-            </a:outerShdw>
-          </a:effectLst>
         </p:spPr>
       </p:pic>
+      <p:sp>
+        <p:nvSpPr>
+          <p:cNvPr id="11" name="Content Placeholder 10">
+            <a:extLst>
+              <a:ext uri="{FF2B5EF4-FFF2-40B4-BE49-F238E27FC236}">
+                <a16:creationId xmlns:a16="http://schemas.microsoft.com/office/drawing/2014/main" id="{3AA88A97-7E71-AFD3-45DB-D97E111CE0AA}"/>
+              </a:ext>
+            </a:extLst>
+          </p:cNvPr>
+          <p:cNvSpPr>
+            <a:spLocks noGrp="1"/>
+          </p:cNvSpPr>
+          <p:nvPr>
+            <p:ph idx="1"/>
+          </p:nvPr>
+        </p:nvSpPr>
+        <p:spPr>
+          <a:xfrm>
+            <a:off x="6392583" y="2645922"/>
+            <a:ext cx="4434721" cy="3710427"/>
+          </a:xfrm>
+        </p:spPr>
+        <p:txBody>
+          <a:bodyPr anchor="t">
+            <a:normAutofit/>
+          </a:bodyPr>
+          <a:lstStyle/>
+          <a:p>
+            <a:r>
+              <a:rPr lang="ko-KR" altLang="en-US" sz="2000" dirty="0">
+                <a:solidFill>
+                  <a:schemeClr val="tx1">
+                    <a:alpha val="80000"/>
+                  </a:schemeClr>
+                </a:solidFill>
+              </a:rPr>
+              <a:t>햄버거 버튼</a:t>
+            </a:r>
+            <a:endParaRPr lang="en-US" altLang="ko-KR" sz="2000" dirty="0">
+              <a:solidFill>
+                <a:schemeClr val="tx1">
+                  <a:alpha val="80000"/>
+                </a:schemeClr>
+              </a:solidFill>
+            </a:endParaRPr>
+          </a:p>
+          <a:p>
+            <a:pPr lvl="1"/>
+            <a:r>
+              <a:rPr lang="ko-KR" altLang="en-US" sz="1600" dirty="0">
+                <a:solidFill>
+                  <a:schemeClr val="tx1">
+                    <a:alpha val="80000"/>
+                  </a:schemeClr>
+                </a:solidFill>
+              </a:rPr>
+              <a:t>홈 </a:t>
+            </a:r>
+            <a:r>
+              <a:rPr lang="en-US" altLang="ko-KR" sz="1600" dirty="0">
+                <a:solidFill>
+                  <a:schemeClr val="tx1">
+                    <a:alpha val="80000"/>
+                  </a:schemeClr>
+                </a:solidFill>
+              </a:rPr>
+              <a:t>/ </a:t>
+            </a:r>
+            <a:r>
+              <a:rPr lang="ko-KR" altLang="en-US" sz="1600" dirty="0">
+                <a:solidFill>
+                  <a:schemeClr val="tx1">
+                    <a:alpha val="80000"/>
+                  </a:schemeClr>
+                </a:solidFill>
+              </a:rPr>
+              <a:t>프로필 </a:t>
+            </a:r>
+            <a:r>
+              <a:rPr lang="en-US" altLang="ko-KR" sz="1600" dirty="0">
+                <a:solidFill>
+                  <a:schemeClr val="tx1">
+                    <a:alpha val="80000"/>
+                  </a:schemeClr>
+                </a:solidFill>
+              </a:rPr>
+              <a:t>/ </a:t>
+            </a:r>
+            <a:r>
+              <a:rPr lang="ko-KR" altLang="en-US" sz="1600" dirty="0">
+                <a:solidFill>
+                  <a:schemeClr val="tx1">
+                    <a:alpha val="80000"/>
+                  </a:schemeClr>
+                </a:solidFill>
+              </a:rPr>
+              <a:t>게시물 </a:t>
+            </a:r>
+            <a:r>
+              <a:rPr lang="en-US" altLang="ko-KR" sz="1600" dirty="0">
+                <a:solidFill>
+                  <a:schemeClr val="tx1">
+                    <a:alpha val="80000"/>
+                  </a:schemeClr>
+                </a:solidFill>
+              </a:rPr>
+              <a:t>/ </a:t>
+            </a:r>
+            <a:r>
+              <a:rPr lang="ko-KR" altLang="en-US" sz="1600" dirty="0" err="1">
+                <a:solidFill>
+                  <a:schemeClr val="tx1">
+                    <a:alpha val="80000"/>
+                  </a:schemeClr>
+                </a:solidFill>
+              </a:rPr>
+              <a:t>큐레이팅</a:t>
+            </a:r>
+            <a:r>
+              <a:rPr lang="ko-KR" altLang="en-US" sz="1600" dirty="0">
+                <a:solidFill>
+                  <a:schemeClr val="tx1">
+                    <a:alpha val="80000"/>
+                  </a:schemeClr>
+                </a:solidFill>
+              </a:rPr>
+              <a:t> </a:t>
+            </a:r>
+            <a:r>
+              <a:rPr lang="en-US" altLang="ko-KR" sz="1600" dirty="0">
+                <a:solidFill>
+                  <a:schemeClr val="tx1">
+                    <a:alpha val="80000"/>
+                  </a:schemeClr>
+                </a:solidFill>
+              </a:rPr>
+              <a:t>DM / </a:t>
+            </a:r>
+            <a:r>
+              <a:rPr lang="ko-KR" altLang="en-US" sz="1600" dirty="0">
+                <a:solidFill>
+                  <a:schemeClr val="tx1">
+                    <a:alpha val="80000"/>
+                  </a:schemeClr>
+                </a:solidFill>
+              </a:rPr>
+              <a:t>설정</a:t>
+            </a:r>
+            <a:endParaRPr lang="en-US" altLang="ko-KR" sz="1600" dirty="0">
+              <a:solidFill>
+                <a:schemeClr val="tx1">
+                  <a:alpha val="80000"/>
+                </a:schemeClr>
+              </a:solidFill>
+            </a:endParaRPr>
+          </a:p>
+          <a:p>
+            <a:r>
+              <a:rPr lang="ko-KR" altLang="en-US" sz="2000" dirty="0">
+                <a:solidFill>
+                  <a:schemeClr val="tx1">
+                    <a:alpha val="80000"/>
+                  </a:schemeClr>
+                </a:solidFill>
+              </a:rPr>
+              <a:t>홈</a:t>
+            </a:r>
+            <a:endParaRPr lang="en-US" altLang="ko-KR" sz="2000" dirty="0">
+              <a:solidFill>
+                <a:schemeClr val="tx1">
+                  <a:alpha val="80000"/>
+                </a:schemeClr>
+              </a:solidFill>
+            </a:endParaRPr>
+          </a:p>
+          <a:p>
+            <a:r>
+              <a:rPr lang="ko-KR" altLang="en-US" sz="2000" dirty="0" err="1">
+                <a:solidFill>
+                  <a:schemeClr val="tx1">
+                    <a:alpha val="80000"/>
+                  </a:schemeClr>
+                </a:solidFill>
+              </a:rPr>
+              <a:t>챗봇</a:t>
+            </a:r>
+            <a:endParaRPr lang="en-US" altLang="ko-KR" sz="2000" dirty="0">
+              <a:solidFill>
+                <a:schemeClr val="tx1">
+                  <a:alpha val="80000"/>
+                </a:schemeClr>
+              </a:solidFill>
+            </a:endParaRPr>
+          </a:p>
+          <a:p>
+            <a:pPr lvl="1"/>
+            <a:r>
+              <a:rPr lang="ko-KR" altLang="en-US" sz="1600" dirty="0">
+                <a:solidFill>
+                  <a:schemeClr val="tx1">
+                    <a:alpha val="80000"/>
+                  </a:schemeClr>
+                </a:solidFill>
+              </a:rPr>
+              <a:t>채팅 시작하기 </a:t>
+            </a:r>
+            <a:r>
+              <a:rPr lang="en-US" altLang="ko-KR" sz="1600" dirty="0">
+                <a:solidFill>
+                  <a:schemeClr val="tx1">
+                    <a:alpha val="80000"/>
+                  </a:schemeClr>
+                </a:solidFill>
+              </a:rPr>
+              <a:t>/ </a:t>
+            </a:r>
+            <a:r>
+              <a:rPr lang="ko-KR" altLang="en-US" sz="1600" dirty="0">
+                <a:solidFill>
+                  <a:schemeClr val="tx1">
+                    <a:alpha val="80000"/>
+                  </a:schemeClr>
+                </a:solidFill>
+              </a:rPr>
+              <a:t>채팅 재개하기</a:t>
+            </a:r>
+            <a:endParaRPr lang="en-US" altLang="ko-KR" sz="1600" dirty="0">
+              <a:solidFill>
+                <a:schemeClr val="tx1">
+                  <a:alpha val="80000"/>
+                </a:schemeClr>
+              </a:solidFill>
+            </a:endParaRPr>
+          </a:p>
+          <a:p>
+            <a:r>
+              <a:rPr lang="ko-KR" altLang="en-US" sz="2000" dirty="0">
+                <a:solidFill>
+                  <a:schemeClr val="tx1">
+                    <a:alpha val="80000"/>
+                  </a:schemeClr>
+                </a:solidFill>
+              </a:rPr>
+              <a:t>그래프보드</a:t>
+            </a:r>
+            <a:endParaRPr lang="en-US" altLang="ko-KR" sz="2000" dirty="0">
+              <a:solidFill>
+                <a:schemeClr val="tx1">
+                  <a:alpha val="80000"/>
+                </a:schemeClr>
+              </a:solidFill>
+            </a:endParaRPr>
+          </a:p>
+          <a:p>
+            <a:r>
+              <a:rPr lang="ko-KR" altLang="en-US" sz="2000" dirty="0">
+                <a:solidFill>
+                  <a:schemeClr val="tx1">
+                    <a:alpha val="80000"/>
+                  </a:schemeClr>
+                </a:solidFill>
+              </a:rPr>
+              <a:t>근처 마음병원 찾기</a:t>
+            </a:r>
+            <a:endParaRPr lang="en-US" altLang="ko-KR" sz="2000" dirty="0">
+              <a:solidFill>
+                <a:schemeClr val="tx1">
+                  <a:alpha val="80000"/>
+                </a:schemeClr>
+              </a:solidFill>
+            </a:endParaRPr>
+          </a:p>
+          <a:p>
+            <a:r>
+              <a:rPr lang="ko-KR" altLang="en-US" sz="2000" dirty="0">
+                <a:solidFill>
+                  <a:schemeClr val="tx1">
+                    <a:alpha val="80000"/>
+                  </a:schemeClr>
+                </a:solidFill>
+              </a:rPr>
+              <a:t>의사와의 </a:t>
+            </a:r>
+            <a:r>
+              <a:rPr lang="en-US" altLang="ko-KR" sz="2000" dirty="0">
+                <a:solidFill>
+                  <a:schemeClr val="tx1">
+                    <a:alpha val="80000"/>
+                  </a:schemeClr>
+                </a:solidFill>
+              </a:rPr>
+              <a:t>DM</a:t>
+            </a:r>
+          </a:p>
+          <a:p>
+            <a:r>
+              <a:rPr lang="ko-KR" altLang="en-US" sz="2000" dirty="0" err="1">
+                <a:solidFill>
+                  <a:schemeClr val="tx1">
+                    <a:alpha val="80000"/>
+                  </a:schemeClr>
+                </a:solidFill>
+              </a:rPr>
+              <a:t>큐레이팅</a:t>
+            </a:r>
+            <a:r>
+              <a:rPr lang="ko-KR" altLang="en-US" sz="2000" dirty="0">
+                <a:solidFill>
+                  <a:schemeClr val="tx1">
+                    <a:alpha val="80000"/>
+                  </a:schemeClr>
+                </a:solidFill>
+              </a:rPr>
+              <a:t> 서비스</a:t>
+            </a:r>
+            <a:endParaRPr lang="en-US" altLang="ko-KR" sz="2000" dirty="0">
+              <a:solidFill>
+                <a:schemeClr val="tx1">
+                  <a:alpha val="80000"/>
+                </a:schemeClr>
+              </a:solidFill>
+            </a:endParaRPr>
+          </a:p>
+          <a:p>
+            <a:endParaRPr lang="en-US" sz="2000" dirty="0">
+              <a:solidFill>
+                <a:schemeClr val="tx1">
+                  <a:alpha val="80000"/>
+                </a:schemeClr>
+              </a:solidFill>
+            </a:endParaRPr>
+          </a:p>
+        </p:txBody>
+      </p:sp>
+      <p:cxnSp>
+        <p:nvCxnSpPr>
+          <p:cNvPr id="18" name="Straight Connector 17">
+            <a:extLst>
+              <a:ext uri="{FF2B5EF4-FFF2-40B4-BE49-F238E27FC236}">
+                <a16:creationId xmlns:a16="http://schemas.microsoft.com/office/drawing/2014/main" id="{C49DA8F6-BCC1-4447-B54C-57856834B94B}"/>
+              </a:ext>
+              <a:ext uri="{C183D7F6-B498-43B3-948B-1728B52AA6E4}">
+                <adec:decorative xmlns:adec="http://schemas.microsoft.com/office/drawing/2017/decorative" val="1"/>
+              </a:ext>
+            </a:extLst>
+          </p:cNvPr>
+          <p:cNvCxnSpPr>
+            <a:cxnSpLocks noGrp="1" noRot="1" noChangeAspect="1" noMove="1" noResize="1" noEditPoints="1" noAdjustHandles="1" noChangeArrowheads="1" noChangeShapeType="1"/>
+          </p:cNvCxnSpPr>
+          <p:nvPr>
+            <p:extLst>
+              <p:ext uri="{386F3935-93C4-4BCD-93E2-E3B085C9AB24}">
+                <p16:designElem xmlns:p16="http://schemas.microsoft.com/office/powerpoint/2015/main" val="1"/>
+              </p:ext>
+            </p:extLst>
+          </p:nvPr>
+        </p:nvCxnSpPr>
+        <p:spPr>
+          <a:xfrm>
+            <a:off x="11586162" y="3610394"/>
+            <a:ext cx="0" cy="3238728"/>
+          </a:xfrm>
+          <a:prstGeom prst="line">
+            <a:avLst/>
+          </a:prstGeom>
+          <a:ln w="25400" cap="sq">
+            <a:gradFill flip="none" rotWithShape="1">
+              <a:gsLst>
+                <a:gs pos="0">
+                  <a:schemeClr val="accent1"/>
+                </a:gs>
+                <a:gs pos="100000">
+                  <a:schemeClr val="accent2"/>
+                </a:gs>
+              </a:gsLst>
+              <a:lin ang="16200000" scaled="1"/>
+              <a:tileRect/>
+            </a:gradFill>
+            <a:bevel/>
+          </a:ln>
+        </p:spPr>
+        <p:style>
+          <a:lnRef idx="1">
+            <a:schemeClr val="accent1"/>
+          </a:lnRef>
+          <a:fillRef idx="0">
+            <a:schemeClr val="accent1"/>
+          </a:fillRef>
+          <a:effectRef idx="0">
+            <a:schemeClr val="accent1"/>
+          </a:effectRef>
+          <a:fontRef idx="minor">
+            <a:schemeClr val="tx1"/>
+          </a:fontRef>
+        </p:style>
+      </p:cxnSp>
     </p:spTree>
     <p:extLst>
       <p:ext uri="{BB962C8B-B14F-4D97-AF65-F5344CB8AC3E}">
@@ -26745,12 +27337,12 @@
           <a:chExt cx="0" cy="0"/>
         </a:xfrm>
       </p:grpSpPr>
-      <p:sp useBgFill="1">
+      <p:sp>
         <p:nvSpPr>
-          <p:cNvPr id="29" name="Rectangle 28">
+          <p:cNvPr id="53" name="Rectangle 52">
             <a:extLst>
               <a:ext uri="{FF2B5EF4-FFF2-40B4-BE49-F238E27FC236}">
-                <a16:creationId xmlns:a16="http://schemas.microsoft.com/office/drawing/2014/main" id="{6ECA6DCB-B7E1-40A9-9524-540C6DA40B1B}"/>
+                <a16:creationId xmlns:a16="http://schemas.microsoft.com/office/drawing/2014/main" id="{C5278130-DFE0-457B-8698-88DF69019DDE}"/>
               </a:ext>
               <a:ext uri="{C183D7F6-B498-43B3-948B-1728B52AA6E4}">
                 <adec:decorative xmlns:adec="http://schemas.microsoft.com/office/drawing/2017/decorative" val="1"/>
@@ -26770,12 +27362,331 @@
         </p:nvSpPr>
         <p:spPr>
           <a:xfrm>
-            <a:off x="0" y="0"/>
-            <a:ext cx="12191999" cy="6857365"/>
+            <a:off x="1524" y="0"/>
+            <a:ext cx="12188952" cy="6858000"/>
           </a:xfrm>
           <a:prstGeom prst="rect">
             <a:avLst/>
           </a:prstGeom>
+          <a:solidFill>
+            <a:schemeClr val="bg1"/>
+          </a:solidFill>
+          <a:ln>
+            <a:noFill/>
+          </a:ln>
+        </p:spPr>
+        <p:style>
+          <a:lnRef idx="2">
+            <a:schemeClr val="accent1">
+              <a:shade val="50000"/>
+            </a:schemeClr>
+          </a:lnRef>
+          <a:fillRef idx="1">
+            <a:schemeClr val="accent1"/>
+          </a:fillRef>
+          <a:effectRef idx="0">
+            <a:schemeClr val="accent1"/>
+          </a:effectRef>
+          <a:fontRef idx="minor">
+            <a:schemeClr val="lt1"/>
+          </a:fontRef>
+        </p:style>
+        <p:txBody>
+          <a:bodyPr rtlCol="0" anchor="ctr"/>
+          <a:lstStyle>
+            <a:defPPr>
+              <a:defRPr lang="en-US"/>
+            </a:defPPr>
+            <a:lvl1pPr marL="0" algn="l" defTabSz="914400" rtl="0" eaLnBrk="1" latinLnBrk="0" hangingPunct="1">
+              <a:defRPr sz="1800" kern="1200">
+                <a:solidFill>
+                  <a:schemeClr val="lt1"/>
+                </a:solidFill>
+                <a:latin typeface="+mn-lt"/>
+                <a:ea typeface="+mn-ea"/>
+                <a:cs typeface="+mn-cs"/>
+              </a:defRPr>
+            </a:lvl1pPr>
+            <a:lvl2pPr marL="457200" algn="l" defTabSz="914400" rtl="0" eaLnBrk="1" latinLnBrk="0" hangingPunct="1">
+              <a:defRPr sz="1800" kern="1200">
+                <a:solidFill>
+                  <a:schemeClr val="lt1"/>
+                </a:solidFill>
+                <a:latin typeface="+mn-lt"/>
+                <a:ea typeface="+mn-ea"/>
+                <a:cs typeface="+mn-cs"/>
+              </a:defRPr>
+            </a:lvl2pPr>
+            <a:lvl3pPr marL="914400" algn="l" defTabSz="914400" rtl="0" eaLnBrk="1" latinLnBrk="0" hangingPunct="1">
+              <a:defRPr sz="1800" kern="1200">
+                <a:solidFill>
+                  <a:schemeClr val="lt1"/>
+                </a:solidFill>
+                <a:latin typeface="+mn-lt"/>
+                <a:ea typeface="+mn-ea"/>
+                <a:cs typeface="+mn-cs"/>
+              </a:defRPr>
+            </a:lvl3pPr>
+            <a:lvl4pPr marL="1371600" algn="l" defTabSz="914400" rtl="0" eaLnBrk="1" latinLnBrk="0" hangingPunct="1">
+              <a:defRPr sz="1800" kern="1200">
+                <a:solidFill>
+                  <a:schemeClr val="lt1"/>
+                </a:solidFill>
+                <a:latin typeface="+mn-lt"/>
+                <a:ea typeface="+mn-ea"/>
+                <a:cs typeface="+mn-cs"/>
+              </a:defRPr>
+            </a:lvl4pPr>
+            <a:lvl5pPr marL="1828800" algn="l" defTabSz="914400" rtl="0" eaLnBrk="1" latinLnBrk="0" hangingPunct="1">
+              <a:defRPr sz="1800" kern="1200">
+                <a:solidFill>
+                  <a:schemeClr val="lt1"/>
+                </a:solidFill>
+                <a:latin typeface="+mn-lt"/>
+                <a:ea typeface="+mn-ea"/>
+                <a:cs typeface="+mn-cs"/>
+              </a:defRPr>
+            </a:lvl5pPr>
+            <a:lvl6pPr marL="2286000" algn="l" defTabSz="914400" rtl="0" eaLnBrk="1" latinLnBrk="0" hangingPunct="1">
+              <a:defRPr sz="1800" kern="1200">
+                <a:solidFill>
+                  <a:schemeClr val="lt1"/>
+                </a:solidFill>
+                <a:latin typeface="+mn-lt"/>
+                <a:ea typeface="+mn-ea"/>
+                <a:cs typeface="+mn-cs"/>
+              </a:defRPr>
+            </a:lvl6pPr>
+            <a:lvl7pPr marL="2743200" algn="l" defTabSz="914400" rtl="0" eaLnBrk="1" latinLnBrk="0" hangingPunct="1">
+              <a:defRPr sz="1800" kern="1200">
+                <a:solidFill>
+                  <a:schemeClr val="lt1"/>
+                </a:solidFill>
+                <a:latin typeface="+mn-lt"/>
+                <a:ea typeface="+mn-ea"/>
+                <a:cs typeface="+mn-cs"/>
+              </a:defRPr>
+            </a:lvl7pPr>
+            <a:lvl8pPr marL="3200400" algn="l" defTabSz="914400" rtl="0" eaLnBrk="1" latinLnBrk="0" hangingPunct="1">
+              <a:defRPr sz="1800" kern="1200">
+                <a:solidFill>
+                  <a:schemeClr val="lt1"/>
+                </a:solidFill>
+                <a:latin typeface="+mn-lt"/>
+                <a:ea typeface="+mn-ea"/>
+                <a:cs typeface="+mn-cs"/>
+              </a:defRPr>
+            </a:lvl8pPr>
+            <a:lvl9pPr marL="3657600" algn="l" defTabSz="914400" rtl="0" eaLnBrk="1" latinLnBrk="0" hangingPunct="1">
+              <a:defRPr sz="1800" kern="1200">
+                <a:solidFill>
+                  <a:schemeClr val="lt1"/>
+                </a:solidFill>
+                <a:latin typeface="+mn-lt"/>
+                <a:ea typeface="+mn-ea"/>
+                <a:cs typeface="+mn-cs"/>
+              </a:defRPr>
+            </a:lvl9pPr>
+          </a:lstStyle>
+          <a:p>
+            <a:pPr algn="ctr"/>
+            <a:endParaRPr lang="en-US"/>
+          </a:p>
+        </p:txBody>
+      </p:sp>
+      <p:sp>
+        <p:nvSpPr>
+          <p:cNvPr id="55" name="Rectangle 54">
+            <a:extLst>
+              <a:ext uri="{FF2B5EF4-FFF2-40B4-BE49-F238E27FC236}">
+                <a16:creationId xmlns:a16="http://schemas.microsoft.com/office/drawing/2014/main" id="{2F99531B-1681-4D6E-BECB-18325B33A618}"/>
+              </a:ext>
+              <a:ext uri="{C183D7F6-B498-43B3-948B-1728B52AA6E4}">
+                <adec:decorative xmlns:adec="http://schemas.microsoft.com/office/drawing/2017/decorative" val="1"/>
+              </a:ext>
+            </a:extLst>
+          </p:cNvPr>
+          <p:cNvSpPr>
+            <a:spLocks noGrp="1" noRot="1" noChangeAspect="1" noMove="1" noResize="1" noEditPoints="1" noAdjustHandles="1" noChangeArrowheads="1" noChangeShapeType="1" noTextEdit="1"/>
+          </p:cNvSpPr>
+          <p:nvPr>
+            <p:extLst>
+              <p:ext uri="{386F3935-93C4-4BCD-93E2-E3B085C9AB24}">
+                <p16:designElem xmlns:p16="http://schemas.microsoft.com/office/powerpoint/2015/main" val="1"/>
+              </p:ext>
+            </p:extLst>
+          </p:nvPr>
+        </p:nvSpPr>
+        <p:spPr>
+          <a:xfrm>
+            <a:off x="1524" y="0"/>
+            <a:ext cx="12188952" cy="6858000"/>
+          </a:xfrm>
+          <a:prstGeom prst="rect">
+            <a:avLst/>
+          </a:prstGeom>
+          <a:solidFill>
+            <a:schemeClr val="bg2">
+              <a:alpha val="35000"/>
+            </a:schemeClr>
+          </a:solidFill>
+          <a:ln>
+            <a:noFill/>
+          </a:ln>
+        </p:spPr>
+        <p:style>
+          <a:lnRef idx="2">
+            <a:schemeClr val="accent1">
+              <a:shade val="50000"/>
+            </a:schemeClr>
+          </a:lnRef>
+          <a:fillRef idx="1">
+            <a:schemeClr val="accent1"/>
+          </a:fillRef>
+          <a:effectRef idx="0">
+            <a:schemeClr val="accent1"/>
+          </a:effectRef>
+          <a:fontRef idx="minor">
+            <a:schemeClr val="lt1"/>
+          </a:fontRef>
+        </p:style>
+        <p:txBody>
+          <a:bodyPr rtlCol="0" anchor="ctr"/>
+          <a:lstStyle>
+            <a:defPPr>
+              <a:defRPr lang="en-US"/>
+            </a:defPPr>
+            <a:lvl1pPr marL="0" algn="l" defTabSz="914400" rtl="0" eaLnBrk="1" latinLnBrk="0" hangingPunct="1">
+              <a:defRPr sz="1800" kern="1200">
+                <a:solidFill>
+                  <a:schemeClr val="lt1"/>
+                </a:solidFill>
+                <a:latin typeface="+mn-lt"/>
+                <a:ea typeface="+mn-ea"/>
+                <a:cs typeface="+mn-cs"/>
+              </a:defRPr>
+            </a:lvl1pPr>
+            <a:lvl2pPr marL="457200" algn="l" defTabSz="914400" rtl="0" eaLnBrk="1" latinLnBrk="0" hangingPunct="1">
+              <a:defRPr sz="1800" kern="1200">
+                <a:solidFill>
+                  <a:schemeClr val="lt1"/>
+                </a:solidFill>
+                <a:latin typeface="+mn-lt"/>
+                <a:ea typeface="+mn-ea"/>
+                <a:cs typeface="+mn-cs"/>
+              </a:defRPr>
+            </a:lvl2pPr>
+            <a:lvl3pPr marL="914400" algn="l" defTabSz="914400" rtl="0" eaLnBrk="1" latinLnBrk="0" hangingPunct="1">
+              <a:defRPr sz="1800" kern="1200">
+                <a:solidFill>
+                  <a:schemeClr val="lt1"/>
+                </a:solidFill>
+                <a:latin typeface="+mn-lt"/>
+                <a:ea typeface="+mn-ea"/>
+                <a:cs typeface="+mn-cs"/>
+              </a:defRPr>
+            </a:lvl3pPr>
+            <a:lvl4pPr marL="1371600" algn="l" defTabSz="914400" rtl="0" eaLnBrk="1" latinLnBrk="0" hangingPunct="1">
+              <a:defRPr sz="1800" kern="1200">
+                <a:solidFill>
+                  <a:schemeClr val="lt1"/>
+                </a:solidFill>
+                <a:latin typeface="+mn-lt"/>
+                <a:ea typeface="+mn-ea"/>
+                <a:cs typeface="+mn-cs"/>
+              </a:defRPr>
+            </a:lvl4pPr>
+            <a:lvl5pPr marL="1828800" algn="l" defTabSz="914400" rtl="0" eaLnBrk="1" latinLnBrk="0" hangingPunct="1">
+              <a:defRPr sz="1800" kern="1200">
+                <a:solidFill>
+                  <a:schemeClr val="lt1"/>
+                </a:solidFill>
+                <a:latin typeface="+mn-lt"/>
+                <a:ea typeface="+mn-ea"/>
+                <a:cs typeface="+mn-cs"/>
+              </a:defRPr>
+            </a:lvl5pPr>
+            <a:lvl6pPr marL="2286000" algn="l" defTabSz="914400" rtl="0" eaLnBrk="1" latinLnBrk="0" hangingPunct="1">
+              <a:defRPr sz="1800" kern="1200">
+                <a:solidFill>
+                  <a:schemeClr val="lt1"/>
+                </a:solidFill>
+                <a:latin typeface="+mn-lt"/>
+                <a:ea typeface="+mn-ea"/>
+                <a:cs typeface="+mn-cs"/>
+              </a:defRPr>
+            </a:lvl6pPr>
+            <a:lvl7pPr marL="2743200" algn="l" defTabSz="914400" rtl="0" eaLnBrk="1" latinLnBrk="0" hangingPunct="1">
+              <a:defRPr sz="1800" kern="1200">
+                <a:solidFill>
+                  <a:schemeClr val="lt1"/>
+                </a:solidFill>
+                <a:latin typeface="+mn-lt"/>
+                <a:ea typeface="+mn-ea"/>
+                <a:cs typeface="+mn-cs"/>
+              </a:defRPr>
+            </a:lvl7pPr>
+            <a:lvl8pPr marL="3200400" algn="l" defTabSz="914400" rtl="0" eaLnBrk="1" latinLnBrk="0" hangingPunct="1">
+              <a:defRPr sz="1800" kern="1200">
+                <a:solidFill>
+                  <a:schemeClr val="lt1"/>
+                </a:solidFill>
+                <a:latin typeface="+mn-lt"/>
+                <a:ea typeface="+mn-ea"/>
+                <a:cs typeface="+mn-cs"/>
+              </a:defRPr>
+            </a:lvl8pPr>
+            <a:lvl9pPr marL="3657600" algn="l" defTabSz="914400" rtl="0" eaLnBrk="1" latinLnBrk="0" hangingPunct="1">
+              <a:defRPr sz="1800" kern="1200">
+                <a:solidFill>
+                  <a:schemeClr val="lt1"/>
+                </a:solidFill>
+                <a:latin typeface="+mn-lt"/>
+                <a:ea typeface="+mn-ea"/>
+                <a:cs typeface="+mn-cs"/>
+              </a:defRPr>
+            </a:lvl9pPr>
+          </a:lstStyle>
+          <a:p>
+            <a:pPr algn="ctr"/>
+            <a:endParaRPr lang="en-US"/>
+          </a:p>
+        </p:txBody>
+      </p:sp>
+      <p:sp>
+        <p:nvSpPr>
+          <p:cNvPr id="57" name="Rectangle 56">
+            <a:extLst>
+              <a:ext uri="{FF2B5EF4-FFF2-40B4-BE49-F238E27FC236}">
+                <a16:creationId xmlns:a16="http://schemas.microsoft.com/office/drawing/2014/main" id="{624BB2CD-6033-417F-AC1C-19D1816B6E08}"/>
+              </a:ext>
+              <a:ext uri="{C183D7F6-B498-43B3-948B-1728B52AA6E4}">
+                <adec:decorative xmlns:adec="http://schemas.microsoft.com/office/drawing/2017/decorative" val="1"/>
+              </a:ext>
+            </a:extLst>
+          </p:cNvPr>
+          <p:cNvSpPr>
+            <a:spLocks noGrp="1" noRot="1" noChangeAspect="1" noMove="1" noResize="1" noEditPoints="1" noAdjustHandles="1" noChangeArrowheads="1" noChangeShapeType="1" noTextEdit="1"/>
+          </p:cNvSpPr>
+          <p:nvPr>
+            <p:extLst>
+              <p:ext uri="{386F3935-93C4-4BCD-93E2-E3B085C9AB24}">
+                <p16:designElem xmlns:p16="http://schemas.microsoft.com/office/powerpoint/2015/main" val="1"/>
+              </p:ext>
+            </p:extLst>
+          </p:nvPr>
+        </p:nvSpPr>
+        <p:spPr>
+          <a:xfrm>
+            <a:off x="1478324" y="699899"/>
+            <a:ext cx="10713676" cy="5433318"/>
+          </a:xfrm>
+          <a:prstGeom prst="rect">
+            <a:avLst/>
+          </a:prstGeom>
+          <a:solidFill>
+            <a:schemeClr val="bg1"/>
+          </a:solidFill>
           <a:ln>
             <a:noFill/>
           </a:ln>
@@ -26823,191 +27734,37 @@
         </p:nvSpPr>
         <p:spPr>
           <a:xfrm>
-            <a:off x="589560" y="856180"/>
-            <a:ext cx="5279408" cy="1128068"/>
+            <a:off x="6250674" y="540167"/>
+            <a:ext cx="4769893" cy="2135867"/>
           </a:xfrm>
         </p:spPr>
         <p:txBody>
-          <a:bodyPr anchor="ctr">
+          <a:bodyPr anchor="b">
             <a:normAutofit/>
           </a:bodyPr>
           <a:lstStyle/>
           <a:p>
             <a:r>
-              <a:rPr lang="ko-KR" altLang="en-US" sz="3700"/>
+              <a:rPr lang="ko-KR" altLang="en-US" sz="4800"/>
               <a:t>시스템 소개 </a:t>
             </a:r>
             <a:r>
-              <a:rPr lang="en-US" altLang="ko-KR" sz="3700"/>
+              <a:rPr lang="en-US" altLang="ko-KR" sz="4800"/>
               <a:t>1. AI </a:t>
             </a:r>
             <a:r>
-              <a:rPr lang="ko-KR" altLang="en-US" sz="3700"/>
+              <a:rPr lang="ko-KR" altLang="en-US" sz="4800"/>
               <a:t>기반 상담 시스템</a:t>
             </a:r>
           </a:p>
         </p:txBody>
       </p:sp>
-      <p:grpSp>
-        <p:nvGrpSpPr>
-          <p:cNvPr id="31" name="Group 30">
+      <p:sp>
+        <p:nvSpPr>
+          <p:cNvPr id="59" name="Rectangle 58">
             <a:extLst>
               <a:ext uri="{FF2B5EF4-FFF2-40B4-BE49-F238E27FC236}">
-                <a16:creationId xmlns:a16="http://schemas.microsoft.com/office/drawing/2014/main" id="{1DE889C7-FAD6-4397-98E2-05D503484459}"/>
-              </a:ext>
-              <a:ext uri="{C183D7F6-B498-43B3-948B-1728B52AA6E4}">
-                <adec:decorative xmlns:adec="http://schemas.microsoft.com/office/drawing/2017/decorative" val="1"/>
-              </a:ext>
-            </a:extLst>
-          </p:cNvPr>
-          <p:cNvGrpSpPr>
-            <a:grpSpLocks noGrp="1" noUngrp="1" noRot="1" noChangeAspect="1" noMove="1" noResize="1"/>
-          </p:cNvGrpSpPr>
-          <p:nvPr>
-            <p:extLst>
-              <p:ext uri="{386F3935-93C4-4BCD-93E2-E3B085C9AB24}">
-                <p16:designElem xmlns:p16="http://schemas.microsoft.com/office/powerpoint/2015/main" val="1"/>
-              </p:ext>
-            </p:extLst>
-          </p:nvPr>
-        </p:nvGrpSpPr>
-        <p:grpSpPr>
-          <a:xfrm>
-            <a:off x="0" y="1083484"/>
-            <a:ext cx="355196" cy="673460"/>
-            <a:chOff x="0" y="823811"/>
-            <a:chExt cx="355196" cy="673460"/>
-          </a:xfrm>
-        </p:grpSpPr>
-        <p:sp>
-          <p:nvSpPr>
-            <p:cNvPr id="32" name="Rectangle 31">
-              <a:extLst>
-                <a:ext uri="{FF2B5EF4-FFF2-40B4-BE49-F238E27FC236}">
-                  <a16:creationId xmlns:a16="http://schemas.microsoft.com/office/drawing/2014/main" id="{F399A70F-F8CD-4992-9EF5-6CF15472E73F}"/>
-                </a:ext>
-                <a:ext uri="{C183D7F6-B498-43B3-948B-1728B52AA6E4}">
-                  <adec:decorative xmlns:adec="http://schemas.microsoft.com/office/drawing/2017/decorative" val="1"/>
-                </a:ext>
-              </a:extLst>
-            </p:cNvPr>
-            <p:cNvSpPr/>
-            <p:nvPr>
-              <p:extLst>
-                <p:ext uri="{386F3935-93C4-4BCD-93E2-E3B085C9AB24}">
-                  <p16:designElem xmlns:p16="http://schemas.microsoft.com/office/powerpoint/2015/main" val="1"/>
-                </p:ext>
-              </p:extLst>
-            </p:nvPr>
-          </p:nvSpPr>
-          <p:spPr>
-            <a:xfrm>
-              <a:off x="0" y="823811"/>
-              <a:ext cx="87363" cy="673460"/>
-            </a:xfrm>
-            <a:prstGeom prst="rect">
-              <a:avLst/>
-            </a:prstGeom>
-            <a:solidFill>
-              <a:schemeClr val="accent4"/>
-            </a:solidFill>
-            <a:ln>
-              <a:noFill/>
-            </a:ln>
-          </p:spPr>
-          <p:style>
-            <a:lnRef idx="2">
-              <a:schemeClr val="accent1">
-                <a:shade val="50000"/>
-              </a:schemeClr>
-            </a:lnRef>
-            <a:fillRef idx="1">
-              <a:schemeClr val="accent1"/>
-            </a:fillRef>
-            <a:effectRef idx="0">
-              <a:schemeClr val="accent1"/>
-            </a:effectRef>
-            <a:fontRef idx="minor">
-              <a:schemeClr val="lt1"/>
-            </a:fontRef>
-          </p:style>
-          <p:txBody>
-            <a:bodyPr rtlCol="0" anchor="ctr"/>
-            <a:lstStyle/>
-            <a:p>
-              <a:pPr algn="ctr"/>
-              <a:endParaRPr lang="en-US"/>
-            </a:p>
-          </p:txBody>
-        </p:sp>
-        <p:sp>
-          <p:nvSpPr>
-            <p:cNvPr id="33" name="Rectangle 32">
-              <a:extLst>
-                <a:ext uri="{FF2B5EF4-FFF2-40B4-BE49-F238E27FC236}">
-                  <a16:creationId xmlns:a16="http://schemas.microsoft.com/office/drawing/2014/main" id="{48F4FEDC-6D80-458C-A665-075D9B9500FD}"/>
-                </a:ext>
-                <a:ext uri="{C183D7F6-B498-43B3-948B-1728B52AA6E4}">
-                  <adec:decorative xmlns:adec="http://schemas.microsoft.com/office/drawing/2017/decorative" val="1"/>
-                </a:ext>
-              </a:extLst>
-            </p:cNvPr>
-            <p:cNvSpPr/>
-            <p:nvPr>
-              <p:extLst>
-                <p:ext uri="{386F3935-93C4-4BCD-93E2-E3B085C9AB24}">
-                  <p16:designElem xmlns:p16="http://schemas.microsoft.com/office/powerpoint/2015/main" val="1"/>
-                </p:ext>
-              </p:extLst>
-            </p:nvPr>
-          </p:nvSpPr>
-          <p:spPr>
-            <a:xfrm>
-              <a:off x="159341" y="823811"/>
-              <a:ext cx="195855" cy="673460"/>
-            </a:xfrm>
-            <a:prstGeom prst="rect">
-              <a:avLst/>
-            </a:prstGeom>
-            <a:solidFill>
-              <a:schemeClr val="accent4"/>
-            </a:solidFill>
-            <a:ln>
-              <a:noFill/>
-            </a:ln>
-          </p:spPr>
-          <p:style>
-            <a:lnRef idx="2">
-              <a:schemeClr val="accent1">
-                <a:shade val="50000"/>
-              </a:schemeClr>
-            </a:lnRef>
-            <a:fillRef idx="1">
-              <a:schemeClr val="accent1"/>
-            </a:fillRef>
-            <a:effectRef idx="0">
-              <a:schemeClr val="accent1"/>
-            </a:effectRef>
-            <a:fontRef idx="minor">
-              <a:schemeClr val="lt1"/>
-            </a:fontRef>
-          </p:style>
-          <p:txBody>
-            <a:bodyPr rtlCol="0" anchor="ctr"/>
-            <a:lstStyle/>
-            <a:p>
-              <a:pPr algn="ctr"/>
-              <a:endParaRPr lang="en-US"/>
-            </a:p>
-          </p:txBody>
-        </p:sp>
-      </p:grpSp>
-      <p:sp>
-        <p:nvSpPr>
-          <p:cNvPr id="35" name="Rectangle 34">
-            <a:extLst>
-              <a:ext uri="{FF2B5EF4-FFF2-40B4-BE49-F238E27FC236}">
-                <a16:creationId xmlns:a16="http://schemas.microsoft.com/office/drawing/2014/main" id="{3873B707-463F-40B0-8227-E8CC6C67EB25}"/>
+                <a16:creationId xmlns:a16="http://schemas.microsoft.com/office/drawing/2014/main" id="{CE264199-3E50-4B88-85D8-BB63D0AC70F1}"/>
               </a:ext>
               <a:ext uri="{C183D7F6-B498-43B3-948B-1728B52AA6E4}">
                 <adec:decorative xmlns:adec="http://schemas.microsoft.com/office/drawing/2017/decorative" val="1"/>
@@ -27026,45 +27783,430 @@
           </p:nvPr>
         </p:nvSpPr>
         <p:spPr>
-          <a:xfrm flipH="1">
-            <a:off x="665085" y="2123821"/>
-            <a:ext cx="4975066" cy="27432"/>
+          <a:xfrm rot="10800000">
+            <a:off x="-9426" y="706068"/>
+            <a:ext cx="2770222" cy="658897"/>
           </a:xfrm>
           <a:prstGeom prst="rect">
             <a:avLst/>
           </a:prstGeom>
           <a:solidFill>
-            <a:schemeClr val="accent4"/>
+            <a:schemeClr val="accent1">
+              <a:alpha val="25000"/>
+            </a:schemeClr>
           </a:solidFill>
-          <a:ln>
+          <a:ln w="25400" cap="flat">
             <a:noFill/>
+            <a:prstDash val="solid"/>
+            <a:round/>
           </a:ln>
+          <a:effectLst/>
+          <a:sp3d/>
         </p:spPr>
         <p:style>
-          <a:lnRef idx="2">
-            <a:schemeClr val="accent1">
-              <a:shade val="50000"/>
-            </a:schemeClr>
+          <a:lnRef idx="0">
+            <a:scrgbClr r="0" g="0" b="0"/>
           </a:lnRef>
-          <a:fillRef idx="1">
-            <a:schemeClr val="accent1"/>
+          <a:fillRef idx="0">
+            <a:scrgbClr r="0" g="0" b="0"/>
           </a:fillRef>
           <a:effectRef idx="0">
-            <a:schemeClr val="accent1"/>
+            <a:scrgbClr r="0" g="0" b="0"/>
           </a:effectRef>
-          <a:fontRef idx="minor">
-            <a:schemeClr val="lt1"/>
-          </a:fontRef>
+          <a:fontRef idx="none"/>
         </p:style>
         <p:txBody>
-          <a:bodyPr rtlCol="0" anchor="ctr"/>
-          <a:lstStyle/>
+          <a:bodyPr rot="0" spcFirstLastPara="1" vert="horz" wrap="square" lIns="0" tIns="0" rIns="0" bIns="0" numCol="1" spcCol="38100" rtlCol="0" anchor="ctr">
+            <a:spAutoFit/>
+          </a:bodyPr>
+          <a:lstStyle>
+            <a:defPPr>
+              <a:defRPr lang="en-US"/>
+            </a:defPPr>
+            <a:lvl1pPr marL="0" algn="l" defTabSz="914400" rtl="0" eaLnBrk="1" latinLnBrk="0" hangingPunct="1">
+              <a:defRPr sz="1800" kern="1200">
+                <a:solidFill>
+                  <a:schemeClr val="tx1"/>
+                </a:solidFill>
+                <a:latin typeface="+mn-lt"/>
+                <a:ea typeface="+mn-ea"/>
+                <a:cs typeface="+mn-cs"/>
+              </a:defRPr>
+            </a:lvl1pPr>
+            <a:lvl2pPr marL="457200" algn="l" defTabSz="914400" rtl="0" eaLnBrk="1" latinLnBrk="0" hangingPunct="1">
+              <a:defRPr sz="1800" kern="1200">
+                <a:solidFill>
+                  <a:schemeClr val="tx1"/>
+                </a:solidFill>
+                <a:latin typeface="+mn-lt"/>
+                <a:ea typeface="+mn-ea"/>
+                <a:cs typeface="+mn-cs"/>
+              </a:defRPr>
+            </a:lvl2pPr>
+            <a:lvl3pPr marL="914400" algn="l" defTabSz="914400" rtl="0" eaLnBrk="1" latinLnBrk="0" hangingPunct="1">
+              <a:defRPr sz="1800" kern="1200">
+                <a:solidFill>
+                  <a:schemeClr val="tx1"/>
+                </a:solidFill>
+                <a:latin typeface="+mn-lt"/>
+                <a:ea typeface="+mn-ea"/>
+                <a:cs typeface="+mn-cs"/>
+              </a:defRPr>
+            </a:lvl3pPr>
+            <a:lvl4pPr marL="1371600" algn="l" defTabSz="914400" rtl="0" eaLnBrk="1" latinLnBrk="0" hangingPunct="1">
+              <a:defRPr sz="1800" kern="1200">
+                <a:solidFill>
+                  <a:schemeClr val="tx1"/>
+                </a:solidFill>
+                <a:latin typeface="+mn-lt"/>
+                <a:ea typeface="+mn-ea"/>
+                <a:cs typeface="+mn-cs"/>
+              </a:defRPr>
+            </a:lvl4pPr>
+            <a:lvl5pPr marL="1828800" algn="l" defTabSz="914400" rtl="0" eaLnBrk="1" latinLnBrk="0" hangingPunct="1">
+              <a:defRPr sz="1800" kern="1200">
+                <a:solidFill>
+                  <a:schemeClr val="tx1"/>
+                </a:solidFill>
+                <a:latin typeface="+mn-lt"/>
+                <a:ea typeface="+mn-ea"/>
+                <a:cs typeface="+mn-cs"/>
+              </a:defRPr>
+            </a:lvl5pPr>
+            <a:lvl6pPr marL="2286000" algn="l" defTabSz="914400" rtl="0" eaLnBrk="1" latinLnBrk="0" hangingPunct="1">
+              <a:defRPr sz="1800" kern="1200">
+                <a:solidFill>
+                  <a:schemeClr val="tx1"/>
+                </a:solidFill>
+                <a:latin typeface="+mn-lt"/>
+                <a:ea typeface="+mn-ea"/>
+                <a:cs typeface="+mn-cs"/>
+              </a:defRPr>
+            </a:lvl6pPr>
+            <a:lvl7pPr marL="2743200" algn="l" defTabSz="914400" rtl="0" eaLnBrk="1" latinLnBrk="0" hangingPunct="1">
+              <a:defRPr sz="1800" kern="1200">
+                <a:solidFill>
+                  <a:schemeClr val="tx1"/>
+                </a:solidFill>
+                <a:latin typeface="+mn-lt"/>
+                <a:ea typeface="+mn-ea"/>
+                <a:cs typeface="+mn-cs"/>
+              </a:defRPr>
+            </a:lvl7pPr>
+            <a:lvl8pPr marL="3200400" algn="l" defTabSz="914400" rtl="0" eaLnBrk="1" latinLnBrk="0" hangingPunct="1">
+              <a:defRPr sz="1800" kern="1200">
+                <a:solidFill>
+                  <a:schemeClr val="tx1"/>
+                </a:solidFill>
+                <a:latin typeface="+mn-lt"/>
+                <a:ea typeface="+mn-ea"/>
+                <a:cs typeface="+mn-cs"/>
+              </a:defRPr>
+            </a:lvl8pPr>
+            <a:lvl9pPr marL="3657600" algn="l" defTabSz="914400" rtl="0" eaLnBrk="1" latinLnBrk="0" hangingPunct="1">
+              <a:defRPr sz="1800" kern="1200">
+                <a:solidFill>
+                  <a:schemeClr val="tx1"/>
+                </a:solidFill>
+                <a:latin typeface="+mn-lt"/>
+                <a:ea typeface="+mn-ea"/>
+                <a:cs typeface="+mn-cs"/>
+              </a:defRPr>
+            </a:lvl9pPr>
+          </a:lstStyle>
           <a:p>
-            <a:pPr algn="ctr"/>
-            <a:endParaRPr lang="en-US"/>
+            <a:pPr marL="0" marR="0" indent="0" algn="ctr" defTabSz="825500" rtl="0" fontAlgn="auto" latinLnBrk="0" hangingPunct="0">
+              <a:lnSpc>
+                <a:spcPct val="100000"/>
+              </a:lnSpc>
+              <a:spcBef>
+                <a:spcPts val="0"/>
+              </a:spcBef>
+              <a:spcAft>
+                <a:spcPts val="0"/>
+              </a:spcAft>
+              <a:buClrTx/>
+              <a:buSzTx/>
+              <a:buFontTx/>
+              <a:buNone/>
+              <a:tabLst/>
+            </a:pPr>
+            <a:endParaRPr kumimoji="0" lang="en-US" sz="3000" b="0" i="0" u="none" strike="noStrike" cap="none" spc="0" normalizeH="0" baseline="0">
+              <a:ln>
+                <a:noFill/>
+              </a:ln>
+              <a:solidFill>
+                <a:srgbClr val="000000"/>
+              </a:solidFill>
+              <a:effectLst/>
+              <a:uFillTx/>
+              <a:latin typeface="Helvetica Neue Medium"/>
+              <a:ea typeface="Helvetica Neue Medium"/>
+              <a:cs typeface="Helvetica Neue Medium"/>
+              <a:sym typeface="Helvetica Neue Medium"/>
+            </a:endParaRPr>
           </a:p>
         </p:txBody>
       </p:sp>
+      <p:pic>
+        <p:nvPicPr>
+          <p:cNvPr id="5" name="그림 4" descr="텍스트, 스크린샷, 폰트, 번호이(가) 표시된 사진&#10;&#10;자동 생성된 설명">
+            <a:extLst>
+              <a:ext uri="{FF2B5EF4-FFF2-40B4-BE49-F238E27FC236}">
+                <a16:creationId xmlns:a16="http://schemas.microsoft.com/office/drawing/2014/main" id="{01629F42-402E-F77E-7D51-C33E627D4B1B}"/>
+              </a:ext>
+            </a:extLst>
+          </p:cNvPr>
+          <p:cNvPicPr>
+            <a:picLocks noChangeAspect="1"/>
+          </p:cNvPicPr>
+          <p:nvPr/>
+        </p:nvPicPr>
+        <p:blipFill>
+          <a:blip r:embed="rId2">
+            <a:extLst>
+              <a:ext uri="{28A0092B-C50C-407E-A947-70E740481C1C}">
+                <a14:useLocalDpi xmlns:a14="http://schemas.microsoft.com/office/drawing/2010/main" val="0"/>
+              </a:ext>
+            </a:extLst>
+          </a:blip>
+          <a:srcRect r="-2" b="27004"/>
+          <a:stretch/>
+        </p:blipFill>
+        <p:spPr>
+          <a:xfrm>
+            <a:off x="69112" y="1243372"/>
+            <a:ext cx="2617576" cy="4899202"/>
+          </a:xfrm>
+          <a:prstGeom prst="rect">
+            <a:avLst/>
+          </a:prstGeom>
+        </p:spPr>
+      </p:pic>
+      <p:sp>
+        <p:nvSpPr>
+          <p:cNvPr id="61" name="Rectangle 60">
+            <a:extLst>
+              <a:ext uri="{FF2B5EF4-FFF2-40B4-BE49-F238E27FC236}">
+                <a16:creationId xmlns:a16="http://schemas.microsoft.com/office/drawing/2014/main" id="{8B9C3EB9-F9BE-462B-A1DE-DE39CE031E2F}"/>
+              </a:ext>
+              <a:ext uri="{C183D7F6-B498-43B3-948B-1728B52AA6E4}">
+                <adec:decorative xmlns:adec="http://schemas.microsoft.com/office/drawing/2017/decorative" val="1"/>
+              </a:ext>
+            </a:extLst>
+          </p:cNvPr>
+          <p:cNvSpPr>
+            <a:spLocks noGrp="1" noRot="1" noChangeAspect="1" noMove="1" noResize="1" noEditPoints="1" noAdjustHandles="1" noChangeArrowheads="1" noChangeShapeType="1" noTextEdit="1"/>
+          </p:cNvSpPr>
+          <p:nvPr>
+            <p:extLst>
+              <p:ext uri="{386F3935-93C4-4BCD-93E2-E3B085C9AB24}">
+                <p16:designElem xmlns:p16="http://schemas.microsoft.com/office/powerpoint/2015/main" val="1"/>
+              </p:ext>
+            </p:extLst>
+          </p:nvPr>
+        </p:nvSpPr>
+        <p:spPr>
+          <a:xfrm rot="10800000">
+            <a:off x="2876215" y="5486398"/>
+            <a:ext cx="2770205" cy="658897"/>
+          </a:xfrm>
+          <a:prstGeom prst="rect">
+            <a:avLst/>
+          </a:prstGeom>
+          <a:solidFill>
+            <a:schemeClr val="accent1">
+              <a:alpha val="25000"/>
+            </a:schemeClr>
+          </a:solidFill>
+          <a:ln w="25400" cap="flat">
+            <a:noFill/>
+            <a:prstDash val="solid"/>
+            <a:round/>
+          </a:ln>
+          <a:effectLst/>
+          <a:sp3d/>
+        </p:spPr>
+        <p:style>
+          <a:lnRef idx="0">
+            <a:scrgbClr r="0" g="0" b="0"/>
+          </a:lnRef>
+          <a:fillRef idx="0">
+            <a:scrgbClr r="0" g="0" b="0"/>
+          </a:fillRef>
+          <a:effectRef idx="0">
+            <a:scrgbClr r="0" g="0" b="0"/>
+          </a:effectRef>
+          <a:fontRef idx="none"/>
+        </p:style>
+        <p:txBody>
+          <a:bodyPr rot="0" spcFirstLastPara="1" vert="horz" wrap="square" lIns="0" tIns="0" rIns="0" bIns="0" numCol="1" spcCol="38100" rtlCol="0" anchor="ctr">
+            <a:spAutoFit/>
+          </a:bodyPr>
+          <a:lstStyle>
+            <a:defPPr>
+              <a:defRPr lang="en-US"/>
+            </a:defPPr>
+            <a:lvl1pPr marL="0" algn="l" defTabSz="914400" rtl="0" eaLnBrk="1" latinLnBrk="0" hangingPunct="1">
+              <a:defRPr sz="1800" kern="1200">
+                <a:solidFill>
+                  <a:schemeClr val="tx1"/>
+                </a:solidFill>
+                <a:latin typeface="+mn-lt"/>
+                <a:ea typeface="+mn-ea"/>
+                <a:cs typeface="+mn-cs"/>
+              </a:defRPr>
+            </a:lvl1pPr>
+            <a:lvl2pPr marL="457200" algn="l" defTabSz="914400" rtl="0" eaLnBrk="1" latinLnBrk="0" hangingPunct="1">
+              <a:defRPr sz="1800" kern="1200">
+                <a:solidFill>
+                  <a:schemeClr val="tx1"/>
+                </a:solidFill>
+                <a:latin typeface="+mn-lt"/>
+                <a:ea typeface="+mn-ea"/>
+                <a:cs typeface="+mn-cs"/>
+              </a:defRPr>
+            </a:lvl2pPr>
+            <a:lvl3pPr marL="914400" algn="l" defTabSz="914400" rtl="0" eaLnBrk="1" latinLnBrk="0" hangingPunct="1">
+              <a:defRPr sz="1800" kern="1200">
+                <a:solidFill>
+                  <a:schemeClr val="tx1"/>
+                </a:solidFill>
+                <a:latin typeface="+mn-lt"/>
+                <a:ea typeface="+mn-ea"/>
+                <a:cs typeface="+mn-cs"/>
+              </a:defRPr>
+            </a:lvl3pPr>
+            <a:lvl4pPr marL="1371600" algn="l" defTabSz="914400" rtl="0" eaLnBrk="1" latinLnBrk="0" hangingPunct="1">
+              <a:defRPr sz="1800" kern="1200">
+                <a:solidFill>
+                  <a:schemeClr val="tx1"/>
+                </a:solidFill>
+                <a:latin typeface="+mn-lt"/>
+                <a:ea typeface="+mn-ea"/>
+                <a:cs typeface="+mn-cs"/>
+              </a:defRPr>
+            </a:lvl4pPr>
+            <a:lvl5pPr marL="1828800" algn="l" defTabSz="914400" rtl="0" eaLnBrk="1" latinLnBrk="0" hangingPunct="1">
+              <a:defRPr sz="1800" kern="1200">
+                <a:solidFill>
+                  <a:schemeClr val="tx1"/>
+                </a:solidFill>
+                <a:latin typeface="+mn-lt"/>
+                <a:ea typeface="+mn-ea"/>
+                <a:cs typeface="+mn-cs"/>
+              </a:defRPr>
+            </a:lvl5pPr>
+            <a:lvl6pPr marL="2286000" algn="l" defTabSz="914400" rtl="0" eaLnBrk="1" latinLnBrk="0" hangingPunct="1">
+              <a:defRPr sz="1800" kern="1200">
+                <a:solidFill>
+                  <a:schemeClr val="tx1"/>
+                </a:solidFill>
+                <a:latin typeface="+mn-lt"/>
+                <a:ea typeface="+mn-ea"/>
+                <a:cs typeface="+mn-cs"/>
+              </a:defRPr>
+            </a:lvl6pPr>
+            <a:lvl7pPr marL="2743200" algn="l" defTabSz="914400" rtl="0" eaLnBrk="1" latinLnBrk="0" hangingPunct="1">
+              <a:defRPr sz="1800" kern="1200">
+                <a:solidFill>
+                  <a:schemeClr val="tx1"/>
+                </a:solidFill>
+                <a:latin typeface="+mn-lt"/>
+                <a:ea typeface="+mn-ea"/>
+                <a:cs typeface="+mn-cs"/>
+              </a:defRPr>
+            </a:lvl7pPr>
+            <a:lvl8pPr marL="3200400" algn="l" defTabSz="914400" rtl="0" eaLnBrk="1" latinLnBrk="0" hangingPunct="1">
+              <a:defRPr sz="1800" kern="1200">
+                <a:solidFill>
+                  <a:schemeClr val="tx1"/>
+                </a:solidFill>
+                <a:latin typeface="+mn-lt"/>
+                <a:ea typeface="+mn-ea"/>
+                <a:cs typeface="+mn-cs"/>
+              </a:defRPr>
+            </a:lvl8pPr>
+            <a:lvl9pPr marL="3657600" algn="l" defTabSz="914400" rtl="0" eaLnBrk="1" latinLnBrk="0" hangingPunct="1">
+              <a:defRPr sz="1800" kern="1200">
+                <a:solidFill>
+                  <a:schemeClr val="tx1"/>
+                </a:solidFill>
+                <a:latin typeface="+mn-lt"/>
+                <a:ea typeface="+mn-ea"/>
+                <a:cs typeface="+mn-cs"/>
+              </a:defRPr>
+            </a:lvl9pPr>
+          </a:lstStyle>
+          <a:p>
+            <a:pPr marL="0" marR="0" indent="0" algn="ctr" defTabSz="825500" rtl="0" fontAlgn="auto" latinLnBrk="0" hangingPunct="0">
+              <a:lnSpc>
+                <a:spcPct val="100000"/>
+              </a:lnSpc>
+              <a:spcBef>
+                <a:spcPts val="0"/>
+              </a:spcBef>
+              <a:spcAft>
+                <a:spcPts val="0"/>
+              </a:spcAft>
+              <a:buClrTx/>
+              <a:buSzTx/>
+              <a:buFontTx/>
+              <a:buNone/>
+              <a:tabLst/>
+            </a:pPr>
+            <a:endParaRPr kumimoji="0" lang="en-US" sz="3000" b="0" i="0" u="none" strike="noStrike" cap="none" spc="0" normalizeH="0" baseline="0">
+              <a:ln>
+                <a:noFill/>
+              </a:ln>
+              <a:solidFill>
+                <a:srgbClr val="000000"/>
+              </a:solidFill>
+              <a:effectLst/>
+              <a:uFillTx/>
+              <a:latin typeface="Helvetica Neue Medium"/>
+              <a:ea typeface="Helvetica Neue Medium"/>
+              <a:cs typeface="Helvetica Neue Medium"/>
+              <a:sym typeface="Helvetica Neue Medium"/>
+            </a:endParaRPr>
+          </a:p>
+        </p:txBody>
+      </p:sp>
+      <p:pic>
+        <p:nvPicPr>
+          <p:cNvPr id="7" name="그림 6" descr="텍스트, 스크린샷, 폰트, 편지이(가) 표시된 사진&#10;&#10;자동 생성된 설명">
+            <a:extLst>
+              <a:ext uri="{FF2B5EF4-FFF2-40B4-BE49-F238E27FC236}">
+                <a16:creationId xmlns:a16="http://schemas.microsoft.com/office/drawing/2014/main" id="{7343D019-0E3B-48B3-8C66-048A6B66E76C}"/>
+              </a:ext>
+            </a:extLst>
+          </p:cNvPr>
+          <p:cNvPicPr>
+            <a:picLocks noChangeAspect="1"/>
+          </p:cNvPicPr>
+          <p:nvPr/>
+        </p:nvPicPr>
+        <p:blipFill>
+          <a:blip r:embed="rId3">
+            <a:extLst>
+              <a:ext uri="{28A0092B-C50C-407E-A947-70E740481C1C}">
+                <a14:useLocalDpi xmlns:a14="http://schemas.microsoft.com/office/drawing/2010/main" val="0"/>
+              </a:ext>
+            </a:extLst>
+          </a:blip>
+          <a:srcRect t="10034" r="-2" b="16319"/>
+          <a:stretch/>
+        </p:blipFill>
+        <p:spPr>
+          <a:xfrm>
+            <a:off x="2957317" y="681186"/>
+            <a:ext cx="2608000" cy="4924812"/>
+          </a:xfrm>
+          <a:prstGeom prst="rect">
+            <a:avLst/>
+          </a:prstGeom>
+        </p:spPr>
+      </p:pic>
       <p:sp>
         <p:nvSpPr>
           <p:cNvPr id="3" name="내용 개체 틀 2">
@@ -27083,56 +28225,56 @@
         </p:nvSpPr>
         <p:spPr>
           <a:xfrm>
-            <a:off x="590719" y="2330505"/>
-            <a:ext cx="5278066" cy="3979585"/>
+            <a:off x="6250674" y="2880452"/>
+            <a:ext cx="4769893" cy="3095445"/>
           </a:xfrm>
         </p:spPr>
         <p:txBody>
-          <a:bodyPr anchor="ctr">
+          <a:bodyPr anchor="t">
             <a:normAutofit/>
           </a:bodyPr>
           <a:lstStyle/>
           <a:p>
             <a:r>
-              <a:rPr lang="en-US" altLang="ko-KR" sz="2000"/>
+              <a:rPr lang="en-US" altLang="ko-KR" sz="1800"/>
               <a:t>AI </a:t>
             </a:r>
             <a:r>
-              <a:rPr lang="ko-KR" altLang="en-US" sz="2000"/>
+              <a:rPr lang="ko-KR" altLang="en-US" sz="1800"/>
               <a:t>기반 카운셀링 시스템 제공</a:t>
             </a:r>
             <a:r>
-              <a:rPr lang="en-US" altLang="ko-KR" sz="2000"/>
+              <a:rPr lang="en-US" altLang="ko-KR" sz="1800"/>
               <a:t>. </a:t>
             </a:r>
           </a:p>
           <a:p>
             <a:r>
-              <a:rPr lang="ko-KR" altLang="en-US" sz="2000"/>
+              <a:rPr lang="ko-KR" altLang="en-US" sz="1800"/>
               <a:t>상담 내용은 철저하게 비밀로 보장됨</a:t>
             </a:r>
-            <a:endParaRPr lang="en-US" altLang="ko-KR" sz="2000"/>
+            <a:endParaRPr lang="en-US" altLang="ko-KR" sz="1800"/>
           </a:p>
           <a:p>
-            <a:endParaRPr lang="ko-KR" altLang="en-US" sz="2000"/>
+            <a:endParaRPr lang="ko-KR" altLang="en-US" sz="1800"/>
           </a:p>
         </p:txBody>
       </p:sp>
-      <p:sp>
-        <p:nvSpPr>
-          <p:cNvPr id="37" name="Rectangle 36">
+      <p:cxnSp>
+        <p:nvCxnSpPr>
+          <p:cNvPr id="63" name="Straight Connector 62">
             <a:extLst>
               <a:ext uri="{FF2B5EF4-FFF2-40B4-BE49-F238E27FC236}">
-                <a16:creationId xmlns:a16="http://schemas.microsoft.com/office/drawing/2014/main" id="{C13237C8-E62C-4F0D-A318-BD6FB6C2D138}"/>
+                <a16:creationId xmlns:a16="http://schemas.microsoft.com/office/drawing/2014/main" id="{F085D7B9-E066-4923-8CB7-294BF306296A}"/>
               </a:ext>
               <a:ext uri="{C183D7F6-B498-43B3-948B-1728B52AA6E4}">
                 <adec:decorative xmlns:adec="http://schemas.microsoft.com/office/drawing/2017/decorative" val="1"/>
               </a:ext>
             </a:extLst>
           </p:cNvPr>
-          <p:cNvSpPr>
-            <a:spLocks noGrp="1" noRot="1" noChangeAspect="1" noMove="1" noResize="1" noEditPoints="1" noAdjustHandles="1" noChangeArrowheads="1" noChangeShapeType="1" noTextEdit="1"/>
-          </p:cNvSpPr>
+          <p:cNvCxnSpPr>
+            <a:cxnSpLocks noGrp="1" noRot="1" noChangeAspect="1" noMove="1" noResize="1" noEditPoints="1" noAdjustHandles="1" noChangeArrowheads="1" noChangeShapeType="1"/>
+          </p:cNvCxnSpPr>
           <p:nvPr>
             <p:extLst>
               <p:ext uri="{386F3935-93C4-4BCD-93E2-E3B085C9AB24}">
@@ -27140,62 +28282,52 @@
               </p:ext>
             </p:extLst>
           </p:nvPr>
-        </p:nvSpPr>
+        </p:nvCxnSpPr>
         <p:spPr>
-          <a:xfrm flipH="1">
-            <a:off x="10697670" y="0"/>
-            <a:ext cx="1494330" cy="6858000"/>
+          <a:xfrm flipV="1">
+            <a:off x="11365990" y="5610"/>
+            <a:ext cx="0" cy="6858000"/>
           </a:xfrm>
-          <a:prstGeom prst="rect">
+          <a:prstGeom prst="line">
             <a:avLst/>
           </a:prstGeom>
-          <a:solidFill>
-            <a:schemeClr val="accent4"/>
-          </a:solidFill>
-          <a:ln>
-            <a:noFill/>
+          <a:ln w="9525" cap="rnd">
+            <a:solidFill>
+              <a:schemeClr val="accent1"/>
+            </a:solidFill>
+            <a:prstDash val="dash"/>
           </a:ln>
         </p:spPr>
         <p:style>
-          <a:lnRef idx="2">
-            <a:schemeClr val="accent1">
-              <a:shade val="50000"/>
-            </a:schemeClr>
+          <a:lnRef idx="1">
+            <a:schemeClr val="accent1"/>
           </a:lnRef>
-          <a:fillRef idx="1">
+          <a:fillRef idx="0">
             <a:schemeClr val="accent1"/>
           </a:fillRef>
           <a:effectRef idx="0">
             <a:schemeClr val="accent1"/>
           </a:effectRef>
           <a:fontRef idx="minor">
-            <a:schemeClr val="lt1"/>
+            <a:schemeClr val="tx1"/>
           </a:fontRef>
         </p:style>
-        <p:txBody>
-          <a:bodyPr rtlCol="0" anchor="ctr"/>
-          <a:lstStyle/>
-          <a:p>
-            <a:pPr algn="ctr"/>
-            <a:endParaRPr lang="en-US"/>
-          </a:p>
-        </p:txBody>
-      </p:sp>
-      <p:sp>
-        <p:nvSpPr>
-          <p:cNvPr id="39" name="Rectangle 38">
+      </p:cxnSp>
+      <p:cxnSp>
+        <p:nvCxnSpPr>
+          <p:cNvPr id="65" name="Straight Connector 64">
             <a:extLst>
               <a:ext uri="{FF2B5EF4-FFF2-40B4-BE49-F238E27FC236}">
-                <a16:creationId xmlns:a16="http://schemas.microsoft.com/office/drawing/2014/main" id="{19C9EAEA-39D0-4B0E-A0EB-51E7B26740B1}"/>
+                <a16:creationId xmlns:a16="http://schemas.microsoft.com/office/drawing/2014/main" id="{25443840-A796-4C43-8DC1-1B738EFEC522}"/>
               </a:ext>
               <a:ext uri="{C183D7F6-B498-43B3-948B-1728B52AA6E4}">
                 <adec:decorative xmlns:adec="http://schemas.microsoft.com/office/drawing/2017/decorative" val="1"/>
               </a:ext>
             </a:extLst>
           </p:cNvPr>
-          <p:cNvSpPr>
-            <a:spLocks noGrp="1" noRot="1" noChangeAspect="1" noMove="1" noResize="1" noEditPoints="1" noAdjustHandles="1" noChangeArrowheads="1" noChangeShapeType="1" noTextEdit="1"/>
-          </p:cNvSpPr>
+          <p:cNvCxnSpPr>
+            <a:cxnSpLocks noGrp="1" noRot="1" noChangeAspect="1" noMove="1" noResize="1" noEditPoints="1" noAdjustHandles="1" noChangeArrowheads="1" noChangeShapeType="1"/>
+          </p:cNvCxnSpPr>
           <p:nvPr>
             <p:extLst>
               <p:ext uri="{386F3935-93C4-4BCD-93E2-E3B085C9AB24}">
@@ -27203,182 +28335,37 @@
               </p:ext>
             </p:extLst>
           </p:nvPr>
-        </p:nvSpPr>
+        </p:nvCxnSpPr>
         <p:spPr>
           <a:xfrm>
-            <a:off x="6849687" y="357447"/>
-            <a:ext cx="4845488" cy="2923587"/>
+            <a:off x="0" y="6151930"/>
+            <a:ext cx="12192000" cy="0"/>
           </a:xfrm>
-          <a:prstGeom prst="rect">
+          <a:prstGeom prst="line">
             <a:avLst/>
           </a:prstGeom>
-          <a:solidFill>
-            <a:schemeClr val="bg1"/>
-          </a:solidFill>
-          <a:ln>
-            <a:noFill/>
+          <a:ln w="9525" cap="rnd">
+            <a:solidFill>
+              <a:schemeClr val="accent1"/>
+            </a:solidFill>
+            <a:prstDash val="dash"/>
           </a:ln>
-          <a:effectLst>
-            <a:outerShdw blurRad="139700" dist="127000" dir="5400000" algn="t" rotWithShape="0">
-              <a:prstClr val="black">
-                <a:alpha val="15000"/>
-              </a:prstClr>
-            </a:outerShdw>
-          </a:effectLst>
         </p:spPr>
         <p:style>
-          <a:lnRef idx="2">
-            <a:schemeClr val="accent1">
-              <a:shade val="50000"/>
-            </a:schemeClr>
+          <a:lnRef idx="1">
+            <a:schemeClr val="accent1"/>
           </a:lnRef>
-          <a:fillRef idx="1">
+          <a:fillRef idx="0">
             <a:schemeClr val="accent1"/>
           </a:fillRef>
           <a:effectRef idx="0">
             <a:schemeClr val="accent1"/>
           </a:effectRef>
           <a:fontRef idx="minor">
-            <a:schemeClr val="lt1"/>
+            <a:schemeClr val="tx1"/>
           </a:fontRef>
         </p:style>
-        <p:txBody>
-          <a:bodyPr rtlCol="0" anchor="ctr"/>
-          <a:lstStyle/>
-          <a:p>
-            <a:pPr algn="ctr"/>
-            <a:endParaRPr lang="en-US"/>
-          </a:p>
-        </p:txBody>
-      </p:sp>
-      <p:pic>
-        <p:nvPicPr>
-          <p:cNvPr id="9" name="그림 8">
-            <a:extLst>
-              <a:ext uri="{FF2B5EF4-FFF2-40B4-BE49-F238E27FC236}">
-                <a16:creationId xmlns:a16="http://schemas.microsoft.com/office/drawing/2014/main" id="{4D87A5E3-CDB6-D4DA-4D44-4EEC761F1E1C}"/>
-              </a:ext>
-            </a:extLst>
-          </p:cNvPr>
-          <p:cNvPicPr>
-            <a:picLocks noChangeAspect="1"/>
-          </p:cNvPicPr>
-          <p:nvPr/>
-        </p:nvPicPr>
-        <p:blipFill>
-          <a:blip r:embed="rId2"/>
-          <a:srcRect r="4" b="35098"/>
-          <a:stretch/>
-        </p:blipFill>
-        <p:spPr>
-          <a:xfrm>
-            <a:off x="7083423" y="581892"/>
-            <a:ext cx="4397433" cy="2518756"/>
-          </a:xfrm>
-          <a:prstGeom prst="rect">
-            <a:avLst/>
-          </a:prstGeom>
-        </p:spPr>
-      </p:pic>
-      <p:sp>
-        <p:nvSpPr>
-          <p:cNvPr id="41" name="Rectangle 40">
-            <a:extLst>
-              <a:ext uri="{FF2B5EF4-FFF2-40B4-BE49-F238E27FC236}">
-                <a16:creationId xmlns:a16="http://schemas.microsoft.com/office/drawing/2014/main" id="{8CB5D2D7-DF65-4E86-BFBA-FFB9B5ACEB64}"/>
-              </a:ext>
-              <a:ext uri="{C183D7F6-B498-43B3-948B-1728B52AA6E4}">
-                <adec:decorative xmlns:adec="http://schemas.microsoft.com/office/drawing/2017/decorative" val="1"/>
-              </a:ext>
-            </a:extLst>
-          </p:cNvPr>
-          <p:cNvSpPr>
-            <a:spLocks noGrp="1" noRot="1" noChangeAspect="1" noMove="1" noResize="1" noEditPoints="1" noAdjustHandles="1" noChangeArrowheads="1" noChangeShapeType="1" noTextEdit="1"/>
-          </p:cNvSpPr>
-          <p:nvPr>
-            <p:extLst>
-              <p:ext uri="{386F3935-93C4-4BCD-93E2-E3B085C9AB24}">
-                <p16:designElem xmlns:p16="http://schemas.microsoft.com/office/powerpoint/2015/main" val="1"/>
-              </p:ext>
-            </p:extLst>
-          </p:nvPr>
-        </p:nvSpPr>
-        <p:spPr>
-          <a:xfrm>
-            <a:off x="6849687" y="3505479"/>
-            <a:ext cx="4845488" cy="2923587"/>
-          </a:xfrm>
-          <a:prstGeom prst="rect">
-            <a:avLst/>
-          </a:prstGeom>
-          <a:solidFill>
-            <a:schemeClr val="bg1"/>
-          </a:solidFill>
-          <a:ln>
-            <a:noFill/>
-          </a:ln>
-          <a:effectLst>
-            <a:outerShdw blurRad="139700" dist="127000" dir="5400000" algn="t" rotWithShape="0">
-              <a:prstClr val="black">
-                <a:alpha val="15000"/>
-              </a:prstClr>
-            </a:outerShdw>
-          </a:effectLst>
-        </p:spPr>
-        <p:style>
-          <a:lnRef idx="2">
-            <a:schemeClr val="accent1">
-              <a:shade val="50000"/>
-            </a:schemeClr>
-          </a:lnRef>
-          <a:fillRef idx="1">
-            <a:schemeClr val="accent1"/>
-          </a:fillRef>
-          <a:effectRef idx="0">
-            <a:schemeClr val="accent1"/>
-          </a:effectRef>
-          <a:fontRef idx="minor">
-            <a:schemeClr val="lt1"/>
-          </a:fontRef>
-        </p:style>
-        <p:txBody>
-          <a:bodyPr rtlCol="0" anchor="ctr"/>
-          <a:lstStyle/>
-          <a:p>
-            <a:pPr algn="ctr"/>
-            <a:endParaRPr lang="en-US"/>
-          </a:p>
-        </p:txBody>
-      </p:sp>
-      <p:pic>
-        <p:nvPicPr>
-          <p:cNvPr id="11" name="그림 10">
-            <a:extLst>
-              <a:ext uri="{FF2B5EF4-FFF2-40B4-BE49-F238E27FC236}">
-                <a16:creationId xmlns:a16="http://schemas.microsoft.com/office/drawing/2014/main" id="{3BD15E84-2017-28AB-C1DD-DB934B320D3C}"/>
-              </a:ext>
-            </a:extLst>
-          </p:cNvPr>
-          <p:cNvPicPr>
-            <a:picLocks noChangeAspect="1"/>
-          </p:cNvPicPr>
-          <p:nvPr/>
-        </p:nvPicPr>
-        <p:blipFill>
-          <a:blip r:embed="rId3"/>
-          <a:srcRect t="17951" r="1" b="17118"/>
-          <a:stretch/>
-        </p:blipFill>
-        <p:spPr>
-          <a:xfrm>
-            <a:off x="7083423" y="3707894"/>
-            <a:ext cx="4395569" cy="2518756"/>
-          </a:xfrm>
-          <a:prstGeom prst="rect">
-            <a:avLst/>
-          </a:prstGeom>
-        </p:spPr>
-      </p:pic>
+      </p:cxnSp>
     </p:spTree>
     <p:extLst>
       <p:ext uri="{BB962C8B-B14F-4D97-AF65-F5344CB8AC3E}">
@@ -27423,66 +28410,6 @@
           <a:chExt cx="0" cy="0"/>
         </a:xfrm>
       </p:grpSpPr>
-      <p:sp useBgFill="1">
-        <p:nvSpPr>
-          <p:cNvPr id="23" name="Rectangle 22">
-            <a:extLst>
-              <a:ext uri="{FF2B5EF4-FFF2-40B4-BE49-F238E27FC236}">
-                <a16:creationId xmlns:a16="http://schemas.microsoft.com/office/drawing/2014/main" id="{201CC55D-ED54-4C5C-95E6-10947BD1103B}"/>
-              </a:ext>
-              <a:ext uri="{C183D7F6-B498-43B3-948B-1728B52AA6E4}">
-                <adec:decorative xmlns:adec="http://schemas.microsoft.com/office/drawing/2017/decorative" val="1"/>
-              </a:ext>
-            </a:extLst>
-          </p:cNvPr>
-          <p:cNvSpPr>
-            <a:spLocks noGrp="1" noRot="1" noChangeAspect="1" noMove="1" noResize="1" noEditPoints="1" noAdjustHandles="1" noChangeArrowheads="1" noChangeShapeType="1" noTextEdit="1"/>
-          </p:cNvSpPr>
-          <p:nvPr>
-            <p:extLst>
-              <p:ext uri="{386F3935-93C4-4BCD-93E2-E3B085C9AB24}">
-                <p16:designElem xmlns:p16="http://schemas.microsoft.com/office/powerpoint/2015/main" val="1"/>
-              </p:ext>
-            </p:extLst>
-          </p:nvPr>
-        </p:nvSpPr>
-        <p:spPr>
-          <a:xfrm>
-            <a:off x="0" y="0"/>
-            <a:ext cx="12191999" cy="6857365"/>
-          </a:xfrm>
-          <a:prstGeom prst="rect">
-            <a:avLst/>
-          </a:prstGeom>
-          <a:ln>
-            <a:noFill/>
-          </a:ln>
-        </p:spPr>
-        <p:style>
-          <a:lnRef idx="2">
-            <a:schemeClr val="accent1">
-              <a:shade val="50000"/>
-            </a:schemeClr>
-          </a:lnRef>
-          <a:fillRef idx="1">
-            <a:schemeClr val="accent1"/>
-          </a:fillRef>
-          <a:effectRef idx="0">
-            <a:schemeClr val="accent1"/>
-          </a:effectRef>
-          <a:fontRef idx="minor">
-            <a:schemeClr val="lt1"/>
-          </a:fontRef>
-        </p:style>
-        <p:txBody>
-          <a:bodyPr rtlCol="0" anchor="ctr"/>
-          <a:lstStyle/>
-          <a:p>
-            <a:pPr algn="ctr"/>
-            <a:endParaRPr lang="en-US"/>
-          </a:p>
-        </p:txBody>
-      </p:sp>
       <p:sp>
         <p:nvSpPr>
           <p:cNvPr id="2" name="제목 1">
@@ -27501,54 +28428,54 @@
         </p:nvSpPr>
         <p:spPr>
           <a:xfrm>
-            <a:off x="589560" y="856180"/>
-            <a:ext cx="4560584" cy="1128068"/>
+            <a:off x="761840" y="1138265"/>
+            <a:ext cx="4544762" cy="1401183"/>
           </a:xfrm>
         </p:spPr>
         <p:txBody>
-          <a:bodyPr anchor="ctr">
+          <a:bodyPr anchor="t">
             <a:normAutofit/>
           </a:bodyPr>
           <a:lstStyle/>
           <a:p>
             <a:r>
-              <a:rPr lang="ko-KR" altLang="en-US" sz="3700"/>
+              <a:rPr lang="ko-KR" altLang="en-US" sz="3200"/>
               <a:t>시스템 소개 </a:t>
             </a:r>
             <a:r>
-              <a:rPr lang="en-US" altLang="ko-KR" sz="3700"/>
+              <a:rPr lang="en-US" altLang="ko-KR" sz="3200"/>
               <a:t>2. </a:t>
             </a:r>
             <a:r>
-              <a:rPr lang="ko-KR" altLang="en-US" sz="3700"/>
+              <a:rPr lang="ko-KR" altLang="en-US" sz="3200"/>
               <a:t>그래프형 </a:t>
             </a:r>
             <a:r>
-              <a:rPr lang="en-US" altLang="ko-KR" sz="3700"/>
+              <a:rPr lang="en-US" altLang="ko-KR" sz="3200"/>
               <a:t>SNS </a:t>
             </a:r>
             <a:r>
-              <a:rPr lang="ko-KR" altLang="en-US" sz="3700"/>
+              <a:rPr lang="ko-KR" altLang="en-US" sz="3200"/>
               <a:t>시스템</a:t>
             </a:r>
           </a:p>
         </p:txBody>
       </p:sp>
-      <p:grpSp>
-        <p:nvGrpSpPr>
-          <p:cNvPr id="25" name="Group 24">
+      <p:cxnSp>
+        <p:nvCxnSpPr>
+          <p:cNvPr id="38" name="Straight Connector 37">
             <a:extLst>
               <a:ext uri="{FF2B5EF4-FFF2-40B4-BE49-F238E27FC236}">
-                <a16:creationId xmlns:a16="http://schemas.microsoft.com/office/drawing/2014/main" id="{1DE889C7-FAD6-4397-98E2-05D503484459}"/>
+                <a16:creationId xmlns:a16="http://schemas.microsoft.com/office/drawing/2014/main" id="{FC23E3B9-5ABF-58B3-E2B0-E9A5DAA90037}"/>
               </a:ext>
               <a:ext uri="{C183D7F6-B498-43B3-948B-1728B52AA6E4}">
                 <adec:decorative xmlns:adec="http://schemas.microsoft.com/office/drawing/2017/decorative" val="1"/>
               </a:ext>
             </a:extLst>
           </p:cNvPr>
-          <p:cNvGrpSpPr>
-            <a:grpSpLocks noGrp="1" noUngrp="1" noRot="1" noChangeAspect="1" noMove="1" noResize="1"/>
-          </p:cNvGrpSpPr>
+          <p:cNvCxnSpPr>
+            <a:cxnSpLocks noGrp="1" noRot="1" noChangeAspect="1" noMove="1" noResize="1" noEditPoints="1" noAdjustHandles="1" noChangeArrowheads="1" noChangeShapeType="1"/>
+          </p:cNvCxnSpPr>
           <p:nvPr>
             <p:extLst>
               <p:ext uri="{386F3935-93C4-4BCD-93E2-E3B085C9AB24}">
@@ -27556,201 +28483,36 @@
               </p:ext>
             </p:extLst>
           </p:nvPr>
-        </p:nvGrpSpPr>
-        <p:grpSpPr>
+        </p:nvCxnSpPr>
+        <p:spPr>
           <a:xfrm>
-            <a:off x="0" y="1083484"/>
-            <a:ext cx="355196" cy="673460"/>
-            <a:chOff x="0" y="823811"/>
-            <a:chExt cx="355196" cy="673460"/>
+            <a:off x="861462" y="871146"/>
+            <a:ext cx="736939" cy="0"/>
           </a:xfrm>
-        </p:grpSpPr>
-        <p:sp>
-          <p:nvSpPr>
-            <p:cNvPr id="26" name="Rectangle 25">
-              <a:extLst>
-                <a:ext uri="{FF2B5EF4-FFF2-40B4-BE49-F238E27FC236}">
-                  <a16:creationId xmlns:a16="http://schemas.microsoft.com/office/drawing/2014/main" id="{F399A70F-F8CD-4992-9EF5-6CF15472E73F}"/>
-                </a:ext>
-                <a:ext uri="{C183D7F6-B498-43B3-948B-1728B52AA6E4}">
-                  <adec:decorative xmlns:adec="http://schemas.microsoft.com/office/drawing/2017/decorative" val="1"/>
-                </a:ext>
-              </a:extLst>
-            </p:cNvPr>
-            <p:cNvSpPr/>
-            <p:nvPr>
-              <p:extLst>
-                <p:ext uri="{386F3935-93C4-4BCD-93E2-E3B085C9AB24}">
-                  <p16:designElem xmlns:p16="http://schemas.microsoft.com/office/powerpoint/2015/main" val="1"/>
-                </p:ext>
-              </p:extLst>
-            </p:nvPr>
-          </p:nvSpPr>
-          <p:spPr>
-            <a:xfrm>
-              <a:off x="0" y="823811"/>
-              <a:ext cx="87363" cy="673460"/>
-            </a:xfrm>
-            <a:prstGeom prst="rect">
-              <a:avLst/>
-            </a:prstGeom>
+          <a:prstGeom prst="line">
+            <a:avLst/>
+          </a:prstGeom>
+          <a:ln w="57150">
             <a:solidFill>
               <a:schemeClr val="accent4"/>
             </a:solidFill>
-            <a:ln>
-              <a:noFill/>
-            </a:ln>
-          </p:spPr>
-          <p:style>
-            <a:lnRef idx="2">
-              <a:schemeClr val="accent1">
-                <a:shade val="50000"/>
-              </a:schemeClr>
-            </a:lnRef>
-            <a:fillRef idx="1">
-              <a:schemeClr val="accent1"/>
-            </a:fillRef>
-            <a:effectRef idx="0">
-              <a:schemeClr val="accent1"/>
-            </a:effectRef>
-            <a:fontRef idx="minor">
-              <a:schemeClr val="lt1"/>
-            </a:fontRef>
-          </p:style>
-          <p:txBody>
-            <a:bodyPr rtlCol="0" anchor="ctr"/>
-            <a:lstStyle/>
-            <a:p>
-              <a:pPr algn="ctr"/>
-              <a:endParaRPr lang="en-US"/>
-            </a:p>
-          </p:txBody>
-        </p:sp>
-        <p:sp>
-          <p:nvSpPr>
-            <p:cNvPr id="27" name="Rectangle 26">
-              <a:extLst>
-                <a:ext uri="{FF2B5EF4-FFF2-40B4-BE49-F238E27FC236}">
-                  <a16:creationId xmlns:a16="http://schemas.microsoft.com/office/drawing/2014/main" id="{48F4FEDC-6D80-458C-A665-075D9B9500FD}"/>
-                </a:ext>
-                <a:ext uri="{C183D7F6-B498-43B3-948B-1728B52AA6E4}">
-                  <adec:decorative xmlns:adec="http://schemas.microsoft.com/office/drawing/2017/decorative" val="1"/>
-                </a:ext>
-              </a:extLst>
-            </p:cNvPr>
-            <p:cNvSpPr/>
-            <p:nvPr>
-              <p:extLst>
-                <p:ext uri="{386F3935-93C4-4BCD-93E2-E3B085C9AB24}">
-                  <p16:designElem xmlns:p16="http://schemas.microsoft.com/office/powerpoint/2015/main" val="1"/>
-                </p:ext>
-              </p:extLst>
-            </p:nvPr>
-          </p:nvSpPr>
-          <p:spPr>
-            <a:xfrm>
-              <a:off x="159341" y="823811"/>
-              <a:ext cx="195855" cy="673460"/>
-            </a:xfrm>
-            <a:prstGeom prst="rect">
-              <a:avLst/>
-            </a:prstGeom>
-            <a:solidFill>
-              <a:schemeClr val="accent4"/>
-            </a:solidFill>
-            <a:ln>
-              <a:noFill/>
-            </a:ln>
-          </p:spPr>
-          <p:style>
-            <a:lnRef idx="2">
-              <a:schemeClr val="accent1">
-                <a:shade val="50000"/>
-              </a:schemeClr>
-            </a:lnRef>
-            <a:fillRef idx="1">
-              <a:schemeClr val="accent1"/>
-            </a:fillRef>
-            <a:effectRef idx="0">
-              <a:schemeClr val="accent1"/>
-            </a:effectRef>
-            <a:fontRef idx="minor">
-              <a:schemeClr val="lt1"/>
-            </a:fontRef>
-          </p:style>
-          <p:txBody>
-            <a:bodyPr rtlCol="0" anchor="ctr"/>
-            <a:lstStyle/>
-            <a:p>
-              <a:pPr algn="ctr"/>
-              <a:endParaRPr lang="en-US"/>
-            </a:p>
-          </p:txBody>
-        </p:sp>
-      </p:grpSp>
-      <p:sp>
-        <p:nvSpPr>
-          <p:cNvPr id="29" name="Rectangle 28">
-            <a:extLst>
-              <a:ext uri="{FF2B5EF4-FFF2-40B4-BE49-F238E27FC236}">
-                <a16:creationId xmlns:a16="http://schemas.microsoft.com/office/drawing/2014/main" id="{3873B707-463F-40B0-8227-E8CC6C67EB25}"/>
-              </a:ext>
-              <a:ext uri="{C183D7F6-B498-43B3-948B-1728B52AA6E4}">
-                <adec:decorative xmlns:adec="http://schemas.microsoft.com/office/drawing/2017/decorative" val="1"/>
-              </a:ext>
-            </a:extLst>
-          </p:cNvPr>
-          <p:cNvSpPr>
-            <a:spLocks noGrp="1" noRot="1" noChangeAspect="1" noMove="1" noResize="1" noEditPoints="1" noAdjustHandles="1" noChangeArrowheads="1" noChangeShapeType="1" noTextEdit="1"/>
-          </p:cNvSpPr>
-          <p:nvPr>
-            <p:extLst>
-              <p:ext uri="{386F3935-93C4-4BCD-93E2-E3B085C9AB24}">
-                <p16:designElem xmlns:p16="http://schemas.microsoft.com/office/powerpoint/2015/main" val="1"/>
-              </p:ext>
-            </p:extLst>
-          </p:nvPr>
-        </p:nvSpPr>
-        <p:spPr>
-          <a:xfrm flipH="1">
-            <a:off x="665085" y="2090569"/>
-            <a:ext cx="4297680" cy="27432"/>
-          </a:xfrm>
-          <a:prstGeom prst="rect">
-            <a:avLst/>
-          </a:prstGeom>
-          <a:solidFill>
-            <a:schemeClr val="accent4"/>
-          </a:solidFill>
-          <a:ln>
-            <a:noFill/>
           </a:ln>
         </p:spPr>
         <p:style>
-          <a:lnRef idx="2">
-            <a:schemeClr val="accent1">
-              <a:shade val="50000"/>
-            </a:schemeClr>
+          <a:lnRef idx="1">
+            <a:schemeClr val="accent1"/>
           </a:lnRef>
-          <a:fillRef idx="1">
+          <a:fillRef idx="0">
             <a:schemeClr val="accent1"/>
           </a:fillRef>
           <a:effectRef idx="0">
             <a:schemeClr val="accent1"/>
           </a:effectRef>
           <a:fontRef idx="minor">
-            <a:schemeClr val="lt1"/>
+            <a:schemeClr val="tx1"/>
           </a:fontRef>
         </p:style>
-        <p:txBody>
-          <a:bodyPr rtlCol="0" anchor="ctr"/>
-          <a:lstStyle/>
-          <a:p>
-            <a:pPr algn="ctr"/>
-            <a:endParaRPr lang="en-US"/>
-          </a:p>
-        </p:txBody>
-      </p:sp>
+      </p:cxnSp>
       <p:sp>
         <p:nvSpPr>
           <p:cNvPr id="3" name="내용 개체 틀 2">
@@ -27769,12 +28531,12 @@
         </p:nvSpPr>
         <p:spPr>
           <a:xfrm>
-            <a:off x="590719" y="2330505"/>
-            <a:ext cx="4559425" cy="3979585"/>
+            <a:off x="761840" y="2551176"/>
+            <a:ext cx="4544762" cy="3602935"/>
           </a:xfrm>
         </p:spPr>
         <p:txBody>
-          <a:bodyPr anchor="ctr">
+          <a:bodyPr>
             <a:normAutofit/>
           </a:bodyPr>
           <a:lstStyle/>
@@ -27837,168 +28599,566 @@
           </a:p>
         </p:txBody>
       </p:sp>
-      <p:sp>
-        <p:nvSpPr>
-          <p:cNvPr id="31" name="Rectangle 30">
+      <p:grpSp>
+        <p:nvGrpSpPr>
+          <p:cNvPr id="15" name="그룹 14">
             <a:extLst>
               <a:ext uri="{FF2B5EF4-FFF2-40B4-BE49-F238E27FC236}">
-                <a16:creationId xmlns:a16="http://schemas.microsoft.com/office/drawing/2014/main" id="{C13237C8-E62C-4F0D-A318-BD6FB6C2D138}"/>
-              </a:ext>
-              <a:ext uri="{C183D7F6-B498-43B3-948B-1728B52AA6E4}">
-                <adec:decorative xmlns:adec="http://schemas.microsoft.com/office/drawing/2017/decorative" val="1"/>
+                <a16:creationId xmlns:a16="http://schemas.microsoft.com/office/drawing/2014/main" id="{7E17A51B-5134-F8E2-00D7-3E7C63513088}"/>
               </a:ext>
             </a:extLst>
           </p:cNvPr>
-          <p:cNvSpPr>
-            <a:spLocks noGrp="1" noRot="1" noChangeAspect="1" noMove="1" noResize="1" noEditPoints="1" noAdjustHandles="1" noChangeArrowheads="1" noChangeShapeType="1" noTextEdit="1"/>
-          </p:cNvSpPr>
-          <p:nvPr>
-            <p:extLst>
-              <p:ext uri="{386F3935-93C4-4BCD-93E2-E3B085C9AB24}">
-                <p16:designElem xmlns:p16="http://schemas.microsoft.com/office/powerpoint/2015/main" val="1"/>
-              </p:ext>
-            </p:extLst>
-          </p:nvPr>
-        </p:nvSpPr>
-        <p:spPr>
-          <a:xfrm flipH="1">
-            <a:off x="10697670" y="0"/>
-            <a:ext cx="1494330" cy="6858000"/>
+          <p:cNvGrpSpPr/>
+          <p:nvPr/>
+        </p:nvGrpSpPr>
+        <p:grpSpPr>
+          <a:xfrm>
+            <a:off x="7712317" y="771753"/>
+            <a:ext cx="2075022" cy="5316095"/>
+            <a:chOff x="7961155" y="0"/>
+            <a:chExt cx="2676871" cy="6858000"/>
           </a:xfrm>
-          <a:prstGeom prst="rect">
-            <a:avLst/>
-          </a:prstGeom>
-          <a:solidFill>
-            <a:schemeClr val="accent4"/>
-          </a:solidFill>
-          <a:ln>
-            <a:noFill/>
-          </a:ln>
-        </p:spPr>
-        <p:style>
-          <a:lnRef idx="2">
-            <a:schemeClr val="accent1">
-              <a:shade val="50000"/>
-            </a:schemeClr>
-          </a:lnRef>
-          <a:fillRef idx="1">
-            <a:schemeClr val="accent1"/>
-          </a:fillRef>
-          <a:effectRef idx="0">
-            <a:schemeClr val="accent1"/>
-          </a:effectRef>
-          <a:fontRef idx="minor">
-            <a:schemeClr val="lt1"/>
-          </a:fontRef>
-        </p:style>
-        <p:txBody>
-          <a:bodyPr rtlCol="0" anchor="ctr"/>
-          <a:lstStyle/>
-          <a:p>
-            <a:pPr algn="ctr"/>
-            <a:endParaRPr lang="en-US"/>
-          </a:p>
-        </p:txBody>
-      </p:sp>
-      <p:sp>
-        <p:nvSpPr>
-          <p:cNvPr id="33" name="Rectangle 32">
-            <a:extLst>
-              <a:ext uri="{FF2B5EF4-FFF2-40B4-BE49-F238E27FC236}">
-                <a16:creationId xmlns:a16="http://schemas.microsoft.com/office/drawing/2014/main" id="{19C9EAEA-39D0-4B0E-A0EB-51E7B26740B1}"/>
-              </a:ext>
-              <a:ext uri="{C183D7F6-B498-43B3-948B-1728B52AA6E4}">
-                <adec:decorative xmlns:adec="http://schemas.microsoft.com/office/drawing/2017/decorative" val="1"/>
-              </a:ext>
-            </a:extLst>
-          </p:cNvPr>
-          <p:cNvSpPr>
-            <a:spLocks noGrp="1" noRot="1" noChangeAspect="1" noMove="1" noResize="1" noEditPoints="1" noAdjustHandles="1" noChangeArrowheads="1" noChangeShapeType="1" noTextEdit="1"/>
-          </p:cNvSpPr>
-          <p:nvPr>
-            <p:extLst>
-              <p:ext uri="{386F3935-93C4-4BCD-93E2-E3B085C9AB24}">
-                <p16:designElem xmlns:p16="http://schemas.microsoft.com/office/powerpoint/2015/main" val="1"/>
-              </p:ext>
-            </p:extLst>
-          </p:nvPr>
-        </p:nvSpPr>
-        <p:spPr>
-          <a:xfrm>
-            <a:off x="5685810" y="513853"/>
-            <a:ext cx="6009366" cy="5834577"/>
-          </a:xfrm>
-          <a:prstGeom prst="rect">
-            <a:avLst/>
-          </a:prstGeom>
-          <a:solidFill>
-            <a:schemeClr val="bg1"/>
-          </a:solidFill>
-          <a:ln>
-            <a:noFill/>
-          </a:ln>
-          <a:effectLst>
-            <a:outerShdw blurRad="139700" dist="127000" dir="5400000" algn="t" rotWithShape="0">
-              <a:prstClr val="black">
-                <a:alpha val="15000"/>
-              </a:prstClr>
-            </a:outerShdw>
-          </a:effectLst>
-        </p:spPr>
-        <p:style>
-          <a:lnRef idx="2">
-            <a:schemeClr val="accent1">
-              <a:shade val="50000"/>
-            </a:schemeClr>
-          </a:lnRef>
-          <a:fillRef idx="1">
-            <a:schemeClr val="accent1"/>
-          </a:fillRef>
-          <a:effectRef idx="0">
-            <a:schemeClr val="accent1"/>
-          </a:effectRef>
-          <a:fontRef idx="minor">
-            <a:schemeClr val="lt1"/>
-          </a:fontRef>
-        </p:style>
-        <p:txBody>
-          <a:bodyPr rtlCol="0" anchor="ctr"/>
-          <a:lstStyle/>
-          <a:p>
-            <a:pPr algn="ctr"/>
-            <a:endParaRPr lang="en-US"/>
-          </a:p>
-        </p:txBody>
-      </p:sp>
-      <p:pic>
-        <p:nvPicPr>
-          <p:cNvPr id="5" name="그림 4">
-            <a:extLst>
-              <a:ext uri="{FF2B5EF4-FFF2-40B4-BE49-F238E27FC236}">
-                <a16:creationId xmlns:a16="http://schemas.microsoft.com/office/drawing/2014/main" id="{9E0C2D59-BE50-B191-CC2A-D44F5D0A4EFF}"/>
-              </a:ext>
-            </a:extLst>
-          </p:cNvPr>
-          <p:cNvPicPr>
-            <a:picLocks noChangeAspect="1"/>
-          </p:cNvPicPr>
-          <p:nvPr/>
-        </p:nvPicPr>
-        <p:blipFill>
-          <a:blip r:embed="rId2"/>
-          <a:srcRect l="3836" r="5128" b="1"/>
-          <a:stretch/>
-        </p:blipFill>
-        <p:spPr>
-          <a:xfrm>
-            <a:off x="5977788" y="799352"/>
-            <a:ext cx="5425410" cy="5259296"/>
-          </a:xfrm>
-          <a:prstGeom prst="rect">
-            <a:avLst/>
-          </a:prstGeom>
-        </p:spPr>
-      </p:pic>
+        </p:grpSpPr>
+        <p:pic>
+          <p:nvPicPr>
+            <p:cNvPr id="6" name="그림 5" descr="텍스트, 스크린샷, 도표, 디자인이(가) 표시된 사진&#10;&#10;자동 생성된 설명">
+              <a:extLst>
+                <a:ext uri="{FF2B5EF4-FFF2-40B4-BE49-F238E27FC236}">
+                  <a16:creationId xmlns:a16="http://schemas.microsoft.com/office/drawing/2014/main" id="{BC3C50C9-84AB-A51A-CCC6-3DCBC8361416}"/>
+                </a:ext>
+              </a:extLst>
+            </p:cNvPr>
+            <p:cNvPicPr>
+              <a:picLocks noChangeAspect="1"/>
+            </p:cNvPicPr>
+            <p:nvPr/>
+          </p:nvPicPr>
+          <p:blipFill>
+            <a:blip r:embed="rId2">
+              <a:extLst>
+                <a:ext uri="{28A0092B-C50C-407E-A947-70E740481C1C}">
+                  <a14:useLocalDpi xmlns:a14="http://schemas.microsoft.com/office/drawing/2010/main" val="0"/>
+                </a:ext>
+              </a:extLst>
+            </a:blip>
+            <a:stretch>
+              <a:fillRect/>
+            </a:stretch>
+          </p:blipFill>
+          <p:spPr>
+            <a:xfrm>
+              <a:off x="7961156" y="0"/>
+              <a:ext cx="2676870" cy="6858000"/>
+            </a:xfrm>
+            <a:prstGeom prst="rect">
+              <a:avLst/>
+            </a:prstGeom>
+          </p:spPr>
+        </p:pic>
+        <p:sp>
+          <p:nvSpPr>
+            <p:cNvPr id="7" name="직사각형 6">
+              <a:extLst>
+                <a:ext uri="{FF2B5EF4-FFF2-40B4-BE49-F238E27FC236}">
+                  <a16:creationId xmlns:a16="http://schemas.microsoft.com/office/drawing/2014/main" id="{E25E9304-0D2C-0149-6358-5163A5C6F928}"/>
+                </a:ext>
+              </a:extLst>
+            </p:cNvPr>
+            <p:cNvSpPr/>
+            <p:nvPr/>
+          </p:nvSpPr>
+          <p:spPr>
+            <a:xfrm>
+              <a:off x="7964777" y="662152"/>
+              <a:ext cx="2659117" cy="5620506"/>
+            </a:xfrm>
+            <a:prstGeom prst="rect">
+              <a:avLst/>
+            </a:prstGeom>
+            <a:solidFill>
+              <a:schemeClr val="accent6">
+                <a:lumMod val="20000"/>
+                <a:lumOff val="80000"/>
+              </a:schemeClr>
+            </a:solidFill>
+            <a:ln>
+              <a:noFill/>
+            </a:ln>
+          </p:spPr>
+          <p:style>
+            <a:lnRef idx="2">
+              <a:schemeClr val="accent1">
+                <a:shade val="15000"/>
+              </a:schemeClr>
+            </a:lnRef>
+            <a:fillRef idx="1">
+              <a:schemeClr val="accent1"/>
+            </a:fillRef>
+            <a:effectRef idx="0">
+              <a:schemeClr val="accent1"/>
+            </a:effectRef>
+            <a:fontRef idx="minor">
+              <a:schemeClr val="lt1"/>
+            </a:fontRef>
+          </p:style>
+          <p:txBody>
+            <a:bodyPr rtlCol="0" anchor="ctr"/>
+            <a:lstStyle/>
+            <a:p>
+              <a:pPr algn="ctr"/>
+              <a:endParaRPr lang="ko-KR" altLang="en-US"/>
+            </a:p>
+          </p:txBody>
+        </p:sp>
+        <p:sp>
+          <p:nvSpPr>
+            <p:cNvPr id="8" name="타원 7">
+              <a:extLst>
+                <a:ext uri="{FF2B5EF4-FFF2-40B4-BE49-F238E27FC236}">
+                  <a16:creationId xmlns:a16="http://schemas.microsoft.com/office/drawing/2014/main" id="{B9978ACC-C884-C15F-ED1C-FF7FC5A7CD9E}"/>
+                </a:ext>
+              </a:extLst>
+            </p:cNvPr>
+            <p:cNvSpPr/>
+            <p:nvPr/>
+          </p:nvSpPr>
+          <p:spPr>
+            <a:xfrm>
+              <a:off x="7961155" y="5283417"/>
+              <a:ext cx="999241" cy="999241"/>
+            </a:xfrm>
+            <a:prstGeom prst="ellipse">
+              <a:avLst/>
+            </a:prstGeom>
+          </p:spPr>
+          <p:style>
+            <a:lnRef idx="2">
+              <a:schemeClr val="accent4">
+                <a:shade val="15000"/>
+              </a:schemeClr>
+            </a:lnRef>
+            <a:fillRef idx="1">
+              <a:schemeClr val="accent4"/>
+            </a:fillRef>
+            <a:effectRef idx="0">
+              <a:schemeClr val="accent4"/>
+            </a:effectRef>
+            <a:fontRef idx="minor">
+              <a:schemeClr val="lt1"/>
+            </a:fontRef>
+          </p:style>
+          <p:txBody>
+            <a:bodyPr rtlCol="0" anchor="ctr"/>
+            <a:lstStyle/>
+            <a:p>
+              <a:pPr algn="ctr" defTabSz="704088">
+                <a:spcAft>
+                  <a:spcPts val="600"/>
+                </a:spcAft>
+              </a:pPr>
+              <a:r>
+                <a:rPr lang="ko-KR" altLang="en-US" sz="1386" kern="1200">
+                  <a:solidFill>
+                    <a:schemeClr val="lt1"/>
+                  </a:solidFill>
+                  <a:latin typeface="+mn-lt"/>
+                  <a:ea typeface="KoPub돋움체 Bold" panose="02020603020101020101" pitchFamily="18" charset="-127"/>
+                  <a:cs typeface="+mn-cs"/>
+                </a:rPr>
+                <a:t>걱정</a:t>
+              </a:r>
+              <a:endParaRPr lang="ko-KR" altLang="en-US">
+                <a:latin typeface="KoPub돋움체 Bold" panose="02020603020101020101" pitchFamily="18" charset="-127"/>
+                <a:ea typeface="KoPub돋움체 Bold" panose="02020603020101020101" pitchFamily="18" charset="-127"/>
+              </a:endParaRPr>
+            </a:p>
+          </p:txBody>
+        </p:sp>
+        <p:sp>
+          <p:nvSpPr>
+            <p:cNvPr id="9" name="타원 8">
+              <a:extLst>
+                <a:ext uri="{FF2B5EF4-FFF2-40B4-BE49-F238E27FC236}">
+                  <a16:creationId xmlns:a16="http://schemas.microsoft.com/office/drawing/2014/main" id="{25F9FD4B-833D-6B07-C45D-783B2AF2A02C}"/>
+                </a:ext>
+              </a:extLst>
+            </p:cNvPr>
+            <p:cNvSpPr/>
+            <p:nvPr/>
+          </p:nvSpPr>
+          <p:spPr>
+            <a:xfrm>
+              <a:off x="8996441" y="5778631"/>
+              <a:ext cx="504027" cy="504027"/>
+            </a:xfrm>
+            <a:prstGeom prst="ellipse">
+              <a:avLst/>
+            </a:prstGeom>
+          </p:spPr>
+          <p:style>
+            <a:lnRef idx="2">
+              <a:schemeClr val="accent4">
+                <a:shade val="15000"/>
+              </a:schemeClr>
+            </a:lnRef>
+            <a:fillRef idx="1">
+              <a:schemeClr val="accent4"/>
+            </a:fillRef>
+            <a:effectRef idx="0">
+              <a:schemeClr val="accent4"/>
+            </a:effectRef>
+            <a:fontRef idx="minor">
+              <a:schemeClr val="lt1"/>
+            </a:fontRef>
+          </p:style>
+          <p:txBody>
+            <a:bodyPr rtlCol="0" anchor="ctr"/>
+            <a:lstStyle/>
+            <a:p>
+              <a:pPr algn="ctr" defTabSz="704088">
+                <a:spcAft>
+                  <a:spcPts val="600"/>
+                </a:spcAft>
+              </a:pPr>
+              <a:r>
+                <a:rPr lang="ko-KR" altLang="en-US" sz="1386" kern="1200">
+                  <a:solidFill>
+                    <a:schemeClr val="lt1"/>
+                  </a:solidFill>
+                  <a:latin typeface="+mn-lt"/>
+                  <a:ea typeface="KoPub돋움체 Bold" panose="02020603020101020101" pitchFamily="18" charset="-127"/>
+                  <a:cs typeface="+mn-cs"/>
+                </a:rPr>
+                <a:t>걱정</a:t>
+              </a:r>
+              <a:endParaRPr lang="ko-KR" altLang="en-US">
+                <a:latin typeface="KoPub돋움체 Bold" panose="02020603020101020101" pitchFamily="18" charset="-127"/>
+                <a:ea typeface="KoPub돋움체 Bold" panose="02020603020101020101" pitchFamily="18" charset="-127"/>
+              </a:endParaRPr>
+            </a:p>
+          </p:txBody>
+        </p:sp>
+        <p:sp>
+          <p:nvSpPr>
+            <p:cNvPr id="10" name="타원 9">
+              <a:extLst>
+                <a:ext uri="{FF2B5EF4-FFF2-40B4-BE49-F238E27FC236}">
+                  <a16:creationId xmlns:a16="http://schemas.microsoft.com/office/drawing/2014/main" id="{341E15CE-EC4F-D56E-CD12-9FD9AB528954}"/>
+                </a:ext>
+              </a:extLst>
+            </p:cNvPr>
+            <p:cNvSpPr/>
+            <p:nvPr/>
+          </p:nvSpPr>
+          <p:spPr>
+            <a:xfrm>
+              <a:off x="9431427" y="5460845"/>
+              <a:ext cx="504027" cy="504027"/>
+            </a:xfrm>
+            <a:prstGeom prst="ellipse">
+              <a:avLst/>
+            </a:prstGeom>
+          </p:spPr>
+          <p:style>
+            <a:lnRef idx="2">
+              <a:schemeClr val="accent4">
+                <a:shade val="15000"/>
+              </a:schemeClr>
+            </a:lnRef>
+            <a:fillRef idx="1">
+              <a:schemeClr val="accent4"/>
+            </a:fillRef>
+            <a:effectRef idx="0">
+              <a:schemeClr val="accent4"/>
+            </a:effectRef>
+            <a:fontRef idx="minor">
+              <a:schemeClr val="lt1"/>
+            </a:fontRef>
+          </p:style>
+          <p:txBody>
+            <a:bodyPr rtlCol="0" anchor="ctr"/>
+            <a:lstStyle/>
+            <a:p>
+              <a:pPr algn="ctr" defTabSz="704088">
+                <a:spcAft>
+                  <a:spcPts val="600"/>
+                </a:spcAft>
+              </a:pPr>
+              <a:r>
+                <a:rPr lang="ko-KR" altLang="en-US" sz="1386" kern="1200">
+                  <a:solidFill>
+                    <a:schemeClr val="lt1"/>
+                  </a:solidFill>
+                  <a:latin typeface="+mn-lt"/>
+                  <a:ea typeface="KoPub돋움체 Bold" panose="02020603020101020101" pitchFamily="18" charset="-127"/>
+                  <a:cs typeface="+mn-cs"/>
+                </a:rPr>
+                <a:t>걱정</a:t>
+              </a:r>
+              <a:endParaRPr lang="ko-KR" altLang="en-US">
+                <a:latin typeface="KoPub돋움체 Bold" panose="02020603020101020101" pitchFamily="18" charset="-127"/>
+                <a:ea typeface="KoPub돋움체 Bold" panose="02020603020101020101" pitchFamily="18" charset="-127"/>
+              </a:endParaRPr>
+            </a:p>
+          </p:txBody>
+        </p:sp>
+        <p:sp>
+          <p:nvSpPr>
+            <p:cNvPr id="11" name="타원 10">
+              <a:extLst>
+                <a:ext uri="{FF2B5EF4-FFF2-40B4-BE49-F238E27FC236}">
+                  <a16:creationId xmlns:a16="http://schemas.microsoft.com/office/drawing/2014/main" id="{3999B244-EA6F-8416-9C94-4B1CB635DB44}"/>
+                </a:ext>
+              </a:extLst>
+            </p:cNvPr>
+            <p:cNvSpPr/>
+            <p:nvPr/>
+          </p:nvSpPr>
+          <p:spPr>
+            <a:xfrm>
+              <a:off x="9939075" y="5657231"/>
+              <a:ext cx="684819" cy="684819"/>
+            </a:xfrm>
+            <a:prstGeom prst="ellipse">
+              <a:avLst/>
+            </a:prstGeom>
+          </p:spPr>
+          <p:style>
+            <a:lnRef idx="2">
+              <a:schemeClr val="accent4">
+                <a:shade val="15000"/>
+              </a:schemeClr>
+            </a:lnRef>
+            <a:fillRef idx="1">
+              <a:schemeClr val="accent4"/>
+            </a:fillRef>
+            <a:effectRef idx="0">
+              <a:schemeClr val="accent4"/>
+            </a:effectRef>
+            <a:fontRef idx="minor">
+              <a:schemeClr val="lt1"/>
+            </a:fontRef>
+          </p:style>
+          <p:txBody>
+            <a:bodyPr rtlCol="0" anchor="ctr"/>
+            <a:lstStyle/>
+            <a:p>
+              <a:pPr algn="ctr" defTabSz="704088">
+                <a:spcAft>
+                  <a:spcPts val="600"/>
+                </a:spcAft>
+              </a:pPr>
+              <a:r>
+                <a:rPr lang="ko-KR" altLang="en-US" sz="1386" kern="1200">
+                  <a:solidFill>
+                    <a:schemeClr val="lt1"/>
+                  </a:solidFill>
+                  <a:latin typeface="+mn-lt"/>
+                  <a:ea typeface="KoPub돋움체 Bold" panose="02020603020101020101" pitchFamily="18" charset="-127"/>
+                  <a:cs typeface="+mn-cs"/>
+                </a:rPr>
+                <a:t>걱정</a:t>
+              </a:r>
+              <a:endParaRPr lang="ko-KR" altLang="en-US">
+                <a:latin typeface="KoPub돋움체 Bold" panose="02020603020101020101" pitchFamily="18" charset="-127"/>
+                <a:ea typeface="KoPub돋움체 Bold" panose="02020603020101020101" pitchFamily="18" charset="-127"/>
+              </a:endParaRPr>
+            </a:p>
+          </p:txBody>
+        </p:sp>
+        <p:sp>
+          <p:nvSpPr>
+            <p:cNvPr id="12" name="타원 11">
+              <a:extLst>
+                <a:ext uri="{FF2B5EF4-FFF2-40B4-BE49-F238E27FC236}">
+                  <a16:creationId xmlns:a16="http://schemas.microsoft.com/office/drawing/2014/main" id="{3AC533A5-2C59-2623-8691-C7728AADD114}"/>
+                </a:ext>
+              </a:extLst>
+            </p:cNvPr>
+            <p:cNvSpPr/>
+            <p:nvPr/>
+          </p:nvSpPr>
+          <p:spPr>
+            <a:xfrm>
+              <a:off x="8427860" y="3836290"/>
+              <a:ext cx="1679651" cy="1679651"/>
+            </a:xfrm>
+            <a:prstGeom prst="ellipse">
+              <a:avLst/>
+            </a:prstGeom>
+          </p:spPr>
+          <p:style>
+            <a:lnRef idx="2">
+              <a:schemeClr val="accent4">
+                <a:shade val="15000"/>
+              </a:schemeClr>
+            </a:lnRef>
+            <a:fillRef idx="1">
+              <a:schemeClr val="accent4"/>
+            </a:fillRef>
+            <a:effectRef idx="0">
+              <a:schemeClr val="accent4"/>
+            </a:effectRef>
+            <a:fontRef idx="minor">
+              <a:schemeClr val="lt1"/>
+            </a:fontRef>
+          </p:style>
+          <p:txBody>
+            <a:bodyPr rtlCol="0" anchor="ctr"/>
+            <a:lstStyle/>
+            <a:p>
+              <a:pPr algn="ctr" defTabSz="704088">
+                <a:spcAft>
+                  <a:spcPts val="600"/>
+                </a:spcAft>
+              </a:pPr>
+              <a:r>
+                <a:rPr lang="ko-KR" altLang="en-US" sz="1386" kern="1200">
+                  <a:solidFill>
+                    <a:schemeClr val="lt1"/>
+                  </a:solidFill>
+                  <a:latin typeface="+mn-lt"/>
+                  <a:ea typeface="KoPub돋움체 Bold" panose="02020603020101020101" pitchFamily="18" charset="-127"/>
+                  <a:cs typeface="+mn-cs"/>
+                </a:rPr>
+                <a:t>걱정</a:t>
+              </a:r>
+              <a:endParaRPr lang="ko-KR" altLang="en-US">
+                <a:latin typeface="KoPub돋움체 Bold" panose="02020603020101020101" pitchFamily="18" charset="-127"/>
+                <a:ea typeface="KoPub돋움체 Bold" panose="02020603020101020101" pitchFamily="18" charset="-127"/>
+              </a:endParaRPr>
+            </a:p>
+          </p:txBody>
+        </p:sp>
+        <p:sp>
+          <p:nvSpPr>
+            <p:cNvPr id="13" name="타원 12">
+              <a:extLst>
+                <a:ext uri="{FF2B5EF4-FFF2-40B4-BE49-F238E27FC236}">
+                  <a16:creationId xmlns:a16="http://schemas.microsoft.com/office/drawing/2014/main" id="{78F457D4-EC62-891C-18A9-6721B1DB7036}"/>
+                </a:ext>
+              </a:extLst>
+            </p:cNvPr>
+            <p:cNvSpPr/>
+            <p:nvPr/>
+          </p:nvSpPr>
+          <p:spPr>
+            <a:xfrm>
+              <a:off x="9848678" y="3472420"/>
+              <a:ext cx="684819" cy="684819"/>
+            </a:xfrm>
+            <a:prstGeom prst="ellipse">
+              <a:avLst/>
+            </a:prstGeom>
+          </p:spPr>
+          <p:style>
+            <a:lnRef idx="2">
+              <a:schemeClr val="accent4">
+                <a:shade val="15000"/>
+              </a:schemeClr>
+            </a:lnRef>
+            <a:fillRef idx="1">
+              <a:schemeClr val="accent4"/>
+            </a:fillRef>
+            <a:effectRef idx="0">
+              <a:schemeClr val="accent4"/>
+            </a:effectRef>
+            <a:fontRef idx="minor">
+              <a:schemeClr val="lt1"/>
+            </a:fontRef>
+          </p:style>
+          <p:txBody>
+            <a:bodyPr rtlCol="0" anchor="ctr"/>
+            <a:lstStyle/>
+            <a:p>
+              <a:pPr algn="ctr" defTabSz="704088">
+                <a:spcAft>
+                  <a:spcPts val="600"/>
+                </a:spcAft>
+              </a:pPr>
+              <a:r>
+                <a:rPr lang="ko-KR" altLang="en-US" sz="1386" kern="1200">
+                  <a:solidFill>
+                    <a:schemeClr val="lt1"/>
+                  </a:solidFill>
+                  <a:latin typeface="+mn-lt"/>
+                  <a:ea typeface="KoPub돋움체 Bold" panose="02020603020101020101" pitchFamily="18" charset="-127"/>
+                  <a:cs typeface="+mn-cs"/>
+                </a:rPr>
+                <a:t>걱정</a:t>
+              </a:r>
+              <a:endParaRPr lang="ko-KR" altLang="en-US">
+                <a:latin typeface="KoPub돋움체 Bold" panose="02020603020101020101" pitchFamily="18" charset="-127"/>
+                <a:ea typeface="KoPub돋움체 Bold" panose="02020603020101020101" pitchFamily="18" charset="-127"/>
+              </a:endParaRPr>
+            </a:p>
+          </p:txBody>
+        </p:sp>
+        <p:sp>
+          <p:nvSpPr>
+            <p:cNvPr id="14" name="타원 13">
+              <a:extLst>
+                <a:ext uri="{FF2B5EF4-FFF2-40B4-BE49-F238E27FC236}">
+                  <a16:creationId xmlns:a16="http://schemas.microsoft.com/office/drawing/2014/main" id="{45C09A76-595F-CFA3-4A6B-4A46F45AF386}"/>
+                </a:ext>
+              </a:extLst>
+            </p:cNvPr>
+            <p:cNvSpPr/>
+            <p:nvPr/>
+          </p:nvSpPr>
+          <p:spPr>
+            <a:xfrm>
+              <a:off x="8011325" y="3077321"/>
+              <a:ext cx="999241" cy="999241"/>
+            </a:xfrm>
+            <a:prstGeom prst="ellipse">
+              <a:avLst/>
+            </a:prstGeom>
+          </p:spPr>
+          <p:style>
+            <a:lnRef idx="2">
+              <a:schemeClr val="accent4">
+                <a:shade val="15000"/>
+              </a:schemeClr>
+            </a:lnRef>
+            <a:fillRef idx="1">
+              <a:schemeClr val="accent4"/>
+            </a:fillRef>
+            <a:effectRef idx="0">
+              <a:schemeClr val="accent4"/>
+            </a:effectRef>
+            <a:fontRef idx="minor">
+              <a:schemeClr val="lt1"/>
+            </a:fontRef>
+          </p:style>
+          <p:txBody>
+            <a:bodyPr rtlCol="0" anchor="ctr"/>
+            <a:lstStyle/>
+            <a:p>
+              <a:pPr algn="ctr" defTabSz="704088">
+                <a:spcAft>
+                  <a:spcPts val="600"/>
+                </a:spcAft>
+              </a:pPr>
+              <a:r>
+                <a:rPr lang="ko-KR" altLang="en-US" sz="1386" kern="1200">
+                  <a:solidFill>
+                    <a:schemeClr val="lt1"/>
+                  </a:solidFill>
+                  <a:latin typeface="+mn-lt"/>
+                  <a:ea typeface="KoPub돋움체 Bold" panose="02020603020101020101" pitchFamily="18" charset="-127"/>
+                  <a:cs typeface="+mn-cs"/>
+                </a:rPr>
+                <a:t>걱정</a:t>
+              </a:r>
+              <a:endParaRPr lang="ko-KR" altLang="en-US">
+                <a:latin typeface="KoPub돋움체 Bold" panose="02020603020101020101" pitchFamily="18" charset="-127"/>
+                <a:ea typeface="KoPub돋움체 Bold" panose="02020603020101020101" pitchFamily="18" charset="-127"/>
+              </a:endParaRPr>
+            </a:p>
+          </p:txBody>
+        </p:sp>
+      </p:grpSp>
     </p:spTree>
     <p:extLst>
       <p:ext uri="{BB962C8B-B14F-4D97-AF65-F5344CB8AC3E}">
